--- a/day 4/SAC_Training Day 4.pptx
+++ b/day 4/SAC_Training Day 4.pptx
@@ -6,23 +6,20 @@
     <p:sldMasterId id="2147483660" r:id="rId2"/>
   </p:sldMasterIdLst>
   <p:notesMasterIdLst>
-    <p:notesMasterId r:id="rId17"/>
+    <p:notesMasterId r:id="rId14"/>
   </p:notesMasterIdLst>
   <p:sldIdLst>
     <p:sldId id="256" r:id="rId3"/>
     <p:sldId id="463" r:id="rId4"/>
-    <p:sldId id="477" r:id="rId5"/>
-    <p:sldId id="426" r:id="rId6"/>
-    <p:sldId id="478" r:id="rId7"/>
-    <p:sldId id="476" r:id="rId8"/>
-    <p:sldId id="427" r:id="rId9"/>
-    <p:sldId id="428" r:id="rId10"/>
-    <p:sldId id="429" r:id="rId11"/>
-    <p:sldId id="430" r:id="rId12"/>
-    <p:sldId id="431" r:id="rId13"/>
-    <p:sldId id="462" r:id="rId14"/>
-    <p:sldId id="399" r:id="rId15"/>
-    <p:sldId id="409" r:id="rId16"/>
+    <p:sldId id="425" r:id="rId5"/>
+    <p:sldId id="477" r:id="rId6"/>
+    <p:sldId id="426" r:id="rId7"/>
+    <p:sldId id="478" r:id="rId8"/>
+    <p:sldId id="476" r:id="rId9"/>
+    <p:sldId id="427" r:id="rId10"/>
+    <p:sldId id="462" r:id="rId11"/>
+    <p:sldId id="399" r:id="rId12"/>
+    <p:sldId id="409" r:id="rId13"/>
   </p:sldIdLst>
   <p:sldSz cx="12192000" cy="6858000"/>
   <p:notesSz cx="6858000" cy="9144000"/>
@@ -211,7 +208,7 @@
           <a:p>
             <a:fld id="{4AF2A06D-4991-4208-8C88-4E8BAD69A8B8}" type="datetimeFigureOut">
               <a:rPr lang="en-US" smtClean="0"/>
-              <a:t>6/20/2023</a:t>
+              <a:t>6/23/2023</a:t>
             </a:fld>
             <a:endParaRPr lang="en-US"/>
           </a:p>
@@ -674,7 +671,7 @@
                 <a:tabLst/>
                 <a:defRPr/>
               </a:pPr>
-              <a:t>14</a:t>
+              <a:t>11</a:t>
             </a:fld>
             <a:endParaRPr kumimoji="0" lang="en-US" sz="1200" b="0" i="0" u="none" strike="noStrike" kern="1200" cap="none" spc="0" normalizeH="0" baseline="0" noProof="0">
               <a:ln>
@@ -835,7 +832,7 @@
           <a:p>
             <a:fld id="{E26E0DA5-0C76-4851-AA82-0B75261F9EB4}" type="datetimeFigureOut">
               <a:rPr lang="en-US" smtClean="0"/>
-              <a:t>6/20/2023</a:t>
+              <a:t>6/23/2023</a:t>
             </a:fld>
             <a:endParaRPr lang="en-US"/>
           </a:p>
@@ -1003,7 +1000,7 @@
           <a:p>
             <a:fld id="{E26E0DA5-0C76-4851-AA82-0B75261F9EB4}" type="datetimeFigureOut">
               <a:rPr lang="en-US" smtClean="0"/>
-              <a:t>6/20/2023</a:t>
+              <a:t>6/23/2023</a:t>
             </a:fld>
             <a:endParaRPr lang="en-US"/>
           </a:p>
@@ -1181,7 +1178,7 @@
           <a:p>
             <a:fld id="{E26E0DA5-0C76-4851-AA82-0B75261F9EB4}" type="datetimeFigureOut">
               <a:rPr lang="en-US" smtClean="0"/>
-              <a:t>6/20/2023</a:t>
+              <a:t>6/23/2023</a:t>
             </a:fld>
             <a:endParaRPr lang="en-US"/>
           </a:p>
@@ -1243,6 +1240,188 @@
 </file>
 
 <file path=ppt/slideLayouts/slideLayout12.xml><?xml version="1.0" encoding="utf-8"?>
+<p:sldLayout xmlns:a="http://schemas.openxmlformats.org/drawingml/2006/main" xmlns:r="http://schemas.openxmlformats.org/officeDocument/2006/relationships" xmlns:p="http://schemas.openxmlformats.org/presentationml/2006/main" userDrawn="1">
+  <p:cSld name="1_Title Only">
+    <p:spTree>
+      <p:nvGrpSpPr>
+        <p:cNvPr id="1" name=""/>
+        <p:cNvGrpSpPr/>
+        <p:nvPr/>
+      </p:nvGrpSpPr>
+      <p:grpSpPr>
+        <a:xfrm>
+          <a:off x="0" y="0"/>
+          <a:ext cx="0" cy="0"/>
+          <a:chOff x="0" y="0"/>
+          <a:chExt cx="0" cy="0"/>
+        </a:xfrm>
+      </p:grpSpPr>
+      <p:sp>
+        <p:nvSpPr>
+          <p:cNvPr id="2" name="Title 1"/>
+          <p:cNvSpPr>
+            <a:spLocks noGrp="1"/>
+          </p:cNvSpPr>
+          <p:nvPr>
+            <p:ph type="title"/>
+          </p:nvPr>
+        </p:nvSpPr>
+        <p:spPr/>
+        <p:txBody>
+          <a:bodyPr>
+            <a:noAutofit/>
+          </a:bodyPr>
+          <a:lstStyle>
+            <a:lvl1pPr>
+              <a:defRPr sz="3600"/>
+            </a:lvl1pPr>
+          </a:lstStyle>
+          <a:p>
+            <a:r>
+              <a:rPr lang="en-US"/>
+              <a:t>Click to edit Master title style</a:t>
+            </a:r>
+          </a:p>
+        </p:txBody>
+      </p:sp>
+      <p:sp>
+        <p:nvSpPr>
+          <p:cNvPr id="3" name="Date Placeholder 2"/>
+          <p:cNvSpPr>
+            <a:spLocks noGrp="1"/>
+          </p:cNvSpPr>
+          <p:nvPr>
+            <p:ph type="dt" sz="half" idx="10"/>
+          </p:nvPr>
+        </p:nvSpPr>
+        <p:spPr/>
+        <p:txBody>
+          <a:bodyPr/>
+          <a:lstStyle/>
+          <a:p>
+            <a:fld id="{425404F2-BE9A-4460-8815-8F645183555F}" type="datetimeFigureOut">
+              <a:rPr lang="en-US" smtClean="0"/>
+              <a:pPr/>
+              <a:t>6/23/2023</a:t>
+            </a:fld>
+            <a:endParaRPr lang="en-US"/>
+          </a:p>
+        </p:txBody>
+      </p:sp>
+      <p:sp>
+        <p:nvSpPr>
+          <p:cNvPr id="4" name="Footer Placeholder 3"/>
+          <p:cNvSpPr>
+            <a:spLocks noGrp="1"/>
+          </p:cNvSpPr>
+          <p:nvPr>
+            <p:ph type="ftr" sz="quarter" idx="11"/>
+          </p:nvPr>
+        </p:nvSpPr>
+        <p:spPr/>
+        <p:txBody>
+          <a:bodyPr/>
+          <a:lstStyle/>
+          <a:p>
+            <a:endParaRPr lang="en-US"/>
+          </a:p>
+        </p:txBody>
+      </p:sp>
+      <p:sp>
+        <p:nvSpPr>
+          <p:cNvPr id="5" name="Slide Number Placeholder 4"/>
+          <p:cNvSpPr>
+            <a:spLocks noGrp="1"/>
+          </p:cNvSpPr>
+          <p:nvPr>
+            <p:ph type="sldNum" sz="quarter" idx="12"/>
+          </p:nvPr>
+        </p:nvSpPr>
+        <p:spPr/>
+        <p:txBody>
+          <a:bodyPr/>
+          <a:lstStyle/>
+          <a:p>
+            <a:fld id="{96E69268-9C8B-4EBF-A9EE-DC5DC2D48DC3}" type="slidenum">
+              <a:rPr lang="en-US" smtClean="0"/>
+              <a:pPr/>
+              <a:t>‹#›</a:t>
+            </a:fld>
+            <a:endParaRPr lang="en-US"/>
+          </a:p>
+        </p:txBody>
+      </p:sp>
+      <p:sp>
+        <p:nvSpPr>
+          <p:cNvPr id="9" name="Content Placeholder 6"/>
+          <p:cNvSpPr>
+            <a:spLocks noGrp="1"/>
+          </p:cNvSpPr>
+          <p:nvPr>
+            <p:ph sz="quarter" idx="13"/>
+          </p:nvPr>
+        </p:nvSpPr>
+        <p:spPr>
+          <a:xfrm>
+            <a:off x="608170" y="932702"/>
+            <a:ext cx="10975658" cy="484187"/>
+          </a:xfrm>
+        </p:spPr>
+        <p:txBody>
+          <a:bodyPr>
+            <a:noAutofit/>
+          </a:bodyPr>
+          <a:lstStyle>
+            <a:lvl1pPr marL="0" indent="0">
+              <a:buFontTx/>
+              <a:buNone/>
+              <a:defRPr sz="2200"/>
+            </a:lvl1pPr>
+            <a:lvl2pPr marL="609494" indent="0">
+              <a:buFontTx/>
+              <a:buNone/>
+              <a:defRPr sz="2000"/>
+            </a:lvl2pPr>
+            <a:lvl3pPr marL="1218986" indent="0">
+              <a:buFontTx/>
+              <a:buNone/>
+              <a:defRPr sz="1600"/>
+            </a:lvl3pPr>
+            <a:lvl4pPr marL="1828480" indent="0">
+              <a:buFontTx/>
+              <a:buNone/>
+              <a:defRPr sz="1400"/>
+            </a:lvl4pPr>
+            <a:lvl5pPr marL="2437973" indent="0">
+              <a:buFontTx/>
+              <a:buNone/>
+              <a:defRPr sz="1400"/>
+            </a:lvl5pPr>
+          </a:lstStyle>
+          <a:p>
+            <a:pPr lvl="0"/>
+            <a:r>
+              <a:rPr lang="en-US" dirty="0"/>
+              <a:t>Click to edit Master text styles</a:t>
+            </a:r>
+            <a:endParaRPr lang="en-IN" dirty="0"/>
+          </a:p>
+        </p:txBody>
+      </p:sp>
+    </p:spTree>
+    <p:extLst>
+      <p:ext uri="{BB962C8B-B14F-4D97-AF65-F5344CB8AC3E}">
+        <p14:creationId xmlns:p14="http://schemas.microsoft.com/office/powerpoint/2010/main" val="4249675068"/>
+      </p:ext>
+    </p:extLst>
+  </p:cSld>
+  <p:clrMapOvr>
+    <a:masterClrMapping/>
+  </p:clrMapOvr>
+</p:sldLayout>
+</file>
+
+<file path=ppt/slideLayouts/slideLayout13.xml><?xml version="1.0" encoding="utf-8"?>
 <p:sldLayout xmlns:a="http://schemas.openxmlformats.org/drawingml/2006/main" xmlns:r="http://schemas.openxmlformats.org/officeDocument/2006/relationships" xmlns:p="http://schemas.openxmlformats.org/presentationml/2006/main" type="title" preserve="1">
   <p:cSld name="1_Title Slide">
     <p:spTree>
@@ -1508,7 +1687,7 @@
             <a:fld id="{9578D6DB-6798-42D2-B9AD-FC6F1C72FC30}" type="datetimeFigureOut">
               <a:rPr lang="en-US" smtClean="0"/>
               <a:pPr/>
-              <a:t>6/20/2023</a:t>
+              <a:t>6/23/2023</a:t>
             </a:fld>
             <a:endParaRPr lang="en-US"/>
           </a:p>
@@ -1570,7 +1749,7 @@
 </p:sldLayout>
 </file>
 
-<file path=ppt/slideLayouts/slideLayout13.xml><?xml version="1.0" encoding="utf-8"?>
+<file path=ppt/slideLayouts/slideLayout14.xml><?xml version="1.0" encoding="utf-8"?>
 <p:sldLayout xmlns:a="http://schemas.openxmlformats.org/drawingml/2006/main" xmlns:r="http://schemas.openxmlformats.org/officeDocument/2006/relationships" xmlns:p="http://schemas.openxmlformats.org/presentationml/2006/main" type="title" preserve="1">
   <p:cSld name="Title Slide">
     <p:spTree>
@@ -1750,7 +1929,7 @@
             <a:fld id="{425404F2-BE9A-4460-8815-8F645183555F}" type="datetimeFigureOut">
               <a:rPr lang="en-US" smtClean="0"/>
               <a:pPr/>
-              <a:t>6/20/2023</a:t>
+              <a:t>6/23/2023</a:t>
             </a:fld>
             <a:endParaRPr lang="en-US"/>
           </a:p>
@@ -1812,7 +1991,7 @@
 </p:sldLayout>
 </file>
 
-<file path=ppt/slideLayouts/slideLayout14.xml><?xml version="1.0" encoding="utf-8"?>
+<file path=ppt/slideLayouts/slideLayout15.xml><?xml version="1.0" encoding="utf-8"?>
 <p:sldLayout xmlns:a="http://schemas.openxmlformats.org/drawingml/2006/main" xmlns:r="http://schemas.openxmlformats.org/officeDocument/2006/relationships" xmlns:p="http://schemas.openxmlformats.org/presentationml/2006/main" preserve="1" userDrawn="1">
   <p:cSld name="Section Header">
     <p:spTree>
@@ -1878,7 +2057,7 @@
             <a:fld id="{425404F2-BE9A-4460-8815-8F645183555F}" type="datetimeFigureOut">
               <a:rPr lang="en-US" smtClean="0"/>
               <a:pPr/>
-              <a:t>6/20/2023</a:t>
+              <a:t>6/23/2023</a:t>
             </a:fld>
             <a:endParaRPr lang="en-US"/>
           </a:p>
@@ -1940,7 +2119,7 @@
 </p:sldLayout>
 </file>
 
-<file path=ppt/slideLayouts/slideLayout15.xml><?xml version="1.0" encoding="utf-8"?>
+<file path=ppt/slideLayouts/slideLayout16.xml><?xml version="1.0" encoding="utf-8"?>
 <p:sldLayout xmlns:a="http://schemas.openxmlformats.org/drawingml/2006/main" xmlns:r="http://schemas.openxmlformats.org/officeDocument/2006/relationships" xmlns:p="http://schemas.openxmlformats.org/presentationml/2006/main" type="title" preserve="1">
   <p:cSld name="2_Title Slide">
     <p:spTree>
@@ -2128,7 +2307,7 @@
             <a:fld id="{425404F2-BE9A-4460-8815-8F645183555F}" type="datetimeFigureOut">
               <a:rPr lang="en-US" smtClean="0"/>
               <a:pPr/>
-              <a:t>6/20/2023</a:t>
+              <a:t>6/23/2023</a:t>
             </a:fld>
             <a:endParaRPr lang="en-US"/>
           </a:p>
@@ -2190,7 +2369,7 @@
 </p:sldLayout>
 </file>
 
-<file path=ppt/slideLayouts/slideLayout16.xml><?xml version="1.0" encoding="utf-8"?>
+<file path=ppt/slideLayouts/slideLayout17.xml><?xml version="1.0" encoding="utf-8"?>
 <p:sldLayout xmlns:a="http://schemas.openxmlformats.org/drawingml/2006/main" xmlns:r="http://schemas.openxmlformats.org/officeDocument/2006/relationships" xmlns:p="http://schemas.openxmlformats.org/presentationml/2006/main" type="obj" preserve="1">
   <p:cSld name="Title and Content">
     <p:spTree>
@@ -2298,7 +2477,7 @@
             <a:fld id="{425404F2-BE9A-4460-8815-8F645183555F}" type="datetimeFigureOut">
               <a:rPr lang="en-US" smtClean="0"/>
               <a:pPr/>
-              <a:t>6/20/2023</a:t>
+              <a:t>6/23/2023</a:t>
             </a:fld>
             <a:endParaRPr lang="en-US"/>
           </a:p>
@@ -2360,7 +2539,7 @@
 </p:sldLayout>
 </file>
 
-<file path=ppt/slideLayouts/slideLayout17.xml><?xml version="1.0" encoding="utf-8"?>
+<file path=ppt/slideLayouts/slideLayout18.xml><?xml version="1.0" encoding="utf-8"?>
 <p:sldLayout xmlns:a="http://schemas.openxmlformats.org/drawingml/2006/main" xmlns:r="http://schemas.openxmlformats.org/officeDocument/2006/relationships" xmlns:p="http://schemas.openxmlformats.org/presentationml/2006/main" type="twoObj" preserve="1">
   <p:cSld name="Two Content">
     <p:spTree>
@@ -2585,7 +2764,7 @@
             <a:fld id="{425404F2-BE9A-4460-8815-8F645183555F}" type="datetimeFigureOut">
               <a:rPr lang="en-US" smtClean="0"/>
               <a:pPr/>
-              <a:t>6/20/2023</a:t>
+              <a:t>6/23/2023</a:t>
             </a:fld>
             <a:endParaRPr lang="en-US"/>
           </a:p>
@@ -2647,7 +2826,7 @@
 </p:sldLayout>
 </file>
 
-<file path=ppt/slideLayouts/slideLayout18.xml><?xml version="1.0" encoding="utf-8"?>
+<file path=ppt/slideLayouts/slideLayout19.xml><?xml version="1.0" encoding="utf-8"?>
 <p:sldLayout xmlns:a="http://schemas.openxmlformats.org/drawingml/2006/main" xmlns:r="http://schemas.openxmlformats.org/officeDocument/2006/relationships" xmlns:p="http://schemas.openxmlformats.org/presentationml/2006/main" type="twoTxTwoObj" preserve="1">
   <p:cSld name="Comparison">
     <p:spTree>
@@ -3006,7 +3185,7 @@
             <a:fld id="{425404F2-BE9A-4460-8815-8F645183555F}" type="datetimeFigureOut">
               <a:rPr lang="en-US" smtClean="0"/>
               <a:pPr/>
-              <a:t>6/20/2023</a:t>
+              <a:t>6/23/2023</a:t>
             </a:fld>
             <a:endParaRPr lang="en-US"/>
           </a:p>
@@ -3059,188 +3238,6 @@
     <p:extLst>
       <p:ext uri="{BB962C8B-B14F-4D97-AF65-F5344CB8AC3E}">
         <p14:creationId xmlns:p14="http://schemas.microsoft.com/office/powerpoint/2010/main" val="3084171193"/>
-      </p:ext>
-    </p:extLst>
-  </p:cSld>
-  <p:clrMapOvr>
-    <a:masterClrMapping/>
-  </p:clrMapOvr>
-</p:sldLayout>
-</file>
-
-<file path=ppt/slideLayouts/slideLayout19.xml><?xml version="1.0" encoding="utf-8"?>
-<p:sldLayout xmlns:a="http://schemas.openxmlformats.org/drawingml/2006/main" xmlns:r="http://schemas.openxmlformats.org/officeDocument/2006/relationships" xmlns:p="http://schemas.openxmlformats.org/presentationml/2006/main" preserve="1" userDrawn="1">
-  <p:cSld name="Title Only">
-    <p:spTree>
-      <p:nvGrpSpPr>
-        <p:cNvPr id="1" name=""/>
-        <p:cNvGrpSpPr/>
-        <p:nvPr/>
-      </p:nvGrpSpPr>
-      <p:grpSpPr>
-        <a:xfrm>
-          <a:off x="0" y="0"/>
-          <a:ext cx="0" cy="0"/>
-          <a:chOff x="0" y="0"/>
-          <a:chExt cx="0" cy="0"/>
-        </a:xfrm>
-      </p:grpSpPr>
-      <p:sp>
-        <p:nvSpPr>
-          <p:cNvPr id="2" name="Title 1"/>
-          <p:cNvSpPr>
-            <a:spLocks noGrp="1"/>
-          </p:cNvSpPr>
-          <p:nvPr>
-            <p:ph type="title"/>
-          </p:nvPr>
-        </p:nvSpPr>
-        <p:spPr/>
-        <p:txBody>
-          <a:bodyPr>
-            <a:noAutofit/>
-          </a:bodyPr>
-          <a:lstStyle>
-            <a:lvl1pPr>
-              <a:defRPr sz="3600"/>
-            </a:lvl1pPr>
-          </a:lstStyle>
-          <a:p>
-            <a:r>
-              <a:rPr lang="en-US"/>
-              <a:t>Click to edit Master title style</a:t>
-            </a:r>
-          </a:p>
-        </p:txBody>
-      </p:sp>
-      <p:sp>
-        <p:nvSpPr>
-          <p:cNvPr id="3" name="Date Placeholder 2"/>
-          <p:cNvSpPr>
-            <a:spLocks noGrp="1"/>
-          </p:cNvSpPr>
-          <p:nvPr>
-            <p:ph type="dt" sz="half" idx="10"/>
-          </p:nvPr>
-        </p:nvSpPr>
-        <p:spPr/>
-        <p:txBody>
-          <a:bodyPr/>
-          <a:lstStyle/>
-          <a:p>
-            <a:fld id="{425404F2-BE9A-4460-8815-8F645183555F}" type="datetimeFigureOut">
-              <a:rPr lang="en-US" smtClean="0"/>
-              <a:pPr/>
-              <a:t>6/20/2023</a:t>
-            </a:fld>
-            <a:endParaRPr lang="en-US"/>
-          </a:p>
-        </p:txBody>
-      </p:sp>
-      <p:sp>
-        <p:nvSpPr>
-          <p:cNvPr id="4" name="Footer Placeholder 3"/>
-          <p:cNvSpPr>
-            <a:spLocks noGrp="1"/>
-          </p:cNvSpPr>
-          <p:nvPr>
-            <p:ph type="ftr" sz="quarter" idx="11"/>
-          </p:nvPr>
-        </p:nvSpPr>
-        <p:spPr/>
-        <p:txBody>
-          <a:bodyPr/>
-          <a:lstStyle/>
-          <a:p>
-            <a:endParaRPr lang="en-US"/>
-          </a:p>
-        </p:txBody>
-      </p:sp>
-      <p:sp>
-        <p:nvSpPr>
-          <p:cNvPr id="5" name="Slide Number Placeholder 4"/>
-          <p:cNvSpPr>
-            <a:spLocks noGrp="1"/>
-          </p:cNvSpPr>
-          <p:nvPr>
-            <p:ph type="sldNum" sz="quarter" idx="12"/>
-          </p:nvPr>
-        </p:nvSpPr>
-        <p:spPr/>
-        <p:txBody>
-          <a:bodyPr/>
-          <a:lstStyle/>
-          <a:p>
-            <a:fld id="{96E69268-9C8B-4EBF-A9EE-DC5DC2D48DC3}" type="slidenum">
-              <a:rPr lang="en-US" smtClean="0"/>
-              <a:pPr/>
-              <a:t>‹#›</a:t>
-            </a:fld>
-            <a:endParaRPr lang="en-US"/>
-          </a:p>
-        </p:txBody>
-      </p:sp>
-      <p:sp>
-        <p:nvSpPr>
-          <p:cNvPr id="9" name="Content Placeholder 6"/>
-          <p:cNvSpPr>
-            <a:spLocks noGrp="1"/>
-          </p:cNvSpPr>
-          <p:nvPr>
-            <p:ph sz="quarter" idx="13"/>
-          </p:nvPr>
-        </p:nvSpPr>
-        <p:spPr>
-          <a:xfrm>
-            <a:off x="608170" y="932702"/>
-            <a:ext cx="10975658" cy="484187"/>
-          </a:xfrm>
-        </p:spPr>
-        <p:txBody>
-          <a:bodyPr>
-            <a:noAutofit/>
-          </a:bodyPr>
-          <a:lstStyle>
-            <a:lvl1pPr marL="0" indent="0">
-              <a:buFontTx/>
-              <a:buNone/>
-              <a:defRPr sz="2200"/>
-            </a:lvl1pPr>
-            <a:lvl2pPr marL="609494" indent="0">
-              <a:buFontTx/>
-              <a:buNone/>
-              <a:defRPr sz="2000"/>
-            </a:lvl2pPr>
-            <a:lvl3pPr marL="1218986" indent="0">
-              <a:buFontTx/>
-              <a:buNone/>
-              <a:defRPr sz="1600"/>
-            </a:lvl3pPr>
-            <a:lvl4pPr marL="1828480" indent="0">
-              <a:buFontTx/>
-              <a:buNone/>
-              <a:defRPr sz="1400"/>
-            </a:lvl4pPr>
-            <a:lvl5pPr marL="2437973" indent="0">
-              <a:buFontTx/>
-              <a:buNone/>
-              <a:defRPr sz="1400"/>
-            </a:lvl5pPr>
-          </a:lstStyle>
-          <a:p>
-            <a:pPr lvl="0"/>
-            <a:r>
-              <a:rPr lang="en-US" dirty="0"/>
-              <a:t>Click to edit Master text styles</a:t>
-            </a:r>
-            <a:endParaRPr lang="en-IN" dirty="0"/>
-          </a:p>
-        </p:txBody>
-      </p:sp>
-    </p:spTree>
-    <p:extLst>
-      <p:ext uri="{BB962C8B-B14F-4D97-AF65-F5344CB8AC3E}">
-        <p14:creationId xmlns:p14="http://schemas.microsoft.com/office/powerpoint/2010/main" val="83855216"/>
       </p:ext>
     </p:extLst>
   </p:cSld>
@@ -3357,7 +3354,7 @@
           <a:p>
             <a:fld id="{E26E0DA5-0C76-4851-AA82-0B75261F9EB4}" type="datetimeFigureOut">
               <a:rPr lang="en-US" smtClean="0"/>
-              <a:t>6/20/2023</a:t>
+              <a:t>6/23/2023</a:t>
             </a:fld>
             <a:endParaRPr lang="en-US"/>
           </a:p>
@@ -3419,6 +3416,188 @@
 </file>
 
 <file path=ppt/slideLayouts/slideLayout20.xml><?xml version="1.0" encoding="utf-8"?>
+<p:sldLayout xmlns:a="http://schemas.openxmlformats.org/drawingml/2006/main" xmlns:r="http://schemas.openxmlformats.org/officeDocument/2006/relationships" xmlns:p="http://schemas.openxmlformats.org/presentationml/2006/main" preserve="1" userDrawn="1">
+  <p:cSld name="Title Only">
+    <p:spTree>
+      <p:nvGrpSpPr>
+        <p:cNvPr id="1" name=""/>
+        <p:cNvGrpSpPr/>
+        <p:nvPr/>
+      </p:nvGrpSpPr>
+      <p:grpSpPr>
+        <a:xfrm>
+          <a:off x="0" y="0"/>
+          <a:ext cx="0" cy="0"/>
+          <a:chOff x="0" y="0"/>
+          <a:chExt cx="0" cy="0"/>
+        </a:xfrm>
+      </p:grpSpPr>
+      <p:sp>
+        <p:nvSpPr>
+          <p:cNvPr id="2" name="Title 1"/>
+          <p:cNvSpPr>
+            <a:spLocks noGrp="1"/>
+          </p:cNvSpPr>
+          <p:nvPr>
+            <p:ph type="title"/>
+          </p:nvPr>
+        </p:nvSpPr>
+        <p:spPr/>
+        <p:txBody>
+          <a:bodyPr>
+            <a:noAutofit/>
+          </a:bodyPr>
+          <a:lstStyle>
+            <a:lvl1pPr>
+              <a:defRPr sz="3600"/>
+            </a:lvl1pPr>
+          </a:lstStyle>
+          <a:p>
+            <a:r>
+              <a:rPr lang="en-US"/>
+              <a:t>Click to edit Master title style</a:t>
+            </a:r>
+          </a:p>
+        </p:txBody>
+      </p:sp>
+      <p:sp>
+        <p:nvSpPr>
+          <p:cNvPr id="3" name="Date Placeholder 2"/>
+          <p:cNvSpPr>
+            <a:spLocks noGrp="1"/>
+          </p:cNvSpPr>
+          <p:nvPr>
+            <p:ph type="dt" sz="half" idx="10"/>
+          </p:nvPr>
+        </p:nvSpPr>
+        <p:spPr/>
+        <p:txBody>
+          <a:bodyPr/>
+          <a:lstStyle/>
+          <a:p>
+            <a:fld id="{425404F2-BE9A-4460-8815-8F645183555F}" type="datetimeFigureOut">
+              <a:rPr lang="en-US" smtClean="0"/>
+              <a:pPr/>
+              <a:t>6/23/2023</a:t>
+            </a:fld>
+            <a:endParaRPr lang="en-US"/>
+          </a:p>
+        </p:txBody>
+      </p:sp>
+      <p:sp>
+        <p:nvSpPr>
+          <p:cNvPr id="4" name="Footer Placeholder 3"/>
+          <p:cNvSpPr>
+            <a:spLocks noGrp="1"/>
+          </p:cNvSpPr>
+          <p:nvPr>
+            <p:ph type="ftr" sz="quarter" idx="11"/>
+          </p:nvPr>
+        </p:nvSpPr>
+        <p:spPr/>
+        <p:txBody>
+          <a:bodyPr/>
+          <a:lstStyle/>
+          <a:p>
+            <a:endParaRPr lang="en-US"/>
+          </a:p>
+        </p:txBody>
+      </p:sp>
+      <p:sp>
+        <p:nvSpPr>
+          <p:cNvPr id="5" name="Slide Number Placeholder 4"/>
+          <p:cNvSpPr>
+            <a:spLocks noGrp="1"/>
+          </p:cNvSpPr>
+          <p:nvPr>
+            <p:ph type="sldNum" sz="quarter" idx="12"/>
+          </p:nvPr>
+        </p:nvSpPr>
+        <p:spPr/>
+        <p:txBody>
+          <a:bodyPr/>
+          <a:lstStyle/>
+          <a:p>
+            <a:fld id="{96E69268-9C8B-4EBF-A9EE-DC5DC2D48DC3}" type="slidenum">
+              <a:rPr lang="en-US" smtClean="0"/>
+              <a:pPr/>
+              <a:t>‹#›</a:t>
+            </a:fld>
+            <a:endParaRPr lang="en-US"/>
+          </a:p>
+        </p:txBody>
+      </p:sp>
+      <p:sp>
+        <p:nvSpPr>
+          <p:cNvPr id="9" name="Content Placeholder 6"/>
+          <p:cNvSpPr>
+            <a:spLocks noGrp="1"/>
+          </p:cNvSpPr>
+          <p:nvPr>
+            <p:ph sz="quarter" idx="13"/>
+          </p:nvPr>
+        </p:nvSpPr>
+        <p:spPr>
+          <a:xfrm>
+            <a:off x="608170" y="932702"/>
+            <a:ext cx="10975658" cy="484187"/>
+          </a:xfrm>
+        </p:spPr>
+        <p:txBody>
+          <a:bodyPr>
+            <a:noAutofit/>
+          </a:bodyPr>
+          <a:lstStyle>
+            <a:lvl1pPr marL="0" indent="0">
+              <a:buFontTx/>
+              <a:buNone/>
+              <a:defRPr sz="2200"/>
+            </a:lvl1pPr>
+            <a:lvl2pPr marL="609494" indent="0">
+              <a:buFontTx/>
+              <a:buNone/>
+              <a:defRPr sz="2000"/>
+            </a:lvl2pPr>
+            <a:lvl3pPr marL="1218986" indent="0">
+              <a:buFontTx/>
+              <a:buNone/>
+              <a:defRPr sz="1600"/>
+            </a:lvl3pPr>
+            <a:lvl4pPr marL="1828480" indent="0">
+              <a:buFontTx/>
+              <a:buNone/>
+              <a:defRPr sz="1400"/>
+            </a:lvl4pPr>
+            <a:lvl5pPr marL="2437973" indent="0">
+              <a:buFontTx/>
+              <a:buNone/>
+              <a:defRPr sz="1400"/>
+            </a:lvl5pPr>
+          </a:lstStyle>
+          <a:p>
+            <a:pPr lvl="0"/>
+            <a:r>
+              <a:rPr lang="en-US" dirty="0"/>
+              <a:t>Click to edit Master text styles</a:t>
+            </a:r>
+            <a:endParaRPr lang="en-IN" dirty="0"/>
+          </a:p>
+        </p:txBody>
+      </p:sp>
+    </p:spTree>
+    <p:extLst>
+      <p:ext uri="{BB962C8B-B14F-4D97-AF65-F5344CB8AC3E}">
+        <p14:creationId xmlns:p14="http://schemas.microsoft.com/office/powerpoint/2010/main" val="83855216"/>
+      </p:ext>
+    </p:extLst>
+  </p:cSld>
+  <p:clrMapOvr>
+    <a:masterClrMapping/>
+  </p:clrMapOvr>
+</p:sldLayout>
+</file>
+
+<file path=ppt/slideLayouts/slideLayout21.xml><?xml version="1.0" encoding="utf-8"?>
 <p:sldLayout xmlns:a="http://schemas.openxmlformats.org/drawingml/2006/main" xmlns:r="http://schemas.openxmlformats.org/officeDocument/2006/relationships" xmlns:p="http://schemas.openxmlformats.org/presentationml/2006/main" preserve="1" userDrawn="1">
   <p:cSld name="2_Title Only">
     <p:spTree>
@@ -3481,7 +3660,7 @@
             <a:fld id="{425404F2-BE9A-4460-8815-8F645183555F}" type="datetimeFigureOut">
               <a:rPr lang="en-US" smtClean="0"/>
               <a:pPr/>
-              <a:t>6/20/2023</a:t>
+              <a:t>6/23/2023</a:t>
             </a:fld>
             <a:endParaRPr lang="en-US"/>
           </a:p>
@@ -3942,7 +4121,7 @@
 </p:sldLayout>
 </file>
 
-<file path=ppt/slideLayouts/slideLayout21.xml><?xml version="1.0" encoding="utf-8"?>
+<file path=ppt/slideLayouts/slideLayout22.xml><?xml version="1.0" encoding="utf-8"?>
 <p:sldLayout xmlns:a="http://schemas.openxmlformats.org/drawingml/2006/main" xmlns:r="http://schemas.openxmlformats.org/officeDocument/2006/relationships" xmlns:p="http://schemas.openxmlformats.org/presentationml/2006/main" type="titleOnly" preserve="1">
   <p:cSld name="1_Title Only">
     <p:bg>
@@ -4028,7 +4207,7 @@
             <a:fld id="{425404F2-BE9A-4460-8815-8F645183555F}" type="datetimeFigureOut">
               <a:rPr lang="en-US" smtClean="0"/>
               <a:pPr/>
-              <a:t>6/20/2023</a:t>
+              <a:t>6/23/2023</a:t>
             </a:fld>
             <a:endParaRPr lang="en-US"/>
           </a:p>
@@ -4090,7 +4269,7 @@
 </p:sldLayout>
 </file>
 
-<file path=ppt/slideLayouts/slideLayout22.xml><?xml version="1.0" encoding="utf-8"?>
+<file path=ppt/slideLayouts/slideLayout23.xml><?xml version="1.0" encoding="utf-8"?>
 <p:sldLayout xmlns:a="http://schemas.openxmlformats.org/drawingml/2006/main" xmlns:r="http://schemas.openxmlformats.org/officeDocument/2006/relationships" xmlns:p="http://schemas.openxmlformats.org/presentationml/2006/main" preserve="1" userDrawn="1">
   <p:cSld name="3_Title Only">
     <p:bg>
@@ -4176,7 +4355,7 @@
             <a:fld id="{425404F2-BE9A-4460-8815-8F645183555F}" type="datetimeFigureOut">
               <a:rPr lang="en-US" smtClean="0"/>
               <a:pPr/>
-              <a:t>6/20/2023</a:t>
+              <a:t>6/23/2023</a:t>
             </a:fld>
             <a:endParaRPr lang="en-US"/>
           </a:p>
@@ -4323,7 +4502,7 @@
 </p:sldLayout>
 </file>
 
-<file path=ppt/slideLayouts/slideLayout23.xml><?xml version="1.0" encoding="utf-8"?>
+<file path=ppt/slideLayouts/slideLayout24.xml><?xml version="1.0" encoding="utf-8"?>
 <p:sldLayout xmlns:a="http://schemas.openxmlformats.org/drawingml/2006/main" xmlns:r="http://schemas.openxmlformats.org/officeDocument/2006/relationships" xmlns:p="http://schemas.openxmlformats.org/presentationml/2006/main" preserve="1" userDrawn="1">
   <p:cSld name="4_Title Only">
     <p:bg>
@@ -4409,7 +4588,7 @@
             <a:fld id="{425404F2-BE9A-4460-8815-8F645183555F}" type="datetimeFigureOut">
               <a:rPr lang="en-US" smtClean="0"/>
               <a:pPr/>
-              <a:t>6/20/2023</a:t>
+              <a:t>6/23/2023</a:t>
             </a:fld>
             <a:endParaRPr lang="en-US"/>
           </a:p>
@@ -4556,7 +4735,7 @@
 </p:sldLayout>
 </file>
 
-<file path=ppt/slideLayouts/slideLayout24.xml><?xml version="1.0" encoding="utf-8"?>
+<file path=ppt/slideLayouts/slideLayout25.xml><?xml version="1.0" encoding="utf-8"?>
 <p:sldLayout xmlns:a="http://schemas.openxmlformats.org/drawingml/2006/main" xmlns:r="http://schemas.openxmlformats.org/officeDocument/2006/relationships" xmlns:p="http://schemas.openxmlformats.org/presentationml/2006/main" preserve="1" userDrawn="1">
   <p:cSld name="5_Title Only">
     <p:bg>
@@ -4647,7 +4826,7 @@
             <a:fld id="{425404F2-BE9A-4460-8815-8F645183555F}" type="datetimeFigureOut">
               <a:rPr lang="en-US" smtClean="0"/>
               <a:pPr/>
-              <a:t>6/20/2023</a:t>
+              <a:t>6/23/2023</a:t>
             </a:fld>
             <a:endParaRPr lang="en-US"/>
           </a:p>
@@ -4794,7 +4973,7 @@
 </p:sldLayout>
 </file>
 
-<file path=ppt/slideLayouts/slideLayout25.xml><?xml version="1.0" encoding="utf-8"?>
+<file path=ppt/slideLayouts/slideLayout26.xml><?xml version="1.0" encoding="utf-8"?>
 <p:sldLayout xmlns:a="http://schemas.openxmlformats.org/drawingml/2006/main" xmlns:r="http://schemas.openxmlformats.org/officeDocument/2006/relationships" xmlns:p="http://schemas.openxmlformats.org/presentationml/2006/main" type="blank" preserve="1">
   <p:cSld name="Blank">
     <p:spTree>
@@ -4829,7 +5008,7 @@
             <a:fld id="{425404F2-BE9A-4460-8815-8F645183555F}" type="datetimeFigureOut">
               <a:rPr lang="en-US" smtClean="0"/>
               <a:pPr/>
-              <a:t>6/20/2023</a:t>
+              <a:t>6/23/2023</a:t>
             </a:fld>
             <a:endParaRPr lang="en-US"/>
           </a:p>
@@ -4891,7 +5070,7 @@
 </p:sldLayout>
 </file>
 
-<file path=ppt/slideLayouts/slideLayout26.xml><?xml version="1.0" encoding="utf-8"?>
+<file path=ppt/slideLayouts/slideLayout27.xml><?xml version="1.0" encoding="utf-8"?>
 <p:sldLayout xmlns:a="http://schemas.openxmlformats.org/drawingml/2006/main" xmlns:r="http://schemas.openxmlformats.org/officeDocument/2006/relationships" xmlns:p="http://schemas.openxmlformats.org/presentationml/2006/main" type="objTx" preserve="1">
   <p:cSld name="Content with Caption">
     <p:spTree>
@@ -5106,7 +5285,7 @@
             <a:fld id="{425404F2-BE9A-4460-8815-8F645183555F}" type="datetimeFigureOut">
               <a:rPr lang="en-US" smtClean="0"/>
               <a:pPr/>
-              <a:t>6/20/2023</a:t>
+              <a:t>6/23/2023</a:t>
             </a:fld>
             <a:endParaRPr lang="en-US"/>
           </a:p>
@@ -5168,7 +5347,7 @@
 </p:sldLayout>
 </file>
 
-<file path=ppt/slideLayouts/slideLayout27.xml><?xml version="1.0" encoding="utf-8"?>
+<file path=ppt/slideLayouts/slideLayout28.xml><?xml version="1.0" encoding="utf-8"?>
 <p:sldLayout xmlns:a="http://schemas.openxmlformats.org/drawingml/2006/main" xmlns:r="http://schemas.openxmlformats.org/officeDocument/2006/relationships" xmlns:p="http://schemas.openxmlformats.org/presentationml/2006/main" type="picTx" preserve="1">
   <p:cSld name="Picture with Caption">
     <p:spTree>
@@ -5360,7 +5539,7 @@
             <a:fld id="{425404F2-BE9A-4460-8815-8F645183555F}" type="datetimeFigureOut">
               <a:rPr lang="en-US" smtClean="0"/>
               <a:pPr/>
-              <a:t>6/20/2023</a:t>
+              <a:t>6/23/2023</a:t>
             </a:fld>
             <a:endParaRPr lang="en-US"/>
           </a:p>
@@ -5422,7 +5601,7 @@
 </p:sldLayout>
 </file>
 
-<file path=ppt/slideLayouts/slideLayout28.xml><?xml version="1.0" encoding="utf-8"?>
+<file path=ppt/slideLayouts/slideLayout29.xml><?xml version="1.0" encoding="utf-8"?>
 <p:sldLayout xmlns:a="http://schemas.openxmlformats.org/drawingml/2006/main" xmlns:r="http://schemas.openxmlformats.org/officeDocument/2006/relationships" xmlns:p="http://schemas.openxmlformats.org/presentationml/2006/main" type="vertTx" preserve="1">
   <p:cSld name="Title and Vertical Text">
     <p:spTree>
@@ -5530,7 +5709,7 @@
             <a:fld id="{425404F2-BE9A-4460-8815-8F645183555F}" type="datetimeFigureOut">
               <a:rPr lang="en-US" smtClean="0"/>
               <a:pPr/>
-              <a:t>6/20/2023</a:t>
+              <a:t>6/23/2023</a:t>
             </a:fld>
             <a:endParaRPr lang="en-US"/>
           </a:p>
@@ -5583,186 +5762,6 @@
     <p:extLst>
       <p:ext uri="{BB962C8B-B14F-4D97-AF65-F5344CB8AC3E}">
         <p14:creationId xmlns:p14="http://schemas.microsoft.com/office/powerpoint/2010/main" val="3688185401"/>
-      </p:ext>
-    </p:extLst>
-  </p:cSld>
-  <p:clrMapOvr>
-    <a:masterClrMapping/>
-  </p:clrMapOvr>
-</p:sldLayout>
-</file>
-
-<file path=ppt/slideLayouts/slideLayout29.xml><?xml version="1.0" encoding="utf-8"?>
-<p:sldLayout xmlns:a="http://schemas.openxmlformats.org/drawingml/2006/main" xmlns:r="http://schemas.openxmlformats.org/officeDocument/2006/relationships" xmlns:p="http://schemas.openxmlformats.org/presentationml/2006/main" type="vertTitleAndTx" preserve="1">
-  <p:cSld name="Vertical Title and Text">
-    <p:spTree>
-      <p:nvGrpSpPr>
-        <p:cNvPr id="1" name=""/>
-        <p:cNvGrpSpPr/>
-        <p:nvPr/>
-      </p:nvGrpSpPr>
-      <p:grpSpPr>
-        <a:xfrm>
-          <a:off x="0" y="0"/>
-          <a:ext cx="0" cy="0"/>
-          <a:chOff x="0" y="0"/>
-          <a:chExt cx="0" cy="0"/>
-        </a:xfrm>
-      </p:grpSpPr>
-      <p:sp>
-        <p:nvSpPr>
-          <p:cNvPr id="2" name="Vertical Title 1"/>
-          <p:cNvSpPr>
-            <a:spLocks noGrp="1"/>
-          </p:cNvSpPr>
-          <p:nvPr>
-            <p:ph type="title" orient="vert"/>
-          </p:nvPr>
-        </p:nvSpPr>
-        <p:spPr>
-          <a:xfrm>
-            <a:off x="8839200" y="274640"/>
-            <a:ext cx="2743200" cy="5851525"/>
-          </a:xfrm>
-        </p:spPr>
-        <p:txBody>
-          <a:bodyPr vert="eaVert"/>
-          <a:lstStyle/>
-          <a:p>
-            <a:r>
-              <a:rPr lang="en-US"/>
-              <a:t>Click to edit Master title style</a:t>
-            </a:r>
-          </a:p>
-        </p:txBody>
-      </p:sp>
-      <p:sp>
-        <p:nvSpPr>
-          <p:cNvPr id="3" name="Vertical Text Placeholder 2"/>
-          <p:cNvSpPr>
-            <a:spLocks noGrp="1"/>
-          </p:cNvSpPr>
-          <p:nvPr>
-            <p:ph type="body" orient="vert" idx="1"/>
-          </p:nvPr>
-        </p:nvSpPr>
-        <p:spPr>
-          <a:xfrm>
-            <a:off x="609600" y="274640"/>
-            <a:ext cx="8026400" cy="5851525"/>
-          </a:xfrm>
-        </p:spPr>
-        <p:txBody>
-          <a:bodyPr vert="eaVert"/>
-          <a:lstStyle/>
-          <a:p>
-            <a:pPr lvl="0"/>
-            <a:r>
-              <a:rPr lang="en-US"/>
-              <a:t>Click to edit Master text styles</a:t>
-            </a:r>
-          </a:p>
-          <a:p>
-            <a:pPr lvl="1"/>
-            <a:r>
-              <a:rPr lang="en-US"/>
-              <a:t>Second level</a:t>
-            </a:r>
-          </a:p>
-          <a:p>
-            <a:pPr lvl="2"/>
-            <a:r>
-              <a:rPr lang="en-US"/>
-              <a:t>Third level</a:t>
-            </a:r>
-          </a:p>
-          <a:p>
-            <a:pPr lvl="3"/>
-            <a:r>
-              <a:rPr lang="en-US"/>
-              <a:t>Fourth level</a:t>
-            </a:r>
-          </a:p>
-          <a:p>
-            <a:pPr lvl="4"/>
-            <a:r>
-              <a:rPr lang="en-US"/>
-              <a:t>Fifth level</a:t>
-            </a:r>
-          </a:p>
-        </p:txBody>
-      </p:sp>
-      <p:sp>
-        <p:nvSpPr>
-          <p:cNvPr id="4" name="Date Placeholder 3"/>
-          <p:cNvSpPr>
-            <a:spLocks noGrp="1"/>
-          </p:cNvSpPr>
-          <p:nvPr>
-            <p:ph type="dt" sz="half" idx="10"/>
-          </p:nvPr>
-        </p:nvSpPr>
-        <p:spPr/>
-        <p:txBody>
-          <a:bodyPr/>
-          <a:lstStyle/>
-          <a:p>
-            <a:fld id="{425404F2-BE9A-4460-8815-8F645183555F}" type="datetimeFigureOut">
-              <a:rPr lang="en-US" smtClean="0"/>
-              <a:pPr/>
-              <a:t>6/20/2023</a:t>
-            </a:fld>
-            <a:endParaRPr lang="en-US"/>
-          </a:p>
-        </p:txBody>
-      </p:sp>
-      <p:sp>
-        <p:nvSpPr>
-          <p:cNvPr id="5" name="Footer Placeholder 4"/>
-          <p:cNvSpPr>
-            <a:spLocks noGrp="1"/>
-          </p:cNvSpPr>
-          <p:nvPr>
-            <p:ph type="ftr" sz="quarter" idx="11"/>
-          </p:nvPr>
-        </p:nvSpPr>
-        <p:spPr/>
-        <p:txBody>
-          <a:bodyPr/>
-          <a:lstStyle/>
-          <a:p>
-            <a:endParaRPr lang="en-US"/>
-          </a:p>
-        </p:txBody>
-      </p:sp>
-      <p:sp>
-        <p:nvSpPr>
-          <p:cNvPr id="6" name="Slide Number Placeholder 5"/>
-          <p:cNvSpPr>
-            <a:spLocks noGrp="1"/>
-          </p:cNvSpPr>
-          <p:nvPr>
-            <p:ph type="sldNum" sz="quarter" idx="12"/>
-          </p:nvPr>
-        </p:nvSpPr>
-        <p:spPr/>
-        <p:txBody>
-          <a:bodyPr/>
-          <a:lstStyle/>
-          <a:p>
-            <a:fld id="{96E69268-9C8B-4EBF-A9EE-DC5DC2D48DC3}" type="slidenum">
-              <a:rPr lang="en-US" smtClean="0"/>
-              <a:pPr/>
-              <a:t>‹#›</a:t>
-            </a:fld>
-            <a:endParaRPr lang="en-US"/>
-          </a:p>
-        </p:txBody>
-      </p:sp>
-    </p:spTree>
-    <p:extLst>
-      <p:ext uri="{BB962C8B-B14F-4D97-AF65-F5344CB8AC3E}">
-        <p14:creationId xmlns:p14="http://schemas.microsoft.com/office/powerpoint/2010/main" val="3217696323"/>
       </p:ext>
     </p:extLst>
   </p:cSld>
@@ -5956,7 +5955,7 @@
           <a:p>
             <a:fld id="{E26E0DA5-0C76-4851-AA82-0B75261F9EB4}" type="datetimeFigureOut">
               <a:rPr lang="en-US" smtClean="0"/>
-              <a:t>6/20/2023</a:t>
+              <a:t>6/23/2023</a:t>
             </a:fld>
             <a:endParaRPr lang="en-US"/>
           </a:p>
@@ -6008,6 +6007,186 @@
     <p:extLst>
       <p:ext uri="{BB962C8B-B14F-4D97-AF65-F5344CB8AC3E}">
         <p14:creationId xmlns:p14="http://schemas.microsoft.com/office/powerpoint/2010/main" val="3946343447"/>
+      </p:ext>
+    </p:extLst>
+  </p:cSld>
+  <p:clrMapOvr>
+    <a:masterClrMapping/>
+  </p:clrMapOvr>
+</p:sldLayout>
+</file>
+
+<file path=ppt/slideLayouts/slideLayout30.xml><?xml version="1.0" encoding="utf-8"?>
+<p:sldLayout xmlns:a="http://schemas.openxmlformats.org/drawingml/2006/main" xmlns:r="http://schemas.openxmlformats.org/officeDocument/2006/relationships" xmlns:p="http://schemas.openxmlformats.org/presentationml/2006/main" type="vertTitleAndTx" preserve="1">
+  <p:cSld name="Vertical Title and Text">
+    <p:spTree>
+      <p:nvGrpSpPr>
+        <p:cNvPr id="1" name=""/>
+        <p:cNvGrpSpPr/>
+        <p:nvPr/>
+      </p:nvGrpSpPr>
+      <p:grpSpPr>
+        <a:xfrm>
+          <a:off x="0" y="0"/>
+          <a:ext cx="0" cy="0"/>
+          <a:chOff x="0" y="0"/>
+          <a:chExt cx="0" cy="0"/>
+        </a:xfrm>
+      </p:grpSpPr>
+      <p:sp>
+        <p:nvSpPr>
+          <p:cNvPr id="2" name="Vertical Title 1"/>
+          <p:cNvSpPr>
+            <a:spLocks noGrp="1"/>
+          </p:cNvSpPr>
+          <p:nvPr>
+            <p:ph type="title" orient="vert"/>
+          </p:nvPr>
+        </p:nvSpPr>
+        <p:spPr>
+          <a:xfrm>
+            <a:off x="8839200" y="274640"/>
+            <a:ext cx="2743200" cy="5851525"/>
+          </a:xfrm>
+        </p:spPr>
+        <p:txBody>
+          <a:bodyPr vert="eaVert"/>
+          <a:lstStyle/>
+          <a:p>
+            <a:r>
+              <a:rPr lang="en-US"/>
+              <a:t>Click to edit Master title style</a:t>
+            </a:r>
+          </a:p>
+        </p:txBody>
+      </p:sp>
+      <p:sp>
+        <p:nvSpPr>
+          <p:cNvPr id="3" name="Vertical Text Placeholder 2"/>
+          <p:cNvSpPr>
+            <a:spLocks noGrp="1"/>
+          </p:cNvSpPr>
+          <p:nvPr>
+            <p:ph type="body" orient="vert" idx="1"/>
+          </p:nvPr>
+        </p:nvSpPr>
+        <p:spPr>
+          <a:xfrm>
+            <a:off x="609600" y="274640"/>
+            <a:ext cx="8026400" cy="5851525"/>
+          </a:xfrm>
+        </p:spPr>
+        <p:txBody>
+          <a:bodyPr vert="eaVert"/>
+          <a:lstStyle/>
+          <a:p>
+            <a:pPr lvl="0"/>
+            <a:r>
+              <a:rPr lang="en-US"/>
+              <a:t>Click to edit Master text styles</a:t>
+            </a:r>
+          </a:p>
+          <a:p>
+            <a:pPr lvl="1"/>
+            <a:r>
+              <a:rPr lang="en-US"/>
+              <a:t>Second level</a:t>
+            </a:r>
+          </a:p>
+          <a:p>
+            <a:pPr lvl="2"/>
+            <a:r>
+              <a:rPr lang="en-US"/>
+              <a:t>Third level</a:t>
+            </a:r>
+          </a:p>
+          <a:p>
+            <a:pPr lvl="3"/>
+            <a:r>
+              <a:rPr lang="en-US"/>
+              <a:t>Fourth level</a:t>
+            </a:r>
+          </a:p>
+          <a:p>
+            <a:pPr lvl="4"/>
+            <a:r>
+              <a:rPr lang="en-US"/>
+              <a:t>Fifth level</a:t>
+            </a:r>
+          </a:p>
+        </p:txBody>
+      </p:sp>
+      <p:sp>
+        <p:nvSpPr>
+          <p:cNvPr id="4" name="Date Placeholder 3"/>
+          <p:cNvSpPr>
+            <a:spLocks noGrp="1"/>
+          </p:cNvSpPr>
+          <p:nvPr>
+            <p:ph type="dt" sz="half" idx="10"/>
+          </p:nvPr>
+        </p:nvSpPr>
+        <p:spPr/>
+        <p:txBody>
+          <a:bodyPr/>
+          <a:lstStyle/>
+          <a:p>
+            <a:fld id="{425404F2-BE9A-4460-8815-8F645183555F}" type="datetimeFigureOut">
+              <a:rPr lang="en-US" smtClean="0"/>
+              <a:pPr/>
+              <a:t>6/23/2023</a:t>
+            </a:fld>
+            <a:endParaRPr lang="en-US"/>
+          </a:p>
+        </p:txBody>
+      </p:sp>
+      <p:sp>
+        <p:nvSpPr>
+          <p:cNvPr id="5" name="Footer Placeholder 4"/>
+          <p:cNvSpPr>
+            <a:spLocks noGrp="1"/>
+          </p:cNvSpPr>
+          <p:nvPr>
+            <p:ph type="ftr" sz="quarter" idx="11"/>
+          </p:nvPr>
+        </p:nvSpPr>
+        <p:spPr/>
+        <p:txBody>
+          <a:bodyPr/>
+          <a:lstStyle/>
+          <a:p>
+            <a:endParaRPr lang="en-US"/>
+          </a:p>
+        </p:txBody>
+      </p:sp>
+      <p:sp>
+        <p:nvSpPr>
+          <p:cNvPr id="6" name="Slide Number Placeholder 5"/>
+          <p:cNvSpPr>
+            <a:spLocks noGrp="1"/>
+          </p:cNvSpPr>
+          <p:nvPr>
+            <p:ph type="sldNum" sz="quarter" idx="12"/>
+          </p:nvPr>
+        </p:nvSpPr>
+        <p:spPr/>
+        <p:txBody>
+          <a:bodyPr/>
+          <a:lstStyle/>
+          <a:p>
+            <a:fld id="{96E69268-9C8B-4EBF-A9EE-DC5DC2D48DC3}" type="slidenum">
+              <a:rPr lang="en-US" smtClean="0"/>
+              <a:pPr/>
+              <a:t>‹#›</a:t>
+            </a:fld>
+            <a:endParaRPr lang="en-US"/>
+          </a:p>
+        </p:txBody>
+      </p:sp>
+    </p:spTree>
+    <p:extLst>
+      <p:ext uri="{BB962C8B-B14F-4D97-AF65-F5344CB8AC3E}">
+        <p14:creationId xmlns:p14="http://schemas.microsoft.com/office/powerpoint/2010/main" val="3217696323"/>
       </p:ext>
     </p:extLst>
   </p:cSld>
@@ -6185,7 +6364,7 @@
           <a:p>
             <a:fld id="{E26E0DA5-0C76-4851-AA82-0B75261F9EB4}" type="datetimeFigureOut">
               <a:rPr lang="en-US" smtClean="0"/>
-              <a:t>6/20/2023</a:t>
+              <a:t>6/23/2023</a:t>
             </a:fld>
             <a:endParaRPr lang="en-US"/>
           </a:p>
@@ -6549,7 +6728,7 @@
           <a:p>
             <a:fld id="{E26E0DA5-0C76-4851-AA82-0B75261F9EB4}" type="datetimeFigureOut">
               <a:rPr lang="en-US" smtClean="0"/>
-              <a:t>6/20/2023</a:t>
+              <a:t>6/23/2023</a:t>
             </a:fld>
             <a:endParaRPr lang="en-US"/>
           </a:p>
@@ -6666,7 +6845,7 @@
           <a:p>
             <a:fld id="{E26E0DA5-0C76-4851-AA82-0B75261F9EB4}" type="datetimeFigureOut">
               <a:rPr lang="en-US" smtClean="0"/>
-              <a:t>6/20/2023</a:t>
+              <a:t>6/23/2023</a:t>
             </a:fld>
             <a:endParaRPr lang="en-US"/>
           </a:p>
@@ -6761,7 +6940,7 @@
           <a:p>
             <a:fld id="{E26E0DA5-0C76-4851-AA82-0B75261F9EB4}" type="datetimeFigureOut">
               <a:rPr lang="en-US" smtClean="0"/>
-              <a:t>6/20/2023</a:t>
+              <a:t>6/23/2023</a:t>
             </a:fld>
             <a:endParaRPr lang="en-US"/>
           </a:p>
@@ -7036,7 +7215,7 @@
           <a:p>
             <a:fld id="{E26E0DA5-0C76-4851-AA82-0B75261F9EB4}" type="datetimeFigureOut">
               <a:rPr lang="en-US" smtClean="0"/>
-              <a:t>6/20/2023</a:t>
+              <a:t>6/23/2023</a:t>
             </a:fld>
             <a:endParaRPr lang="en-US"/>
           </a:p>
@@ -7288,7 +7467,7 @@
           <a:p>
             <a:fld id="{E26E0DA5-0C76-4851-AA82-0B75261F9EB4}" type="datetimeFigureOut">
               <a:rPr lang="en-US" smtClean="0"/>
-              <a:t>6/20/2023</a:t>
+              <a:t>6/23/2023</a:t>
             </a:fld>
             <a:endParaRPr lang="en-US"/>
           </a:p>
@@ -7499,7 +7678,7 @@
           <a:p>
             <a:fld id="{E26E0DA5-0C76-4851-AA82-0B75261F9EB4}" type="datetimeFigureOut">
               <a:rPr lang="en-US" smtClean="0"/>
-              <a:t>6/20/2023</a:t>
+              <a:t>6/23/2023</a:t>
             </a:fld>
             <a:endParaRPr lang="en-US"/>
           </a:p>
@@ -7603,6 +7782,7 @@
     <p:sldLayoutId id="2147483657" r:id="rId9"/>
     <p:sldLayoutId id="2147483658" r:id="rId10"/>
     <p:sldLayoutId id="2147483659" r:id="rId11"/>
+    <p:sldLayoutId id="2147483679" r:id="rId12"/>
   </p:sldLayoutIdLst>
   <p:txStyles>
     <p:titleStyle>
@@ -8056,7 +8236,7 @@
             <a:fld id="{425404F2-BE9A-4460-8815-8F645183555F}" type="datetimeFigureOut">
               <a:rPr lang="en-US" smtClean="0"/>
               <a:pPr/>
-              <a:t>6/20/2023</a:t>
+              <a:t>6/23/2023</a:t>
             </a:fld>
             <a:endParaRPr lang="en-US"/>
           </a:p>
@@ -8698,6 +8878,1194 @@
           <a:chExt cx="0" cy="0"/>
         </a:xfrm>
       </p:grpSpPr>
+      <p:pic>
+        <p:nvPicPr>
+          <p:cNvPr id="1028" name="Picture 4" descr="Free Vector | Flat people with question marks background">
+            <a:extLst>
+              <a:ext uri="{FF2B5EF4-FFF2-40B4-BE49-F238E27FC236}">
+                <a16:creationId xmlns:a16="http://schemas.microsoft.com/office/drawing/2014/main" id="{E158EC70-4769-4E41-A278-C90EC4E480C7}"/>
+              </a:ext>
+            </a:extLst>
+          </p:cNvPr>
+          <p:cNvPicPr>
+            <a:picLocks noChangeAspect="1" noChangeArrowheads="1"/>
+          </p:cNvPicPr>
+          <p:nvPr/>
+        </p:nvPicPr>
+        <p:blipFill rotWithShape="1">
+          <a:blip r:embed="rId2">
+            <a:extLst>
+              <a:ext uri="{28A0092B-C50C-407E-A947-70E740481C1C}">
+                <a14:useLocalDpi xmlns:a14="http://schemas.microsoft.com/office/drawing/2010/main" val="0"/>
+              </a:ext>
+            </a:extLst>
+          </a:blip>
+          <a:srcRect t="1" b="22246"/>
+          <a:stretch/>
+        </p:blipFill>
+        <p:spPr bwMode="auto">
+          <a:xfrm>
+            <a:off x="1848418" y="639706"/>
+            <a:ext cx="7599507" cy="5908876"/>
+          </a:xfrm>
+          <a:prstGeom prst="rect">
+            <a:avLst/>
+          </a:prstGeom>
+          <a:noFill/>
+          <a:extLst>
+            <a:ext uri="{909E8E84-426E-40DD-AFC4-6F175D3DCCD1}">
+              <a14:hiddenFill xmlns:a14="http://schemas.microsoft.com/office/drawing/2010/main">
+                <a:solidFill>
+                  <a:srgbClr val="FFFFFF"/>
+                </a:solidFill>
+              </a14:hiddenFill>
+            </a:ext>
+          </a:extLst>
+        </p:spPr>
+      </p:pic>
+      <p:sp>
+        <p:nvSpPr>
+          <p:cNvPr id="2" name="TextBox 1">
+            <a:extLst>
+              <a:ext uri="{FF2B5EF4-FFF2-40B4-BE49-F238E27FC236}">
+                <a16:creationId xmlns:a16="http://schemas.microsoft.com/office/drawing/2014/main" id="{994C3DB2-D47E-4B94-804B-87AF1FDEF86E}"/>
+              </a:ext>
+            </a:extLst>
+          </p:cNvPr>
+          <p:cNvSpPr txBox="1"/>
+          <p:nvPr/>
+        </p:nvSpPr>
+        <p:spPr>
+          <a:xfrm>
+            <a:off x="4535055" y="1052946"/>
+            <a:ext cx="5588000" cy="769441"/>
+          </a:xfrm>
+          <a:prstGeom prst="rect">
+            <a:avLst/>
+          </a:prstGeom>
+          <a:noFill/>
+        </p:spPr>
+        <p:txBody>
+          <a:bodyPr wrap="square" rtlCol="0">
+            <a:spAutoFit/>
+          </a:bodyPr>
+          <a:lstStyle/>
+          <a:p>
+            <a:r>
+              <a:rPr lang="en-US" sz="4400" b="1" dirty="0"/>
+              <a:t>Questions</a:t>
+            </a:r>
+          </a:p>
+        </p:txBody>
+      </p:sp>
+    </p:spTree>
+    <p:extLst>
+      <p:ext uri="{BB962C8B-B14F-4D97-AF65-F5344CB8AC3E}">
+        <p14:creationId xmlns:p14="http://schemas.microsoft.com/office/powerpoint/2010/main" val="1308118299"/>
+      </p:ext>
+    </p:extLst>
+  </p:cSld>
+  <p:clrMapOvr>
+    <a:masterClrMapping/>
+  </p:clrMapOvr>
+</p:sld>
+</file>
+
+<file path=ppt/slides/slide11.xml><?xml version="1.0" encoding="utf-8"?>
+<p:sld xmlns:a="http://schemas.openxmlformats.org/drawingml/2006/main" xmlns:r="http://schemas.openxmlformats.org/officeDocument/2006/relationships" xmlns:p="http://schemas.openxmlformats.org/presentationml/2006/main">
+  <p:cSld>
+    <p:bg>
+      <p:bgPr>
+        <a:solidFill>
+          <a:schemeClr val="bg1">
+            <a:lumMod val="95000"/>
+          </a:schemeClr>
+        </a:solidFill>
+        <a:effectLst/>
+      </p:bgPr>
+    </p:bg>
+    <p:spTree>
+      <p:nvGrpSpPr>
+        <p:cNvPr id="1" name=""/>
+        <p:cNvGrpSpPr/>
+        <p:nvPr/>
+      </p:nvGrpSpPr>
+      <p:grpSpPr>
+        <a:xfrm>
+          <a:off x="0" y="0"/>
+          <a:ext cx="0" cy="0"/>
+          <a:chOff x="0" y="0"/>
+          <a:chExt cx="0" cy="0"/>
+        </a:xfrm>
+      </p:grpSpPr>
+      <p:pic>
+        <p:nvPicPr>
+          <p:cNvPr id="2052" name="Picture 4" descr="Ski Jumping Arena - Free Presentation Templates">
+            <a:extLst>
+              <a:ext uri="{FF2B5EF4-FFF2-40B4-BE49-F238E27FC236}">
+                <a16:creationId xmlns:a16="http://schemas.microsoft.com/office/drawing/2014/main" id="{B0D7E6A1-F72A-4F69-B4FB-A4ED7A0C6CED}"/>
+              </a:ext>
+            </a:extLst>
+          </p:cNvPr>
+          <p:cNvPicPr>
+            <a:picLocks noChangeAspect="1" noChangeArrowheads="1"/>
+          </p:cNvPicPr>
+          <p:nvPr/>
+        </p:nvPicPr>
+        <p:blipFill rotWithShape="1">
+          <a:blip r:embed="rId3">
+            <a:extLst>
+              <a:ext uri="{28A0092B-C50C-407E-A947-70E740481C1C}">
+                <a14:useLocalDpi xmlns:a14="http://schemas.microsoft.com/office/drawing/2010/main" val="0"/>
+              </a:ext>
+            </a:extLst>
+          </a:blip>
+          <a:srcRect r="2246" b="2246"/>
+          <a:stretch/>
+        </p:blipFill>
+        <p:spPr bwMode="auto">
+          <a:xfrm>
+            <a:off x="0" y="0"/>
+            <a:ext cx="12192000" cy="6858000"/>
+          </a:xfrm>
+          <a:prstGeom prst="rect">
+            <a:avLst/>
+          </a:prstGeom>
+          <a:noFill/>
+          <a:extLst>
+            <a:ext uri="{909E8E84-426E-40DD-AFC4-6F175D3DCCD1}">
+              <a14:hiddenFill xmlns:a14="http://schemas.microsoft.com/office/drawing/2010/main">
+                <a:solidFill>
+                  <a:srgbClr val="FFFFFF"/>
+                </a:solidFill>
+              </a14:hiddenFill>
+            </a:ext>
+          </a:extLst>
+        </p:spPr>
+      </p:pic>
+      <p:sp>
+        <p:nvSpPr>
+          <p:cNvPr id="5" name="TextBox 4"/>
+          <p:cNvSpPr txBox="1"/>
+          <p:nvPr/>
+        </p:nvSpPr>
+        <p:spPr>
+          <a:xfrm>
+            <a:off x="1910833" y="3429000"/>
+            <a:ext cx="6629399" cy="1200329"/>
+          </a:xfrm>
+          <a:prstGeom prst="rect">
+            <a:avLst/>
+          </a:prstGeom>
+          <a:noFill/>
+        </p:spPr>
+        <p:txBody>
+          <a:bodyPr wrap="square" rtlCol="0">
+            <a:spAutoFit/>
+          </a:bodyPr>
+          <a:lstStyle/>
+          <a:p>
+            <a:pPr marL="0" marR="0" lvl="0" indent="0" algn="l" defTabSz="914400" rtl="0" eaLnBrk="1" fontAlgn="auto" latinLnBrk="0" hangingPunct="1">
+              <a:lnSpc>
+                <a:spcPct val="100000"/>
+              </a:lnSpc>
+              <a:spcBef>
+                <a:spcPts val="0"/>
+              </a:spcBef>
+              <a:spcAft>
+                <a:spcPts val="0"/>
+              </a:spcAft>
+              <a:buClrTx/>
+              <a:buSzTx/>
+              <a:buFontTx/>
+              <a:buNone/>
+              <a:tabLst/>
+              <a:defRPr/>
+            </a:pPr>
+            <a:r>
+              <a:rPr kumimoji="0" lang="en-US" sz="3600" b="0" i="0" u="none" strike="noStrike" kern="1200" cap="none" spc="-150" normalizeH="0" baseline="0" noProof="0" dirty="0">
+                <a:ln>
+                  <a:noFill/>
+                </a:ln>
+                <a:solidFill>
+                  <a:prstClr val="white"/>
+                </a:solidFill>
+                <a:effectLst/>
+                <a:uLnTx/>
+                <a:uFillTx/>
+                <a:latin typeface="Calibri" panose="020F0502020204030204"/>
+                <a:ea typeface="+mn-ea"/>
+                <a:cs typeface="+mn-cs"/>
+              </a:rPr>
+              <a:t>Anurag Bajaj</a:t>
+            </a:r>
+          </a:p>
+          <a:p>
+            <a:pPr marL="0" marR="0" lvl="0" indent="0" algn="l" defTabSz="914400" rtl="0" eaLnBrk="1" fontAlgn="auto" latinLnBrk="0" hangingPunct="1">
+              <a:lnSpc>
+                <a:spcPct val="100000"/>
+              </a:lnSpc>
+              <a:spcBef>
+                <a:spcPts val="0"/>
+              </a:spcBef>
+              <a:spcAft>
+                <a:spcPts val="0"/>
+              </a:spcAft>
+              <a:buClrTx/>
+              <a:buSzTx/>
+              <a:buFontTx/>
+              <a:buNone/>
+              <a:tabLst/>
+              <a:defRPr/>
+            </a:pPr>
+            <a:r>
+              <a:rPr lang="en-US" sz="3600" spc="-150" dirty="0">
+                <a:solidFill>
+                  <a:prstClr val="white"/>
+                </a:solidFill>
+                <a:latin typeface="Calibri" panose="020F0502020204030204"/>
+              </a:rPr>
+              <a:t>anurag.bajaj02@gmail.com</a:t>
+            </a:r>
+            <a:endParaRPr kumimoji="0" lang="en-US" sz="3600" b="0" i="0" u="none" strike="noStrike" kern="1200" cap="none" spc="-150" normalizeH="0" baseline="0" noProof="0" dirty="0">
+              <a:ln>
+                <a:noFill/>
+              </a:ln>
+              <a:solidFill>
+                <a:prstClr val="white"/>
+              </a:solidFill>
+              <a:effectLst/>
+              <a:uLnTx/>
+              <a:uFillTx/>
+              <a:latin typeface="Calibri" panose="020F0502020204030204"/>
+              <a:ea typeface="+mn-ea"/>
+              <a:cs typeface="+mn-cs"/>
+            </a:endParaRPr>
+          </a:p>
+        </p:txBody>
+      </p:sp>
+    </p:spTree>
+    <p:extLst>
+      <p:ext uri="{BB962C8B-B14F-4D97-AF65-F5344CB8AC3E}">
+        <p14:creationId xmlns:p14="http://schemas.microsoft.com/office/powerpoint/2010/main" val="132008300"/>
+      </p:ext>
+    </p:extLst>
+  </p:cSld>
+  <p:clrMapOvr>
+    <a:masterClrMapping/>
+  </p:clrMapOvr>
+  <mc:AlternateContent xmlns:mc="http://schemas.openxmlformats.org/markup-compatibility/2006" xmlns:p14="http://schemas.microsoft.com/office/powerpoint/2010/main">
+    <mc:Choice Requires="p14">
+      <p:transition spd="med" p14:dur="700">
+        <p:fade/>
+      </p:transition>
+    </mc:Choice>
+    <mc:Fallback xmlns="">
+      <p:transition spd="med">
+        <p:fade/>
+      </p:transition>
+    </mc:Fallback>
+  </mc:AlternateContent>
+</p:sld>
+</file>
+
+<file path=ppt/slides/slide2.xml><?xml version="1.0" encoding="utf-8"?>
+<p:sld xmlns:a="http://schemas.openxmlformats.org/drawingml/2006/main" xmlns:r="http://schemas.openxmlformats.org/officeDocument/2006/relationships" xmlns:p="http://schemas.openxmlformats.org/presentationml/2006/main">
+  <p:cSld>
+    <p:spTree>
+      <p:nvGrpSpPr>
+        <p:cNvPr id="1" name=""/>
+        <p:cNvGrpSpPr/>
+        <p:nvPr/>
+      </p:nvGrpSpPr>
+      <p:grpSpPr>
+        <a:xfrm>
+          <a:off x="0" y="0"/>
+          <a:ext cx="0" cy="0"/>
+          <a:chOff x="0" y="0"/>
+          <a:chExt cx="0" cy="0"/>
+        </a:xfrm>
+      </p:grpSpPr>
+      <p:sp>
+        <p:nvSpPr>
+          <p:cNvPr id="2" name="Title 3">
+            <a:extLst>
+              <a:ext uri="{FF2B5EF4-FFF2-40B4-BE49-F238E27FC236}">
+                <a16:creationId xmlns:a16="http://schemas.microsoft.com/office/drawing/2014/main" id="{F07FC580-E2AB-4C55-8C95-D5E077A1D127}"/>
+              </a:ext>
+            </a:extLst>
+          </p:cNvPr>
+          <p:cNvSpPr txBox="1">
+            <a:spLocks/>
+          </p:cNvSpPr>
+          <p:nvPr/>
+        </p:nvSpPr>
+        <p:spPr>
+          <a:xfrm>
+            <a:off x="261764" y="188640"/>
+            <a:ext cx="11292008" cy="711081"/>
+          </a:xfrm>
+          <a:prstGeom prst="rect">
+            <a:avLst/>
+          </a:prstGeom>
+        </p:spPr>
+        <p:txBody>
+          <a:bodyPr/>
+          <a:lstStyle>
+            <a:lvl1pPr algn="l" defTabSz="914400" rtl="0" eaLnBrk="1" latinLnBrk="0" hangingPunct="1">
+              <a:lnSpc>
+                <a:spcPct val="90000"/>
+              </a:lnSpc>
+              <a:spcBef>
+                <a:spcPct val="0"/>
+              </a:spcBef>
+              <a:buNone/>
+              <a:defRPr sz="4400" kern="1200">
+                <a:solidFill>
+                  <a:schemeClr val="tx1"/>
+                </a:solidFill>
+                <a:latin typeface="+mj-lt"/>
+                <a:ea typeface="+mj-ea"/>
+                <a:cs typeface="+mj-cs"/>
+              </a:defRPr>
+            </a:lvl1pPr>
+          </a:lstStyle>
+          <a:p>
+            <a:pPr marL="0" marR="0" lvl="0" indent="0" algn="l" defTabSz="914400" rtl="0" eaLnBrk="1" fontAlgn="auto" latinLnBrk="0" hangingPunct="1">
+              <a:lnSpc>
+                <a:spcPct val="90000"/>
+              </a:lnSpc>
+              <a:spcBef>
+                <a:spcPct val="0"/>
+              </a:spcBef>
+              <a:spcAft>
+                <a:spcPts val="0"/>
+              </a:spcAft>
+              <a:buClrTx/>
+              <a:buSzTx/>
+              <a:buFontTx/>
+              <a:buNone/>
+              <a:tabLst/>
+              <a:defRPr/>
+            </a:pPr>
+            <a:r>
+              <a:rPr kumimoji="0" lang="en-US" sz="4400" b="1" i="0" u="none" strike="noStrike" kern="1200" cap="none" spc="0" normalizeH="0" baseline="0" noProof="0" dirty="0">
+                <a:ln>
+                  <a:noFill/>
+                </a:ln>
+                <a:solidFill>
+                  <a:prstClr val="black"/>
+                </a:solidFill>
+                <a:effectLst/>
+                <a:uLnTx/>
+                <a:uFillTx/>
+                <a:latin typeface="Calibri Light" panose="020F0302020204030204"/>
+                <a:ea typeface="+mj-ea"/>
+                <a:cs typeface="+mj-cs"/>
+              </a:rPr>
+              <a:t>Agenda – Day 4</a:t>
+            </a:r>
+          </a:p>
+        </p:txBody>
+      </p:sp>
+      <p:sp>
+        <p:nvSpPr>
+          <p:cNvPr id="4" name="Footer Placeholder 45">
+            <a:extLst>
+              <a:ext uri="{FF2B5EF4-FFF2-40B4-BE49-F238E27FC236}">
+                <a16:creationId xmlns:a16="http://schemas.microsoft.com/office/drawing/2014/main" id="{90E33047-DFF5-4690-8905-31E4C115EFDC}"/>
+              </a:ext>
+            </a:extLst>
+          </p:cNvPr>
+          <p:cNvSpPr>
+            <a:spLocks noGrp="1"/>
+          </p:cNvSpPr>
+          <p:nvPr>
+            <p:ph type="ftr" sz="quarter" idx="11"/>
+          </p:nvPr>
+        </p:nvSpPr>
+        <p:spPr>
+          <a:xfrm>
+            <a:off x="10123055" y="6548582"/>
+            <a:ext cx="2225295" cy="203620"/>
+          </a:xfrm>
+        </p:spPr>
+        <p:txBody>
+          <a:bodyPr/>
+          <a:lstStyle/>
+          <a:p>
+            <a:pPr marL="0" marR="0" lvl="0" indent="0" algn="ctr" defTabSz="914400" rtl="0" eaLnBrk="1" fontAlgn="auto" latinLnBrk="0" hangingPunct="1">
+              <a:lnSpc>
+                <a:spcPct val="100000"/>
+              </a:lnSpc>
+              <a:spcBef>
+                <a:spcPts val="0"/>
+              </a:spcBef>
+              <a:spcAft>
+                <a:spcPts val="0"/>
+              </a:spcAft>
+              <a:buClrTx/>
+              <a:buSzTx/>
+              <a:buFontTx/>
+              <a:buNone/>
+              <a:tabLst/>
+              <a:defRPr/>
+            </a:pPr>
+            <a:r>
+              <a:rPr kumimoji="0" lang="en-US" sz="1200" b="1" i="0" u="none" strike="noStrike" kern="1200" cap="none" spc="0" normalizeH="0" baseline="0" noProof="0" dirty="0">
+                <a:ln>
+                  <a:noFill/>
+                </a:ln>
+                <a:solidFill>
+                  <a:prstClr val="black"/>
+                </a:solidFill>
+                <a:effectLst/>
+                <a:uLnTx/>
+                <a:uFillTx/>
+                <a:latin typeface="Calibri" panose="020F0502020204030204"/>
+                <a:ea typeface="+mn-ea"/>
+                <a:cs typeface="+mn-cs"/>
+              </a:rPr>
+              <a:t>Anubhav trainings</a:t>
+            </a:r>
+          </a:p>
+        </p:txBody>
+      </p:sp>
+      <p:sp>
+        <p:nvSpPr>
+          <p:cNvPr id="5" name="TextBox 4">
+            <a:extLst>
+              <a:ext uri="{FF2B5EF4-FFF2-40B4-BE49-F238E27FC236}">
+                <a16:creationId xmlns:a16="http://schemas.microsoft.com/office/drawing/2014/main" id="{27E5B41D-1DDF-48C9-A5AF-075F84492B68}"/>
+              </a:ext>
+            </a:extLst>
+          </p:cNvPr>
+          <p:cNvSpPr txBox="1"/>
+          <p:nvPr/>
+        </p:nvSpPr>
+        <p:spPr>
+          <a:xfrm>
+            <a:off x="247878" y="982353"/>
+            <a:ext cx="11696243" cy="5016758"/>
+          </a:xfrm>
+          <a:prstGeom prst="rect">
+            <a:avLst/>
+          </a:prstGeom>
+          <a:noFill/>
+        </p:spPr>
+        <p:txBody>
+          <a:bodyPr wrap="square" rtlCol="0">
+            <a:spAutoFit/>
+          </a:bodyPr>
+          <a:lstStyle/>
+          <a:p>
+            <a:pPr marL="0" marR="0" lvl="0" indent="0" algn="l" defTabSz="914400" rtl="0" eaLnBrk="1" fontAlgn="auto" latinLnBrk="0" hangingPunct="1">
+              <a:lnSpc>
+                <a:spcPct val="100000"/>
+              </a:lnSpc>
+              <a:spcBef>
+                <a:spcPts val="0"/>
+              </a:spcBef>
+              <a:spcAft>
+                <a:spcPts val="0"/>
+              </a:spcAft>
+              <a:buClrTx/>
+              <a:buSzTx/>
+              <a:buFontTx/>
+              <a:buNone/>
+              <a:tabLst/>
+              <a:defRPr/>
+            </a:pPr>
+            <a:r>
+              <a:rPr kumimoji="0" lang="en-US" sz="1600" b="1" i="0" u="none" strike="noStrike" kern="1200" cap="none" spc="0" normalizeH="0" baseline="0" noProof="0" dirty="0">
+                <a:ln>
+                  <a:noFill/>
+                </a:ln>
+                <a:solidFill>
+                  <a:prstClr val="black"/>
+                </a:solidFill>
+                <a:effectLst/>
+                <a:uLnTx/>
+                <a:uFillTx/>
+                <a:latin typeface="Calibri" panose="020F0502020204030204"/>
+                <a:ea typeface="+mn-ea"/>
+                <a:cs typeface="+mn-cs"/>
+              </a:rPr>
+              <a:t>Model updates &amp; Advance BI</a:t>
+            </a:r>
+          </a:p>
+          <a:p>
+            <a:pPr marL="0" marR="0" lvl="0" indent="0" algn="l" defTabSz="914400" rtl="0" eaLnBrk="1" fontAlgn="auto" latinLnBrk="0" hangingPunct="1">
+              <a:lnSpc>
+                <a:spcPct val="100000"/>
+              </a:lnSpc>
+              <a:spcBef>
+                <a:spcPts val="0"/>
+              </a:spcBef>
+              <a:spcAft>
+                <a:spcPts val="0"/>
+              </a:spcAft>
+              <a:buClrTx/>
+              <a:buSzTx/>
+              <a:buFontTx/>
+              <a:buNone/>
+              <a:tabLst/>
+              <a:defRPr/>
+            </a:pPr>
+            <a:r>
+              <a:rPr kumimoji="0" lang="en-US" sz="1600" b="0" i="0" u="none" strike="noStrike" kern="1200" cap="none" spc="0" normalizeH="0" baseline="0" noProof="0" dirty="0">
+                <a:ln>
+                  <a:noFill/>
+                </a:ln>
+                <a:solidFill>
+                  <a:prstClr val="black"/>
+                </a:solidFill>
+                <a:effectLst/>
+                <a:uLnTx/>
+                <a:uFillTx/>
+                <a:latin typeface="Calibri" panose="020F0502020204030204"/>
+                <a:ea typeface="+mn-ea"/>
+                <a:cs typeface="+mn-cs"/>
+              </a:rPr>
+              <a:t>                    - Create data model using google drive</a:t>
+            </a:r>
+          </a:p>
+          <a:p>
+            <a:pPr marL="0" marR="0" lvl="0" indent="0" algn="l" defTabSz="914400" rtl="0" eaLnBrk="1" fontAlgn="auto" latinLnBrk="0" hangingPunct="1">
+              <a:lnSpc>
+                <a:spcPct val="100000"/>
+              </a:lnSpc>
+              <a:spcBef>
+                <a:spcPts val="0"/>
+              </a:spcBef>
+              <a:spcAft>
+                <a:spcPts val="0"/>
+              </a:spcAft>
+              <a:buClrTx/>
+              <a:buSzTx/>
+              <a:buFontTx/>
+              <a:buNone/>
+              <a:tabLst/>
+              <a:defRPr/>
+            </a:pPr>
+            <a:r>
+              <a:rPr kumimoji="0" lang="en-US" sz="1600" b="0" i="0" u="none" strike="noStrike" kern="1200" cap="none" spc="0" normalizeH="0" baseline="0" noProof="0" dirty="0">
+                <a:ln>
+                  <a:noFill/>
+                </a:ln>
+                <a:solidFill>
+                  <a:prstClr val="black"/>
+                </a:solidFill>
+                <a:effectLst/>
+                <a:uLnTx/>
+                <a:uFillTx/>
+                <a:latin typeface="Calibri" panose="020F0502020204030204"/>
+                <a:ea typeface="+mn-ea"/>
+                <a:cs typeface="+mn-cs"/>
+              </a:rPr>
+              <a:t>	- Create hierarchies and Basic BI</a:t>
+            </a:r>
+          </a:p>
+          <a:p>
+            <a:pPr marL="0" marR="0" lvl="0" indent="0" algn="l" defTabSz="914400" rtl="0" eaLnBrk="1" fontAlgn="auto" latinLnBrk="0" hangingPunct="1">
+              <a:lnSpc>
+                <a:spcPct val="100000"/>
+              </a:lnSpc>
+              <a:spcBef>
+                <a:spcPts val="0"/>
+              </a:spcBef>
+              <a:spcAft>
+                <a:spcPts val="0"/>
+              </a:spcAft>
+              <a:buClrTx/>
+              <a:buSzTx/>
+              <a:buFontTx/>
+              <a:buNone/>
+              <a:tabLst/>
+              <a:defRPr/>
+            </a:pPr>
+            <a:r>
+              <a:rPr kumimoji="0" lang="en-US" sz="1600" b="0" i="0" u="none" strike="noStrike" kern="1200" cap="none" spc="0" normalizeH="0" baseline="0" noProof="0" dirty="0">
+                <a:ln>
+                  <a:noFill/>
+                </a:ln>
+                <a:solidFill>
+                  <a:prstClr val="black"/>
+                </a:solidFill>
+                <a:effectLst/>
+                <a:uLnTx/>
+                <a:uFillTx/>
+                <a:latin typeface="Calibri" panose="020F0502020204030204"/>
+                <a:ea typeface="+mn-ea"/>
+                <a:cs typeface="+mn-cs"/>
+              </a:rPr>
+              <a:t>	- Update Models using Draft data</a:t>
+            </a:r>
+          </a:p>
+          <a:p>
+            <a:pPr marL="0" marR="0" lvl="0" indent="0" algn="l" defTabSz="914400" rtl="0" eaLnBrk="1" fontAlgn="auto" latinLnBrk="0" hangingPunct="1">
+              <a:lnSpc>
+                <a:spcPct val="100000"/>
+              </a:lnSpc>
+              <a:spcBef>
+                <a:spcPts val="0"/>
+              </a:spcBef>
+              <a:spcAft>
+                <a:spcPts val="0"/>
+              </a:spcAft>
+              <a:buClrTx/>
+              <a:buSzTx/>
+              <a:buFontTx/>
+              <a:buNone/>
+              <a:tabLst/>
+              <a:defRPr/>
+            </a:pPr>
+            <a:r>
+              <a:rPr kumimoji="0" lang="en-US" sz="1600" b="0" i="0" u="none" strike="noStrike" kern="1200" cap="none" spc="0" normalizeH="0" baseline="0" noProof="0" dirty="0">
+                <a:ln>
+                  <a:noFill/>
+                </a:ln>
+                <a:solidFill>
+                  <a:prstClr val="black"/>
+                </a:solidFill>
+                <a:effectLst/>
+                <a:uLnTx/>
+                <a:uFillTx/>
+                <a:latin typeface="Calibri" panose="020F0502020204030204"/>
+                <a:ea typeface="+mn-ea"/>
+                <a:cs typeface="+mn-cs"/>
+              </a:rPr>
+              <a:t>	- Concept of Variance</a:t>
+            </a:r>
+          </a:p>
+          <a:p>
+            <a:pPr marL="0" marR="0" lvl="0" indent="0" algn="l" defTabSz="914400" rtl="0" eaLnBrk="1" fontAlgn="auto" latinLnBrk="0" hangingPunct="1">
+              <a:lnSpc>
+                <a:spcPct val="100000"/>
+              </a:lnSpc>
+              <a:spcBef>
+                <a:spcPts val="0"/>
+              </a:spcBef>
+              <a:spcAft>
+                <a:spcPts val="0"/>
+              </a:spcAft>
+              <a:buClrTx/>
+              <a:buSzTx/>
+              <a:buFontTx/>
+              <a:buNone/>
+              <a:tabLst/>
+              <a:defRPr/>
+            </a:pPr>
+            <a:r>
+              <a:rPr lang="en-US" sz="1600" dirty="0">
+                <a:solidFill>
+                  <a:prstClr val="black"/>
+                </a:solidFill>
+                <a:latin typeface="Calibri" panose="020F0502020204030204"/>
+              </a:rPr>
+              <a:t>	- Create Reference Lines</a:t>
+            </a:r>
+          </a:p>
+          <a:p>
+            <a:pPr marL="0" marR="0" lvl="0" indent="0" algn="l" defTabSz="914400" rtl="0" eaLnBrk="1" fontAlgn="auto" latinLnBrk="0" hangingPunct="1">
+              <a:lnSpc>
+                <a:spcPct val="100000"/>
+              </a:lnSpc>
+              <a:spcBef>
+                <a:spcPts val="0"/>
+              </a:spcBef>
+              <a:spcAft>
+                <a:spcPts val="0"/>
+              </a:spcAft>
+              <a:buClrTx/>
+              <a:buSzTx/>
+              <a:buFontTx/>
+              <a:buNone/>
+              <a:tabLst/>
+              <a:defRPr/>
+            </a:pPr>
+            <a:r>
+              <a:rPr kumimoji="0" lang="en-US" sz="1600" b="0" i="0" u="none" strike="noStrike" kern="1200" cap="none" spc="0" normalizeH="0" baseline="0" noProof="0" dirty="0">
+                <a:ln>
+                  <a:noFill/>
+                </a:ln>
+                <a:solidFill>
+                  <a:prstClr val="black"/>
+                </a:solidFill>
+                <a:effectLst/>
+                <a:uLnTx/>
+                <a:uFillTx/>
+                <a:latin typeface="Calibri" panose="020F0502020204030204"/>
+                <a:ea typeface="+mn-ea"/>
+                <a:cs typeface="+mn-cs"/>
+              </a:rPr>
+              <a:t>	- Conditional Formatting</a:t>
+            </a:r>
+          </a:p>
+          <a:p>
+            <a:pPr marL="0" marR="0" lvl="0" indent="0" algn="l" defTabSz="914400" rtl="0" eaLnBrk="1" fontAlgn="auto" latinLnBrk="0" hangingPunct="1">
+              <a:lnSpc>
+                <a:spcPct val="100000"/>
+              </a:lnSpc>
+              <a:spcBef>
+                <a:spcPts val="0"/>
+              </a:spcBef>
+              <a:spcAft>
+                <a:spcPts val="0"/>
+              </a:spcAft>
+              <a:buClrTx/>
+              <a:buSzTx/>
+              <a:buFontTx/>
+              <a:buNone/>
+              <a:tabLst/>
+              <a:defRPr/>
+            </a:pPr>
+            <a:endParaRPr kumimoji="0" lang="en-US" sz="1600" b="0" i="0" u="none" strike="noStrike" kern="1200" cap="none" spc="0" normalizeH="0" baseline="0" noProof="0" dirty="0">
+              <a:ln>
+                <a:noFill/>
+              </a:ln>
+              <a:solidFill>
+                <a:prstClr val="black"/>
+              </a:solidFill>
+              <a:effectLst/>
+              <a:uLnTx/>
+              <a:uFillTx/>
+              <a:latin typeface="Calibri" panose="020F0502020204030204"/>
+              <a:ea typeface="+mn-ea"/>
+              <a:cs typeface="+mn-cs"/>
+            </a:endParaRPr>
+          </a:p>
+          <a:p>
+            <a:pPr marL="0" marR="0" lvl="0" indent="0" algn="l" defTabSz="914400" rtl="0" eaLnBrk="1" fontAlgn="auto" latinLnBrk="0" hangingPunct="1">
+              <a:lnSpc>
+                <a:spcPct val="100000"/>
+              </a:lnSpc>
+              <a:spcBef>
+                <a:spcPts val="0"/>
+              </a:spcBef>
+              <a:spcAft>
+                <a:spcPts val="0"/>
+              </a:spcAft>
+              <a:buClrTx/>
+              <a:buSzTx/>
+              <a:buFontTx/>
+              <a:buNone/>
+              <a:tabLst/>
+              <a:defRPr/>
+            </a:pPr>
+            <a:r>
+              <a:rPr kumimoji="0" lang="en-US" sz="1600" b="0" i="0" u="none" strike="noStrike" kern="1200" cap="none" spc="0" normalizeH="0" baseline="0" noProof="0" dirty="0">
+                <a:ln>
+                  <a:noFill/>
+                </a:ln>
+                <a:solidFill>
+                  <a:prstClr val="black"/>
+                </a:solidFill>
+                <a:effectLst/>
+                <a:uLnTx/>
+                <a:uFillTx/>
+                <a:latin typeface="Calibri" panose="020F0502020204030204"/>
+                <a:ea typeface="+mn-ea"/>
+                <a:cs typeface="+mn-cs"/>
+              </a:rPr>
+              <a:t>---Break---</a:t>
+            </a:r>
+          </a:p>
+          <a:p>
+            <a:pPr marL="0" marR="0" lvl="0" indent="0" algn="l" defTabSz="914400" rtl="0" eaLnBrk="1" fontAlgn="auto" latinLnBrk="0" hangingPunct="1">
+              <a:lnSpc>
+                <a:spcPct val="100000"/>
+              </a:lnSpc>
+              <a:spcBef>
+                <a:spcPts val="0"/>
+              </a:spcBef>
+              <a:spcAft>
+                <a:spcPts val="0"/>
+              </a:spcAft>
+              <a:buClrTx/>
+              <a:buSzTx/>
+              <a:buFontTx/>
+              <a:buNone/>
+              <a:tabLst/>
+              <a:defRPr/>
+            </a:pPr>
+            <a:endParaRPr kumimoji="0" lang="en-US" sz="1600" b="1" i="0" u="none" strike="noStrike" kern="1200" cap="none" spc="0" normalizeH="0" baseline="0" noProof="0" dirty="0">
+              <a:ln>
+                <a:noFill/>
+              </a:ln>
+              <a:solidFill>
+                <a:prstClr val="black"/>
+              </a:solidFill>
+              <a:effectLst/>
+              <a:uLnTx/>
+              <a:uFillTx/>
+              <a:latin typeface="Calibri" panose="020F0502020204030204"/>
+              <a:ea typeface="+mn-ea"/>
+              <a:cs typeface="+mn-cs"/>
+            </a:endParaRPr>
+          </a:p>
+          <a:p>
+            <a:pPr marL="0" marR="0" lvl="0" indent="0" algn="l" defTabSz="914400" rtl="0" eaLnBrk="1" fontAlgn="auto" latinLnBrk="0" hangingPunct="1">
+              <a:lnSpc>
+                <a:spcPct val="100000"/>
+              </a:lnSpc>
+              <a:spcBef>
+                <a:spcPts val="0"/>
+              </a:spcBef>
+              <a:spcAft>
+                <a:spcPts val="0"/>
+              </a:spcAft>
+              <a:buClrTx/>
+              <a:buSzTx/>
+              <a:buFontTx/>
+              <a:buNone/>
+              <a:tabLst/>
+              <a:defRPr/>
+            </a:pPr>
+            <a:r>
+              <a:rPr kumimoji="0" lang="en-US" sz="1600" b="1" i="0" u="none" strike="noStrike" kern="1200" cap="none" spc="0" normalizeH="0" baseline="0" noProof="0" dirty="0">
+                <a:ln>
+                  <a:noFill/>
+                </a:ln>
+                <a:solidFill>
+                  <a:prstClr val="black"/>
+                </a:solidFill>
+                <a:effectLst/>
+                <a:uLnTx/>
+                <a:uFillTx/>
+                <a:latin typeface="Calibri" panose="020F0502020204030204"/>
+                <a:ea typeface="+mn-ea"/>
+                <a:cs typeface="+mn-cs"/>
+              </a:rPr>
+              <a:t>Working with Geo maps and Account Dimension</a:t>
+            </a:r>
+          </a:p>
+          <a:p>
+            <a:pPr marL="0" marR="0" lvl="0" indent="0" algn="l" defTabSz="914400" rtl="0" eaLnBrk="1" fontAlgn="auto" latinLnBrk="0" hangingPunct="1">
+              <a:lnSpc>
+                <a:spcPct val="100000"/>
+              </a:lnSpc>
+              <a:spcBef>
+                <a:spcPts val="0"/>
+              </a:spcBef>
+              <a:spcAft>
+                <a:spcPts val="0"/>
+              </a:spcAft>
+              <a:buClrTx/>
+              <a:buSzTx/>
+              <a:buFontTx/>
+              <a:buNone/>
+              <a:tabLst/>
+              <a:defRPr/>
+            </a:pPr>
+            <a:r>
+              <a:rPr kumimoji="0" lang="en-US" sz="1600" b="0" i="0" u="none" strike="noStrike" kern="1200" cap="none" spc="0" normalizeH="0" baseline="0" noProof="0" dirty="0">
+                <a:ln>
+                  <a:noFill/>
+                </a:ln>
+                <a:solidFill>
+                  <a:prstClr val="black"/>
+                </a:solidFill>
+                <a:effectLst/>
+                <a:uLnTx/>
+                <a:uFillTx/>
+                <a:latin typeface="Calibri" panose="020F0502020204030204"/>
+                <a:ea typeface="+mn-ea"/>
+                <a:cs typeface="+mn-cs"/>
+              </a:rPr>
+              <a:t>	- Understanding Exception Aggregation</a:t>
+            </a:r>
+          </a:p>
+          <a:p>
+            <a:pPr>
+              <a:defRPr/>
+            </a:pPr>
+            <a:r>
+              <a:rPr lang="en-US" sz="1600" dirty="0">
+                <a:solidFill>
+                  <a:prstClr val="black"/>
+                </a:solidFill>
+                <a:latin typeface="Calibri" panose="020F0502020204030204"/>
+              </a:rPr>
+              <a:t>	</a:t>
+            </a:r>
+            <a:r>
+              <a:rPr kumimoji="0" lang="en-US" sz="1600" b="0" i="0" u="none" strike="noStrike" kern="1200" cap="none" spc="0" normalizeH="0" baseline="0" noProof="0" dirty="0">
+                <a:ln>
+                  <a:noFill/>
+                </a:ln>
+                <a:solidFill>
+                  <a:prstClr val="black"/>
+                </a:solidFill>
+                <a:effectLst/>
+                <a:uLnTx/>
+                <a:uFillTx/>
+                <a:latin typeface="Calibri" panose="020F0502020204030204"/>
+                <a:ea typeface="+mn-ea"/>
+                <a:cs typeface="+mn-cs"/>
+              </a:rPr>
+              <a:t>- Working with GEO Maps</a:t>
+            </a:r>
+          </a:p>
+          <a:p>
+            <a:pPr>
+              <a:defRPr/>
+            </a:pPr>
+            <a:r>
+              <a:rPr lang="en-US" sz="1600" dirty="0">
+                <a:solidFill>
+                  <a:prstClr val="black"/>
+                </a:solidFill>
+                <a:latin typeface="Calibri" panose="020F0502020204030204"/>
+              </a:rPr>
+              <a:t>	</a:t>
+            </a:r>
+            <a:r>
+              <a:rPr kumimoji="0" lang="en-US" sz="1600" b="0" i="0" u="none" strike="noStrike" kern="1200" cap="none" spc="0" normalizeH="0" baseline="0" noProof="0" dirty="0">
+                <a:ln>
+                  <a:noFill/>
+                </a:ln>
+                <a:solidFill>
+                  <a:prstClr val="black"/>
+                </a:solidFill>
+                <a:effectLst/>
+                <a:uLnTx/>
+                <a:uFillTx/>
+                <a:latin typeface="Calibri" panose="020F0502020204030204"/>
+                <a:ea typeface="+mn-ea"/>
+                <a:cs typeface="+mn-cs"/>
+              </a:rPr>
+              <a:t>- Point of interest Layer using Direct file</a:t>
+            </a:r>
+          </a:p>
+          <a:p>
+            <a:pPr>
+              <a:defRPr/>
+            </a:pPr>
+            <a:r>
+              <a:rPr lang="en-US" sz="1600" dirty="0">
+                <a:solidFill>
+                  <a:prstClr val="black"/>
+                </a:solidFill>
+                <a:latin typeface="Calibri" panose="020F0502020204030204"/>
+              </a:rPr>
+              <a:t>	</a:t>
+            </a:r>
+            <a:r>
+              <a:rPr kumimoji="0" lang="en-US" sz="1600" b="0" i="0" u="none" strike="noStrike" kern="1200" cap="none" spc="0" normalizeH="0" baseline="0" noProof="0" dirty="0">
+                <a:ln>
+                  <a:noFill/>
+                </a:ln>
+                <a:solidFill>
+                  <a:prstClr val="black"/>
+                </a:solidFill>
+                <a:effectLst/>
+                <a:uLnTx/>
+                <a:uFillTx/>
+                <a:latin typeface="Calibri" panose="020F0502020204030204"/>
+                <a:ea typeface="+mn-ea"/>
+                <a:cs typeface="+mn-cs"/>
+              </a:rPr>
+              <a:t>- POI using shape file</a:t>
+            </a:r>
+          </a:p>
+          <a:p>
+            <a:pPr>
+              <a:defRPr/>
+            </a:pPr>
+            <a:r>
+              <a:rPr lang="en-US" sz="1600" dirty="0">
+                <a:solidFill>
+                  <a:prstClr val="black"/>
+                </a:solidFill>
+                <a:latin typeface="Calibri" panose="020F0502020204030204"/>
+              </a:rPr>
+              <a:t>	</a:t>
+            </a:r>
+            <a:r>
+              <a:rPr kumimoji="0" lang="en-US" sz="1600" b="0" i="0" u="none" strike="noStrike" kern="1200" cap="none" spc="0" normalizeH="0" baseline="0" noProof="0" dirty="0">
+                <a:ln>
+                  <a:noFill/>
+                </a:ln>
+                <a:solidFill>
+                  <a:prstClr val="black"/>
+                </a:solidFill>
+                <a:effectLst/>
+                <a:uLnTx/>
+                <a:uFillTx/>
+                <a:latin typeface="Calibri" panose="020F0502020204030204"/>
+                <a:ea typeface="+mn-ea"/>
+                <a:cs typeface="+mn-cs"/>
+              </a:rPr>
+              <a:t>- POI using data model</a:t>
+            </a:r>
+          </a:p>
+          <a:p>
+            <a:pPr>
+              <a:defRPr/>
+            </a:pPr>
+            <a:r>
+              <a:rPr lang="en-US" sz="1600" dirty="0">
+                <a:solidFill>
+                  <a:prstClr val="black"/>
+                </a:solidFill>
+                <a:latin typeface="Calibri" panose="020F0502020204030204"/>
+              </a:rPr>
+              <a:t>	</a:t>
+            </a:r>
+            <a:r>
+              <a:rPr kumimoji="0" lang="en-US" sz="1600" b="0" i="0" u="none" strike="noStrike" kern="1200" cap="none" spc="0" normalizeH="0" baseline="0" noProof="0" dirty="0">
+                <a:ln>
+                  <a:noFill/>
+                </a:ln>
+                <a:solidFill>
+                  <a:prstClr val="black"/>
+                </a:solidFill>
+                <a:effectLst/>
+                <a:uLnTx/>
+                <a:uFillTx/>
+                <a:latin typeface="Calibri" panose="020F0502020204030204"/>
+                <a:ea typeface="+mn-ea"/>
+                <a:cs typeface="+mn-cs"/>
+              </a:rPr>
+              <a:t>- Introduction to advance scenario</a:t>
+            </a:r>
+          </a:p>
+          <a:p>
+            <a:pPr marL="0" marR="0" lvl="0" indent="0" algn="l" defTabSz="914400" rtl="0" eaLnBrk="1" fontAlgn="auto" latinLnBrk="0" hangingPunct="1">
+              <a:lnSpc>
+                <a:spcPct val="100000"/>
+              </a:lnSpc>
+              <a:spcBef>
+                <a:spcPts val="0"/>
+              </a:spcBef>
+              <a:spcAft>
+                <a:spcPts val="0"/>
+              </a:spcAft>
+              <a:buClrTx/>
+              <a:buSzTx/>
+              <a:buFontTx/>
+              <a:buNone/>
+              <a:tabLst/>
+              <a:defRPr/>
+            </a:pPr>
+            <a:endParaRPr kumimoji="0" lang="en-US" sz="1600" b="1" i="0" u="none" strike="noStrike" kern="1200" cap="none" spc="0" normalizeH="0" baseline="0" noProof="0" dirty="0">
+              <a:ln>
+                <a:noFill/>
+              </a:ln>
+              <a:solidFill>
+                <a:prstClr val="black"/>
+              </a:solidFill>
+              <a:effectLst/>
+              <a:uLnTx/>
+              <a:uFillTx/>
+              <a:latin typeface="Calibri" panose="020F0502020204030204"/>
+              <a:ea typeface="+mn-ea"/>
+              <a:cs typeface="+mn-cs"/>
+            </a:endParaRPr>
+          </a:p>
+          <a:p>
+            <a:pPr>
+              <a:defRPr/>
+            </a:pPr>
+            <a:r>
+              <a:rPr lang="en-US" sz="1600" dirty="0">
+                <a:solidFill>
+                  <a:prstClr val="black"/>
+                </a:solidFill>
+                <a:latin typeface="Calibri" panose="020F0502020204030204"/>
+              </a:rPr>
+              <a:t>	</a:t>
+            </a:r>
+            <a:endParaRPr kumimoji="0" lang="en-US" sz="1600" b="0" u="none" strike="noStrike" kern="1200" cap="none" spc="0" normalizeH="0" baseline="0" noProof="0" dirty="0">
+              <a:ln>
+                <a:noFill/>
+              </a:ln>
+              <a:solidFill>
+                <a:prstClr val="black"/>
+              </a:solidFill>
+              <a:effectLst/>
+              <a:uLnTx/>
+              <a:uFillTx/>
+              <a:latin typeface="Calibri" panose="020F0502020204030204"/>
+              <a:ea typeface="+mn-ea"/>
+              <a:cs typeface="+mn-cs"/>
+            </a:endParaRPr>
+          </a:p>
+          <a:p>
+            <a:pPr marL="0" marR="0" lvl="0" indent="0" algn="l" defTabSz="914400" rtl="0" eaLnBrk="1" fontAlgn="auto" latinLnBrk="0" hangingPunct="1">
+              <a:lnSpc>
+                <a:spcPct val="100000"/>
+              </a:lnSpc>
+              <a:spcBef>
+                <a:spcPts val="0"/>
+              </a:spcBef>
+              <a:spcAft>
+                <a:spcPts val="0"/>
+              </a:spcAft>
+              <a:buClrTx/>
+              <a:buSzTx/>
+              <a:buFontTx/>
+              <a:buNone/>
+              <a:tabLst/>
+              <a:defRPr/>
+            </a:pPr>
+            <a:r>
+              <a:rPr lang="en-US" sz="1600" dirty="0">
+                <a:solidFill>
+                  <a:prstClr val="black"/>
+                </a:solidFill>
+                <a:latin typeface="Calibri" panose="020F0502020204030204"/>
+              </a:rPr>
+              <a:t>	</a:t>
+            </a:r>
+            <a:endParaRPr kumimoji="0" lang="en-US" sz="1600" b="0" u="none" strike="noStrike" kern="1200" cap="none" spc="0" normalizeH="0" baseline="0" noProof="0" dirty="0">
+              <a:ln>
+                <a:noFill/>
+              </a:ln>
+              <a:solidFill>
+                <a:prstClr val="black"/>
+              </a:solidFill>
+              <a:effectLst/>
+              <a:uLnTx/>
+              <a:uFillTx/>
+              <a:latin typeface="Calibri" panose="020F0502020204030204"/>
+              <a:ea typeface="+mn-ea"/>
+              <a:cs typeface="+mn-cs"/>
+            </a:endParaRPr>
+          </a:p>
+        </p:txBody>
+      </p:sp>
+    </p:spTree>
+    <p:extLst>
+      <p:ext uri="{BB962C8B-B14F-4D97-AF65-F5344CB8AC3E}">
+        <p14:creationId xmlns:p14="http://schemas.microsoft.com/office/powerpoint/2010/main" val="2321857352"/>
+      </p:ext>
+    </p:extLst>
+  </p:cSld>
+  <p:clrMapOvr>
+    <a:masterClrMapping/>
+  </p:clrMapOvr>
+</p:sld>
+</file>
+
+<file path=ppt/slides/slide3.xml><?xml version="1.0" encoding="utf-8"?>
+<p:sld xmlns:a="http://schemas.openxmlformats.org/drawingml/2006/main" xmlns:r="http://schemas.openxmlformats.org/officeDocument/2006/relationships" xmlns:p="http://schemas.openxmlformats.org/presentationml/2006/main">
+  <p:cSld>
+    <p:spTree>
+      <p:nvGrpSpPr>
+        <p:cNvPr id="1" name=""/>
+        <p:cNvGrpSpPr/>
+        <p:nvPr/>
+      </p:nvGrpSpPr>
+      <p:grpSpPr>
+        <a:xfrm>
+          <a:off x="0" y="0"/>
+          <a:ext cx="0" cy="0"/>
+          <a:chOff x="0" y="0"/>
+          <a:chExt cx="0" cy="0"/>
+        </a:xfrm>
+      </p:grpSpPr>
       <p:sp>
         <p:nvSpPr>
           <p:cNvPr id="11" name="Title 10"/>
@@ -8730,7 +10098,7 @@
                 </a:solidFill>
                 <a:latin typeface="Patua One" pitchFamily="2" charset="0"/>
               </a:rPr>
-              <a:t>Smart Assist	</a:t>
+              <a:t>Updating data in model</a:t>
             </a:r>
           </a:p>
         </p:txBody>
@@ -8865,7 +10233,7 @@
           <p:cNvPr id="2" name="TextBox 1">
             <a:extLst>
               <a:ext uri="{FF2B5EF4-FFF2-40B4-BE49-F238E27FC236}">
-                <a16:creationId xmlns:a16="http://schemas.microsoft.com/office/drawing/2014/main" id="{5BDA29A0-9F03-4703-BF07-08CD1D51080B}"/>
+                <a16:creationId xmlns:a16="http://schemas.microsoft.com/office/drawing/2014/main" id="{C202B2D0-B24F-4F31-B138-D79CFD59C913}"/>
               </a:ext>
             </a:extLst>
           </p:cNvPr>
@@ -8874,8 +10242,8 @@
         </p:nvSpPr>
         <p:spPr>
           <a:xfrm>
-            <a:off x="152401" y="933559"/>
-            <a:ext cx="11730995" cy="4524315"/>
+            <a:off x="228601" y="1066800"/>
+            <a:ext cx="11730995" cy="3785652"/>
           </a:xfrm>
           <a:prstGeom prst="rect">
             <a:avLst/>
@@ -8896,11 +10264,23 @@
                 </a:solidFill>
                 <a:latin typeface="Calibri"/>
               </a:rPr>
-              <a:t>4. Time Series Forecasting</a:t>
+              <a:t>When we use acquired data model, there is a need to reload(refresh) data on timely manner. Remember any new data which is manually added will be added as draft if not scheduled.</a:t>
             </a:r>
           </a:p>
           <a:p>
             <a:pPr defTabSz="1218987"/>
+            <a:endParaRPr lang="en-US" sz="2400" dirty="0">
+              <a:solidFill>
+                <a:prstClr val="black"/>
+              </a:solidFill>
+              <a:latin typeface="Calibri"/>
+            </a:endParaRPr>
+          </a:p>
+          <a:p>
+            <a:pPr marL="457200" indent="-457200" defTabSz="1218987">
+              <a:buFontTx/>
+              <a:buAutoNum type="arabicPeriod"/>
+            </a:pPr>
             <a:r>
               <a:rPr lang="en-US" sz="2400" dirty="0">
                 <a:solidFill>
@@ -8908,17 +10288,14 @@
                 </a:solidFill>
                 <a:latin typeface="Calibri"/>
               </a:rPr>
-              <a:t>Depending on past data of a measure </a:t>
-            </a:r>
-            <a:r>
-              <a:rPr lang="en-US" sz="2400" b="1" dirty="0">
-                <a:solidFill>
-                  <a:prstClr val="black"/>
-                </a:solidFill>
-                <a:latin typeface="Calibri"/>
-              </a:rPr>
-              <a:t>based on time</a:t>
-            </a:r>
+              <a:t>Using Schedule</a:t>
+            </a:r>
+          </a:p>
+          <a:p>
+            <a:pPr marL="457200" indent="-457200" defTabSz="1218987">
+              <a:buFontTx/>
+              <a:buAutoNum type="arabicPeriod"/>
+            </a:pPr>
             <a:r>
               <a:rPr lang="en-US" sz="2400" dirty="0">
                 <a:solidFill>
@@ -8926,7 +10303,7 @@
                 </a:solidFill>
                 <a:latin typeface="Calibri"/>
               </a:rPr>
-              <a:t> (dimension) we can find the expected value of a measure w.r.t time and deviation. SAC usage 2 in-built algorithms to predict forecast </a:t>
+              <a:t>Direct Refresh</a:t>
             </a:r>
           </a:p>
           <a:p>
@@ -8941,22 +10318,7 @@
                 </a:solidFill>
                 <a:latin typeface="Calibri"/>
               </a:rPr>
-              <a:t>Triple Smoothing</a:t>
-            </a:r>
-          </a:p>
-          <a:p>
-            <a:pPr marL="457200" indent="-457200" defTabSz="1218987">
-              <a:buFontTx/>
-              <a:buAutoNum type="arabicPeriod"/>
-            </a:pPr>
-            <a:r>
-              <a:rPr lang="en-US" sz="2400" dirty="0">
-                <a:solidFill>
-                  <a:prstClr val="black"/>
-                </a:solidFill>
-                <a:latin typeface="Calibri"/>
-              </a:rPr>
-              <a:t>Linear Forecast</a:t>
+              <a:t>Draft Data Source</a:t>
             </a:r>
           </a:p>
           <a:p>
@@ -8972,10 +10334,67 @@
             </a:endParaRPr>
           </a:p>
           <a:p>
-            <a:pPr marL="457200" indent="-457200" defTabSz="1218987">
-              <a:buFontTx/>
-              <a:buAutoNum type="arabicPeriod"/>
-            </a:pPr>
+            <a:pPr defTabSz="1218987"/>
+            <a:r>
+              <a:rPr lang="en-US" sz="2400" dirty="0">
+                <a:solidFill>
+                  <a:prstClr val="black"/>
+                </a:solidFill>
+                <a:latin typeface="Calibri"/>
+              </a:rPr>
+              <a:t>SAC also allows Export jobs, which means we can also bring data out of SAC which is already in a model. It will help in scenarios like when source data is by mistake removed or we want data to move back after transformation by sac to another place.</a:t>
+            </a:r>
+          </a:p>
+        </p:txBody>
+      </p:sp>
+      <p:sp>
+        <p:nvSpPr>
+          <p:cNvPr id="7" name="TextBox 6">
+            <a:extLst>
+              <a:ext uri="{FF2B5EF4-FFF2-40B4-BE49-F238E27FC236}">
+                <a16:creationId xmlns:a16="http://schemas.microsoft.com/office/drawing/2014/main" id="{F3603DA6-7EFA-435C-9424-1D849E01237E}"/>
+              </a:ext>
+            </a:extLst>
+          </p:cNvPr>
+          <p:cNvSpPr txBox="1"/>
+          <p:nvPr/>
+        </p:nvSpPr>
+        <p:spPr>
+          <a:xfrm>
+            <a:off x="228601" y="5008840"/>
+            <a:ext cx="11430000" cy="461665"/>
+          </a:xfrm>
+          <a:prstGeom prst="rect">
+            <a:avLst/>
+          </a:prstGeom>
+          <a:noFill/>
+        </p:spPr>
+        <p:txBody>
+          <a:bodyPr wrap="square" rtlCol="0">
+            <a:spAutoFit/>
+          </a:bodyPr>
+          <a:lstStyle/>
+          <a:p>
+            <a:pPr defTabSz="1218987"/>
+            <a:r>
+              <a:rPr lang="en-US" sz="2400" dirty="0">
+                <a:solidFill>
+                  <a:prstClr val="black"/>
+                </a:solidFill>
+                <a:latin typeface="Calibri"/>
+              </a:rPr>
+              <a:t>Update data available </a:t>
+            </a:r>
+            <a:r>
+              <a:rPr lang="en-US" sz="2400" dirty="0">
+                <a:solidFill>
+                  <a:prstClr val="black"/>
+                </a:solidFill>
+                <a:latin typeface="Calibri"/>
+                <a:hlinkClick r:id="rId3"/>
+              </a:rPr>
+              <a:t>here</a:t>
+            </a:r>
             <a:endParaRPr lang="en-US" sz="2400" dirty="0">
               <a:solidFill>
                 <a:prstClr val="black"/>
@@ -8983,36 +10402,12 @@
               <a:latin typeface="Calibri"/>
             </a:endParaRPr>
           </a:p>
-          <a:p>
-            <a:pPr defTabSz="1218987"/>
-            <a:r>
-              <a:rPr lang="en-US" sz="2400" dirty="0">
-                <a:solidFill>
-                  <a:prstClr val="black"/>
-                </a:solidFill>
-                <a:latin typeface="Calibri"/>
-              </a:rPr>
-              <a:t>5. Smart Grouping</a:t>
-            </a:r>
-          </a:p>
-          <a:p>
-            <a:pPr defTabSz="1218987"/>
-            <a:r>
-              <a:rPr lang="en-US" sz="2400" dirty="0">
-                <a:solidFill>
-                  <a:prstClr val="black"/>
-                </a:solidFill>
-                <a:latin typeface="Calibri"/>
-              </a:rPr>
-              <a:t>Allows us to CLUSTER data depending in groups we choose, suppose we want to segmentize the data points in multiple groups. E.g. group customers based on their ability to pay the pending bills, group students of a class in merit, demerit and mediocre. </a:t>
-            </a:r>
-          </a:p>
         </p:txBody>
       </p:sp>
     </p:spTree>
     <p:extLst>
       <p:ext uri="{BB962C8B-B14F-4D97-AF65-F5344CB8AC3E}">
-        <p14:creationId xmlns:p14="http://schemas.microsoft.com/office/powerpoint/2010/main" val="3438104487"/>
+        <p14:creationId xmlns:p14="http://schemas.microsoft.com/office/powerpoint/2010/main" val="572030217"/>
       </p:ext>
     </p:extLst>
   </p:cSld>
@@ -9025,1568 +10420,7 @@
 </p:sld>
 </file>
 
-<file path=ppt/slides/slide11.xml><?xml version="1.0" encoding="utf-8"?>
-<p:sld xmlns:a="http://schemas.openxmlformats.org/drawingml/2006/main" xmlns:r="http://schemas.openxmlformats.org/officeDocument/2006/relationships" xmlns:p="http://schemas.openxmlformats.org/presentationml/2006/main">
-  <p:cSld>
-    <p:spTree>
-      <p:nvGrpSpPr>
-        <p:cNvPr id="1" name=""/>
-        <p:cNvGrpSpPr/>
-        <p:nvPr/>
-      </p:nvGrpSpPr>
-      <p:grpSpPr>
-        <a:xfrm>
-          <a:off x="0" y="0"/>
-          <a:ext cx="0" cy="0"/>
-          <a:chOff x="0" y="0"/>
-          <a:chExt cx="0" cy="0"/>
-        </a:xfrm>
-      </p:grpSpPr>
-      <p:sp>
-        <p:nvSpPr>
-          <p:cNvPr id="11" name="Title 10"/>
-          <p:cNvSpPr>
-            <a:spLocks noGrp="1"/>
-          </p:cNvSpPr>
-          <p:nvPr>
-            <p:ph type="title"/>
-          </p:nvPr>
-        </p:nvSpPr>
-        <p:spPr>
-          <a:xfrm>
-            <a:off x="-20279" y="41354"/>
-            <a:ext cx="10969943" cy="711081"/>
-          </a:xfrm>
-        </p:spPr>
-        <p:txBody>
-          <a:bodyPr>
-            <a:noAutofit/>
-          </a:bodyPr>
-          <a:lstStyle/>
-          <a:p>
-            <a:r>
-              <a:rPr lang="en-IN" dirty="0">
-                <a:solidFill>
-                  <a:schemeClr val="tx2">
-                    <a:lumMod val="60000"/>
-                    <a:lumOff val="40000"/>
-                  </a:schemeClr>
-                </a:solidFill>
-                <a:latin typeface="Patua One" pitchFamily="2" charset="0"/>
-              </a:rPr>
-              <a:t>Smart Feature Support Matrix</a:t>
-            </a:r>
-          </a:p>
-        </p:txBody>
-      </p:sp>
-      <p:sp>
-        <p:nvSpPr>
-          <p:cNvPr id="37" name="TextBox 36">
-            <a:extLst>
-              <a:ext uri="{FF2B5EF4-FFF2-40B4-BE49-F238E27FC236}">
-                <a16:creationId xmlns:a16="http://schemas.microsoft.com/office/drawing/2014/main" id="{E8CAC22F-1542-4031-BC6C-A16989886504}"/>
-              </a:ext>
-            </a:extLst>
-          </p:cNvPr>
-          <p:cNvSpPr txBox="1"/>
-          <p:nvPr/>
-        </p:nvSpPr>
-        <p:spPr>
-          <a:xfrm>
-            <a:off x="4943872" y="6550224"/>
-            <a:ext cx="3456384" cy="307777"/>
-          </a:xfrm>
-          <a:prstGeom prst="rect">
-            <a:avLst/>
-          </a:prstGeom>
-          <a:noFill/>
-        </p:spPr>
-        <p:txBody>
-          <a:bodyPr wrap="square" rtlCol="0">
-            <a:spAutoFit/>
-          </a:bodyPr>
-          <a:lstStyle/>
-          <a:p>
-            <a:pPr defTabSz="1218987">
-              <a:defRPr/>
-            </a:pPr>
-            <a:r>
-              <a:rPr lang="en-US" sz="1400" b="1" dirty="0">
-                <a:solidFill>
-                  <a:prstClr val="black"/>
-                </a:solidFill>
-                <a:latin typeface="Arial Rounded MT Bold" panose="020F0704030504030204" pitchFamily="34" charset="0"/>
-                <a:ea typeface="Arial Unicode MS" panose="020B0604020202020204" pitchFamily="34" charset="-128"/>
-                <a:cs typeface="Arial Unicode MS" panose="020B0604020202020204" pitchFamily="34" charset="-128"/>
-              </a:rPr>
-              <a:t>www.anubhavtrainings.com</a:t>
-            </a:r>
-            <a:endParaRPr lang="en-IN" sz="1400" b="1" dirty="0">
-              <a:solidFill>
-                <a:prstClr val="black"/>
-              </a:solidFill>
-              <a:latin typeface="Arial Rounded MT Bold" panose="020F0704030504030204" pitchFamily="34" charset="0"/>
-              <a:ea typeface="Arial Unicode MS" panose="020B0604020202020204" pitchFamily="34" charset="-128"/>
-              <a:cs typeface="Arial Unicode MS" panose="020B0604020202020204" pitchFamily="34" charset="-128"/>
-            </a:endParaRPr>
-          </a:p>
-        </p:txBody>
-      </p:sp>
-      <p:pic>
-        <p:nvPicPr>
-          <p:cNvPr id="40" name="Picture 39">
-            <a:extLst>
-              <a:ext uri="{FF2B5EF4-FFF2-40B4-BE49-F238E27FC236}">
-                <a16:creationId xmlns:a16="http://schemas.microsoft.com/office/drawing/2014/main" id="{DA60E6FB-8C44-4FEB-B6E9-83DA908565CD}"/>
-              </a:ext>
-            </a:extLst>
-          </p:cNvPr>
-          <p:cNvPicPr>
-            <a:picLocks noChangeAspect="1"/>
-          </p:cNvPicPr>
-          <p:nvPr/>
-        </p:nvPicPr>
-        <p:blipFill>
-          <a:blip r:embed="rId2">
-            <a:extLst>
-              <a:ext uri="{28A0092B-C50C-407E-A947-70E740481C1C}">
-                <a14:useLocalDpi xmlns:a14="http://schemas.microsoft.com/office/drawing/2010/main" val="0"/>
-              </a:ext>
-            </a:extLst>
-          </a:blip>
-          <a:stretch>
-            <a:fillRect/>
-          </a:stretch>
-        </p:blipFill>
-        <p:spPr>
-          <a:xfrm>
-            <a:off x="9624393" y="106009"/>
-            <a:ext cx="2335203" cy="762895"/>
-          </a:xfrm>
-          <a:prstGeom prst="rect">
-            <a:avLst/>
-          </a:prstGeom>
-        </p:spPr>
-      </p:pic>
-      <p:cxnSp>
-        <p:nvCxnSpPr>
-          <p:cNvPr id="41" name="Straight Connector 40">
-            <a:extLst>
-              <a:ext uri="{FF2B5EF4-FFF2-40B4-BE49-F238E27FC236}">
-                <a16:creationId xmlns:a16="http://schemas.microsoft.com/office/drawing/2014/main" id="{3B3B7D73-CAE9-45AC-ACCE-FAEF4E505C7A}"/>
-              </a:ext>
-            </a:extLst>
-          </p:cNvPr>
-          <p:cNvCxnSpPr/>
-          <p:nvPr/>
-        </p:nvCxnSpPr>
-        <p:spPr>
-          <a:xfrm>
-            <a:off x="1588" y="764704"/>
-            <a:ext cx="6479584" cy="0"/>
-          </a:xfrm>
-          <a:prstGeom prst="line">
-            <a:avLst/>
-          </a:prstGeom>
-        </p:spPr>
-        <p:style>
-          <a:lnRef idx="2">
-            <a:schemeClr val="accent6"/>
-          </a:lnRef>
-          <a:fillRef idx="0">
-            <a:schemeClr val="accent6"/>
-          </a:fillRef>
-          <a:effectRef idx="1">
-            <a:schemeClr val="accent6"/>
-          </a:effectRef>
-          <a:fontRef idx="minor">
-            <a:schemeClr val="tx1"/>
-          </a:fontRef>
-        </p:style>
-      </p:cxnSp>
-      <p:pic>
-        <p:nvPicPr>
-          <p:cNvPr id="2" name="Picture 1">
-            <a:extLst>
-              <a:ext uri="{FF2B5EF4-FFF2-40B4-BE49-F238E27FC236}">
-                <a16:creationId xmlns:a16="http://schemas.microsoft.com/office/drawing/2014/main" id="{30AA622A-1614-4C9C-9193-301E34666FDE}"/>
-              </a:ext>
-            </a:extLst>
-          </p:cNvPr>
-          <p:cNvPicPr>
-            <a:picLocks noChangeAspect="1"/>
-          </p:cNvPicPr>
-          <p:nvPr/>
-        </p:nvPicPr>
-        <p:blipFill>
-          <a:blip r:embed="rId3"/>
-          <a:stretch>
-            <a:fillRect/>
-          </a:stretch>
-        </p:blipFill>
-        <p:spPr>
-          <a:xfrm>
-            <a:off x="407368" y="1182969"/>
-            <a:ext cx="11449272" cy="5290298"/>
-          </a:xfrm>
-          <a:prstGeom prst="rect">
-            <a:avLst/>
-          </a:prstGeom>
-        </p:spPr>
-      </p:pic>
-    </p:spTree>
-    <p:extLst>
-      <p:ext uri="{BB962C8B-B14F-4D97-AF65-F5344CB8AC3E}">
-        <p14:creationId xmlns:p14="http://schemas.microsoft.com/office/powerpoint/2010/main" val="1977926479"/>
-      </p:ext>
-    </p:extLst>
-  </p:cSld>
-  <p:clrMapOvr>
-    <a:masterClrMapping/>
-  </p:clrMapOvr>
-  <p:transition spd="slow">
-    <p:push dir="u"/>
-  </p:transition>
-</p:sld>
-</file>
-
-<file path=ppt/slides/slide12.xml><?xml version="1.0" encoding="utf-8"?>
-<p:sld xmlns:a="http://schemas.openxmlformats.org/drawingml/2006/main" xmlns:r="http://schemas.openxmlformats.org/officeDocument/2006/relationships" xmlns:p="http://schemas.openxmlformats.org/presentationml/2006/main">
-  <p:cSld>
-    <p:spTree>
-      <p:nvGrpSpPr>
-        <p:cNvPr id="1" name=""/>
-        <p:cNvGrpSpPr/>
-        <p:nvPr/>
-      </p:nvGrpSpPr>
-      <p:grpSpPr>
-        <a:xfrm>
-          <a:off x="0" y="0"/>
-          <a:ext cx="0" cy="0"/>
-          <a:chOff x="0" y="0"/>
-          <a:chExt cx="0" cy="0"/>
-        </a:xfrm>
-      </p:grpSpPr>
-      <p:sp>
-        <p:nvSpPr>
-          <p:cNvPr id="2" name="Title 3">
-            <a:extLst>
-              <a:ext uri="{FF2B5EF4-FFF2-40B4-BE49-F238E27FC236}">
-                <a16:creationId xmlns:a16="http://schemas.microsoft.com/office/drawing/2014/main" id="{F07FC580-E2AB-4C55-8C95-D5E077A1D127}"/>
-              </a:ext>
-            </a:extLst>
-          </p:cNvPr>
-          <p:cNvSpPr txBox="1">
-            <a:spLocks/>
-          </p:cNvSpPr>
-          <p:nvPr/>
-        </p:nvSpPr>
-        <p:spPr>
-          <a:xfrm>
-            <a:off x="261764" y="188640"/>
-            <a:ext cx="11292008" cy="711081"/>
-          </a:xfrm>
-          <a:prstGeom prst="rect">
-            <a:avLst/>
-          </a:prstGeom>
-        </p:spPr>
-        <p:txBody>
-          <a:bodyPr/>
-          <a:lstStyle>
-            <a:lvl1pPr algn="l" defTabSz="914400" rtl="0" eaLnBrk="1" latinLnBrk="0" hangingPunct="1">
-              <a:lnSpc>
-                <a:spcPct val="90000"/>
-              </a:lnSpc>
-              <a:spcBef>
-                <a:spcPct val="0"/>
-              </a:spcBef>
-              <a:buNone/>
-              <a:defRPr sz="4400" kern="1200">
-                <a:solidFill>
-                  <a:schemeClr val="tx1"/>
-                </a:solidFill>
-                <a:latin typeface="+mj-lt"/>
-                <a:ea typeface="+mj-ea"/>
-                <a:cs typeface="+mj-cs"/>
-              </a:defRPr>
-            </a:lvl1pPr>
-          </a:lstStyle>
-          <a:p>
-            <a:endParaRPr lang="en-US" b="1" dirty="0"/>
-          </a:p>
-        </p:txBody>
-      </p:sp>
-      <p:sp>
-        <p:nvSpPr>
-          <p:cNvPr id="7" name="TextBox 6">
-            <a:extLst>
-              <a:ext uri="{FF2B5EF4-FFF2-40B4-BE49-F238E27FC236}">
-                <a16:creationId xmlns:a16="http://schemas.microsoft.com/office/drawing/2014/main" id="{17EB74BE-8011-4153-8F37-3BEF9C1F4CC0}"/>
-              </a:ext>
-            </a:extLst>
-          </p:cNvPr>
-          <p:cNvSpPr txBox="1"/>
-          <p:nvPr/>
-        </p:nvSpPr>
-        <p:spPr>
-          <a:xfrm>
-            <a:off x="3512128" y="2507734"/>
-            <a:ext cx="6174508" cy="1323439"/>
-          </a:xfrm>
-          <a:prstGeom prst="rect">
-            <a:avLst/>
-          </a:prstGeom>
-          <a:noFill/>
-        </p:spPr>
-        <p:txBody>
-          <a:bodyPr wrap="square">
-            <a:spAutoFit/>
-          </a:bodyPr>
-          <a:lstStyle/>
-          <a:p>
-            <a:r>
-              <a:rPr lang="en-US" sz="8000" b="1" dirty="0"/>
-              <a:t>End of Day 4</a:t>
-            </a:r>
-          </a:p>
-        </p:txBody>
-      </p:sp>
-    </p:spTree>
-    <p:extLst>
-      <p:ext uri="{BB962C8B-B14F-4D97-AF65-F5344CB8AC3E}">
-        <p14:creationId xmlns:p14="http://schemas.microsoft.com/office/powerpoint/2010/main" val="3867772902"/>
-      </p:ext>
-    </p:extLst>
-  </p:cSld>
-  <p:clrMapOvr>
-    <a:masterClrMapping/>
-  </p:clrMapOvr>
-</p:sld>
-</file>
-
-<file path=ppt/slides/slide13.xml><?xml version="1.0" encoding="utf-8"?>
-<p:sld xmlns:a="http://schemas.openxmlformats.org/drawingml/2006/main" xmlns:r="http://schemas.openxmlformats.org/officeDocument/2006/relationships" xmlns:p="http://schemas.openxmlformats.org/presentationml/2006/main">
-  <p:cSld>
-    <p:spTree>
-      <p:nvGrpSpPr>
-        <p:cNvPr id="1" name=""/>
-        <p:cNvGrpSpPr/>
-        <p:nvPr/>
-      </p:nvGrpSpPr>
-      <p:grpSpPr>
-        <a:xfrm>
-          <a:off x="0" y="0"/>
-          <a:ext cx="0" cy="0"/>
-          <a:chOff x="0" y="0"/>
-          <a:chExt cx="0" cy="0"/>
-        </a:xfrm>
-      </p:grpSpPr>
-      <p:pic>
-        <p:nvPicPr>
-          <p:cNvPr id="1028" name="Picture 4" descr="Free Vector | Flat people with question marks background">
-            <a:extLst>
-              <a:ext uri="{FF2B5EF4-FFF2-40B4-BE49-F238E27FC236}">
-                <a16:creationId xmlns:a16="http://schemas.microsoft.com/office/drawing/2014/main" id="{E158EC70-4769-4E41-A278-C90EC4E480C7}"/>
-              </a:ext>
-            </a:extLst>
-          </p:cNvPr>
-          <p:cNvPicPr>
-            <a:picLocks noChangeAspect="1" noChangeArrowheads="1"/>
-          </p:cNvPicPr>
-          <p:nvPr/>
-        </p:nvPicPr>
-        <p:blipFill rotWithShape="1">
-          <a:blip r:embed="rId2">
-            <a:extLst>
-              <a:ext uri="{28A0092B-C50C-407E-A947-70E740481C1C}">
-                <a14:useLocalDpi xmlns:a14="http://schemas.microsoft.com/office/drawing/2010/main" val="0"/>
-              </a:ext>
-            </a:extLst>
-          </a:blip>
-          <a:srcRect t="1" b="22246"/>
-          <a:stretch/>
-        </p:blipFill>
-        <p:spPr bwMode="auto">
-          <a:xfrm>
-            <a:off x="1848418" y="639706"/>
-            <a:ext cx="7599507" cy="5908876"/>
-          </a:xfrm>
-          <a:prstGeom prst="rect">
-            <a:avLst/>
-          </a:prstGeom>
-          <a:noFill/>
-          <a:extLst>
-            <a:ext uri="{909E8E84-426E-40DD-AFC4-6F175D3DCCD1}">
-              <a14:hiddenFill xmlns:a14="http://schemas.microsoft.com/office/drawing/2010/main">
-                <a:solidFill>
-                  <a:srgbClr val="FFFFFF"/>
-                </a:solidFill>
-              </a14:hiddenFill>
-            </a:ext>
-          </a:extLst>
-        </p:spPr>
-      </p:pic>
-      <p:sp>
-        <p:nvSpPr>
-          <p:cNvPr id="2" name="TextBox 1">
-            <a:extLst>
-              <a:ext uri="{FF2B5EF4-FFF2-40B4-BE49-F238E27FC236}">
-                <a16:creationId xmlns:a16="http://schemas.microsoft.com/office/drawing/2014/main" id="{994C3DB2-D47E-4B94-804B-87AF1FDEF86E}"/>
-              </a:ext>
-            </a:extLst>
-          </p:cNvPr>
-          <p:cNvSpPr txBox="1"/>
-          <p:nvPr/>
-        </p:nvSpPr>
-        <p:spPr>
-          <a:xfrm>
-            <a:off x="4535055" y="1052946"/>
-            <a:ext cx="5588000" cy="769441"/>
-          </a:xfrm>
-          <a:prstGeom prst="rect">
-            <a:avLst/>
-          </a:prstGeom>
-          <a:noFill/>
-        </p:spPr>
-        <p:txBody>
-          <a:bodyPr wrap="square" rtlCol="0">
-            <a:spAutoFit/>
-          </a:bodyPr>
-          <a:lstStyle/>
-          <a:p>
-            <a:r>
-              <a:rPr lang="en-US" sz="4400" b="1" dirty="0"/>
-              <a:t>Questions</a:t>
-            </a:r>
-          </a:p>
-        </p:txBody>
-      </p:sp>
-    </p:spTree>
-    <p:extLst>
-      <p:ext uri="{BB962C8B-B14F-4D97-AF65-F5344CB8AC3E}">
-        <p14:creationId xmlns:p14="http://schemas.microsoft.com/office/powerpoint/2010/main" val="1308118299"/>
-      </p:ext>
-    </p:extLst>
-  </p:cSld>
-  <p:clrMapOvr>
-    <a:masterClrMapping/>
-  </p:clrMapOvr>
-</p:sld>
-</file>
-
-<file path=ppt/slides/slide14.xml><?xml version="1.0" encoding="utf-8"?>
-<p:sld xmlns:a="http://schemas.openxmlformats.org/drawingml/2006/main" xmlns:r="http://schemas.openxmlformats.org/officeDocument/2006/relationships" xmlns:p="http://schemas.openxmlformats.org/presentationml/2006/main">
-  <p:cSld>
-    <p:bg>
-      <p:bgPr>
-        <a:solidFill>
-          <a:schemeClr val="bg1">
-            <a:lumMod val="95000"/>
-          </a:schemeClr>
-        </a:solidFill>
-        <a:effectLst/>
-      </p:bgPr>
-    </p:bg>
-    <p:spTree>
-      <p:nvGrpSpPr>
-        <p:cNvPr id="1" name=""/>
-        <p:cNvGrpSpPr/>
-        <p:nvPr/>
-      </p:nvGrpSpPr>
-      <p:grpSpPr>
-        <a:xfrm>
-          <a:off x="0" y="0"/>
-          <a:ext cx="0" cy="0"/>
-          <a:chOff x="0" y="0"/>
-          <a:chExt cx="0" cy="0"/>
-        </a:xfrm>
-      </p:grpSpPr>
-      <p:pic>
-        <p:nvPicPr>
-          <p:cNvPr id="2052" name="Picture 4" descr="Ski Jumping Arena - Free Presentation Templates">
-            <a:extLst>
-              <a:ext uri="{FF2B5EF4-FFF2-40B4-BE49-F238E27FC236}">
-                <a16:creationId xmlns:a16="http://schemas.microsoft.com/office/drawing/2014/main" id="{B0D7E6A1-F72A-4F69-B4FB-A4ED7A0C6CED}"/>
-              </a:ext>
-            </a:extLst>
-          </p:cNvPr>
-          <p:cNvPicPr>
-            <a:picLocks noChangeAspect="1" noChangeArrowheads="1"/>
-          </p:cNvPicPr>
-          <p:nvPr/>
-        </p:nvPicPr>
-        <p:blipFill rotWithShape="1">
-          <a:blip r:embed="rId3">
-            <a:extLst>
-              <a:ext uri="{28A0092B-C50C-407E-A947-70E740481C1C}">
-                <a14:useLocalDpi xmlns:a14="http://schemas.microsoft.com/office/drawing/2010/main" val="0"/>
-              </a:ext>
-            </a:extLst>
-          </a:blip>
-          <a:srcRect r="2246" b="2246"/>
-          <a:stretch/>
-        </p:blipFill>
-        <p:spPr bwMode="auto">
-          <a:xfrm>
-            <a:off x="0" y="0"/>
-            <a:ext cx="12192000" cy="6858000"/>
-          </a:xfrm>
-          <a:prstGeom prst="rect">
-            <a:avLst/>
-          </a:prstGeom>
-          <a:noFill/>
-          <a:extLst>
-            <a:ext uri="{909E8E84-426E-40DD-AFC4-6F175D3DCCD1}">
-              <a14:hiddenFill xmlns:a14="http://schemas.microsoft.com/office/drawing/2010/main">
-                <a:solidFill>
-                  <a:srgbClr val="FFFFFF"/>
-                </a:solidFill>
-              </a14:hiddenFill>
-            </a:ext>
-          </a:extLst>
-        </p:spPr>
-      </p:pic>
-      <p:sp>
-        <p:nvSpPr>
-          <p:cNvPr id="5" name="TextBox 4"/>
-          <p:cNvSpPr txBox="1"/>
-          <p:nvPr/>
-        </p:nvSpPr>
-        <p:spPr>
-          <a:xfrm>
-            <a:off x="1910833" y="3429000"/>
-            <a:ext cx="6629399" cy="1200329"/>
-          </a:xfrm>
-          <a:prstGeom prst="rect">
-            <a:avLst/>
-          </a:prstGeom>
-          <a:noFill/>
-        </p:spPr>
-        <p:txBody>
-          <a:bodyPr wrap="square" rtlCol="0">
-            <a:spAutoFit/>
-          </a:bodyPr>
-          <a:lstStyle/>
-          <a:p>
-            <a:pPr marL="0" marR="0" lvl="0" indent="0" algn="l" defTabSz="914400" rtl="0" eaLnBrk="1" fontAlgn="auto" latinLnBrk="0" hangingPunct="1">
-              <a:lnSpc>
-                <a:spcPct val="100000"/>
-              </a:lnSpc>
-              <a:spcBef>
-                <a:spcPts val="0"/>
-              </a:spcBef>
-              <a:spcAft>
-                <a:spcPts val="0"/>
-              </a:spcAft>
-              <a:buClrTx/>
-              <a:buSzTx/>
-              <a:buFontTx/>
-              <a:buNone/>
-              <a:tabLst/>
-              <a:defRPr/>
-            </a:pPr>
-            <a:r>
-              <a:rPr kumimoji="0" lang="en-US" sz="3600" b="0" i="0" u="none" strike="noStrike" kern="1200" cap="none" spc="-150" normalizeH="0" baseline="0" noProof="0" dirty="0">
-                <a:ln>
-                  <a:noFill/>
-                </a:ln>
-                <a:solidFill>
-                  <a:prstClr val="white"/>
-                </a:solidFill>
-                <a:effectLst/>
-                <a:uLnTx/>
-                <a:uFillTx/>
-                <a:latin typeface="Calibri" panose="020F0502020204030204"/>
-                <a:ea typeface="+mn-ea"/>
-                <a:cs typeface="+mn-cs"/>
-              </a:rPr>
-              <a:t>Anurag Bajaj</a:t>
-            </a:r>
-          </a:p>
-          <a:p>
-            <a:pPr marL="0" marR="0" lvl="0" indent="0" algn="l" defTabSz="914400" rtl="0" eaLnBrk="1" fontAlgn="auto" latinLnBrk="0" hangingPunct="1">
-              <a:lnSpc>
-                <a:spcPct val="100000"/>
-              </a:lnSpc>
-              <a:spcBef>
-                <a:spcPts val="0"/>
-              </a:spcBef>
-              <a:spcAft>
-                <a:spcPts val="0"/>
-              </a:spcAft>
-              <a:buClrTx/>
-              <a:buSzTx/>
-              <a:buFontTx/>
-              <a:buNone/>
-              <a:tabLst/>
-              <a:defRPr/>
-            </a:pPr>
-            <a:r>
-              <a:rPr lang="en-US" sz="3600" spc="-150" dirty="0">
-                <a:solidFill>
-                  <a:prstClr val="white"/>
-                </a:solidFill>
-                <a:latin typeface="Calibri" panose="020F0502020204030204"/>
-              </a:rPr>
-              <a:t>anurag.bajaj02@gmail.com</a:t>
-            </a:r>
-            <a:endParaRPr kumimoji="0" lang="en-US" sz="3600" b="0" i="0" u="none" strike="noStrike" kern="1200" cap="none" spc="-150" normalizeH="0" baseline="0" noProof="0" dirty="0">
-              <a:ln>
-                <a:noFill/>
-              </a:ln>
-              <a:solidFill>
-                <a:prstClr val="white"/>
-              </a:solidFill>
-              <a:effectLst/>
-              <a:uLnTx/>
-              <a:uFillTx/>
-              <a:latin typeface="Calibri" panose="020F0502020204030204"/>
-              <a:ea typeface="+mn-ea"/>
-              <a:cs typeface="+mn-cs"/>
-            </a:endParaRPr>
-          </a:p>
-        </p:txBody>
-      </p:sp>
-    </p:spTree>
-    <p:extLst>
-      <p:ext uri="{BB962C8B-B14F-4D97-AF65-F5344CB8AC3E}">
-        <p14:creationId xmlns:p14="http://schemas.microsoft.com/office/powerpoint/2010/main" val="132008300"/>
-      </p:ext>
-    </p:extLst>
-  </p:cSld>
-  <p:clrMapOvr>
-    <a:masterClrMapping/>
-  </p:clrMapOvr>
-  <mc:AlternateContent xmlns:mc="http://schemas.openxmlformats.org/markup-compatibility/2006" xmlns:p14="http://schemas.microsoft.com/office/powerpoint/2010/main">
-    <mc:Choice Requires="p14">
-      <p:transition spd="med" p14:dur="700">
-        <p:fade/>
-      </p:transition>
-    </mc:Choice>
-    <mc:Fallback xmlns="">
-      <p:transition spd="med">
-        <p:fade/>
-      </p:transition>
-    </mc:Fallback>
-  </mc:AlternateContent>
-</p:sld>
-</file>
-
-<file path=ppt/slides/slide2.xml><?xml version="1.0" encoding="utf-8"?>
-<p:sld xmlns:a="http://schemas.openxmlformats.org/drawingml/2006/main" xmlns:r="http://schemas.openxmlformats.org/officeDocument/2006/relationships" xmlns:p="http://schemas.openxmlformats.org/presentationml/2006/main">
-  <p:cSld>
-    <p:spTree>
-      <p:nvGrpSpPr>
-        <p:cNvPr id="1" name=""/>
-        <p:cNvGrpSpPr/>
-        <p:nvPr/>
-      </p:nvGrpSpPr>
-      <p:grpSpPr>
-        <a:xfrm>
-          <a:off x="0" y="0"/>
-          <a:ext cx="0" cy="0"/>
-          <a:chOff x="0" y="0"/>
-          <a:chExt cx="0" cy="0"/>
-        </a:xfrm>
-      </p:grpSpPr>
-      <p:sp>
-        <p:nvSpPr>
-          <p:cNvPr id="2" name="Title 3">
-            <a:extLst>
-              <a:ext uri="{FF2B5EF4-FFF2-40B4-BE49-F238E27FC236}">
-                <a16:creationId xmlns:a16="http://schemas.microsoft.com/office/drawing/2014/main" id="{F07FC580-E2AB-4C55-8C95-D5E077A1D127}"/>
-              </a:ext>
-            </a:extLst>
-          </p:cNvPr>
-          <p:cNvSpPr txBox="1">
-            <a:spLocks/>
-          </p:cNvSpPr>
-          <p:nvPr/>
-        </p:nvSpPr>
-        <p:spPr>
-          <a:xfrm>
-            <a:off x="261764" y="188640"/>
-            <a:ext cx="11292008" cy="711081"/>
-          </a:xfrm>
-          <a:prstGeom prst="rect">
-            <a:avLst/>
-          </a:prstGeom>
-        </p:spPr>
-        <p:txBody>
-          <a:bodyPr/>
-          <a:lstStyle>
-            <a:lvl1pPr algn="l" defTabSz="914400" rtl="0" eaLnBrk="1" latinLnBrk="0" hangingPunct="1">
-              <a:lnSpc>
-                <a:spcPct val="90000"/>
-              </a:lnSpc>
-              <a:spcBef>
-                <a:spcPct val="0"/>
-              </a:spcBef>
-              <a:buNone/>
-              <a:defRPr sz="4400" kern="1200">
-                <a:solidFill>
-                  <a:schemeClr val="tx1"/>
-                </a:solidFill>
-                <a:latin typeface="+mj-lt"/>
-                <a:ea typeface="+mj-ea"/>
-                <a:cs typeface="+mj-cs"/>
-              </a:defRPr>
-            </a:lvl1pPr>
-          </a:lstStyle>
-          <a:p>
-            <a:pPr marL="0" marR="0" lvl="0" indent="0" algn="l" defTabSz="914400" rtl="0" eaLnBrk="1" fontAlgn="auto" latinLnBrk="0" hangingPunct="1">
-              <a:lnSpc>
-                <a:spcPct val="90000"/>
-              </a:lnSpc>
-              <a:spcBef>
-                <a:spcPct val="0"/>
-              </a:spcBef>
-              <a:spcAft>
-                <a:spcPts val="0"/>
-              </a:spcAft>
-              <a:buClrTx/>
-              <a:buSzTx/>
-              <a:buFontTx/>
-              <a:buNone/>
-              <a:tabLst/>
-              <a:defRPr/>
-            </a:pPr>
-            <a:r>
-              <a:rPr kumimoji="0" lang="en-US" sz="4400" b="1" i="0" u="none" strike="noStrike" kern="1200" cap="none" spc="0" normalizeH="0" baseline="0" noProof="0" dirty="0">
-                <a:ln>
-                  <a:noFill/>
-                </a:ln>
-                <a:solidFill>
-                  <a:prstClr val="black"/>
-                </a:solidFill>
-                <a:effectLst/>
-                <a:uLnTx/>
-                <a:uFillTx/>
-                <a:latin typeface="Calibri Light" panose="020F0302020204030204"/>
-                <a:ea typeface="+mj-ea"/>
-                <a:cs typeface="+mj-cs"/>
-              </a:rPr>
-              <a:t>Agenda – Day 4</a:t>
-            </a:r>
-          </a:p>
-        </p:txBody>
-      </p:sp>
-      <p:sp>
-        <p:nvSpPr>
-          <p:cNvPr id="4" name="Footer Placeholder 45">
-            <a:extLst>
-              <a:ext uri="{FF2B5EF4-FFF2-40B4-BE49-F238E27FC236}">
-                <a16:creationId xmlns:a16="http://schemas.microsoft.com/office/drawing/2014/main" id="{90E33047-DFF5-4690-8905-31E4C115EFDC}"/>
-              </a:ext>
-            </a:extLst>
-          </p:cNvPr>
-          <p:cNvSpPr>
-            <a:spLocks noGrp="1"/>
-          </p:cNvSpPr>
-          <p:nvPr>
-            <p:ph type="ftr" sz="quarter" idx="11"/>
-          </p:nvPr>
-        </p:nvSpPr>
-        <p:spPr>
-          <a:xfrm>
-            <a:off x="10123055" y="6548582"/>
-            <a:ext cx="2225295" cy="203620"/>
-          </a:xfrm>
-        </p:spPr>
-        <p:txBody>
-          <a:bodyPr/>
-          <a:lstStyle/>
-          <a:p>
-            <a:pPr marL="0" marR="0" lvl="0" indent="0" algn="ctr" defTabSz="914400" rtl="0" eaLnBrk="1" fontAlgn="auto" latinLnBrk="0" hangingPunct="1">
-              <a:lnSpc>
-                <a:spcPct val="100000"/>
-              </a:lnSpc>
-              <a:spcBef>
-                <a:spcPts val="0"/>
-              </a:spcBef>
-              <a:spcAft>
-                <a:spcPts val="0"/>
-              </a:spcAft>
-              <a:buClrTx/>
-              <a:buSzTx/>
-              <a:buFontTx/>
-              <a:buNone/>
-              <a:tabLst/>
-              <a:defRPr/>
-            </a:pPr>
-            <a:r>
-              <a:rPr kumimoji="0" lang="en-US" sz="1200" b="1" i="0" u="none" strike="noStrike" kern="1200" cap="none" spc="0" normalizeH="0" baseline="0" noProof="0" dirty="0">
-                <a:ln>
-                  <a:noFill/>
-                </a:ln>
-                <a:solidFill>
-                  <a:prstClr val="black"/>
-                </a:solidFill>
-                <a:effectLst/>
-                <a:uLnTx/>
-                <a:uFillTx/>
-                <a:latin typeface="Calibri" panose="020F0502020204030204"/>
-                <a:ea typeface="+mn-ea"/>
-                <a:cs typeface="+mn-cs"/>
-              </a:rPr>
-              <a:t>Anubhav trainings</a:t>
-            </a:r>
-          </a:p>
-        </p:txBody>
-      </p:sp>
-      <p:sp>
-        <p:nvSpPr>
-          <p:cNvPr id="5" name="TextBox 4">
-            <a:extLst>
-              <a:ext uri="{FF2B5EF4-FFF2-40B4-BE49-F238E27FC236}">
-                <a16:creationId xmlns:a16="http://schemas.microsoft.com/office/drawing/2014/main" id="{27E5B41D-1DDF-48C9-A5AF-075F84492B68}"/>
-              </a:ext>
-            </a:extLst>
-          </p:cNvPr>
-          <p:cNvSpPr txBox="1"/>
-          <p:nvPr/>
-        </p:nvSpPr>
-        <p:spPr>
-          <a:xfrm>
-            <a:off x="247878" y="982353"/>
-            <a:ext cx="11696243" cy="5262979"/>
-          </a:xfrm>
-          <a:prstGeom prst="rect">
-            <a:avLst/>
-          </a:prstGeom>
-          <a:noFill/>
-        </p:spPr>
-        <p:txBody>
-          <a:bodyPr wrap="square" rtlCol="0">
-            <a:spAutoFit/>
-          </a:bodyPr>
-          <a:lstStyle/>
-          <a:p>
-            <a:pPr marL="0" marR="0" lvl="0" indent="0" algn="l" defTabSz="914400" rtl="0" eaLnBrk="1" fontAlgn="auto" latinLnBrk="0" hangingPunct="1">
-              <a:lnSpc>
-                <a:spcPct val="100000"/>
-              </a:lnSpc>
-              <a:spcBef>
-                <a:spcPts val="0"/>
-              </a:spcBef>
-              <a:spcAft>
-                <a:spcPts val="0"/>
-              </a:spcAft>
-              <a:buClrTx/>
-              <a:buSzTx/>
-              <a:buFontTx/>
-              <a:buNone/>
-              <a:tabLst/>
-              <a:defRPr/>
-            </a:pPr>
-            <a:r>
-              <a:rPr kumimoji="0" lang="en-US" sz="1600" b="1" i="0" u="none" strike="noStrike" kern="1200" cap="none" spc="0" normalizeH="0" baseline="0" noProof="0" dirty="0">
-                <a:ln>
-                  <a:noFill/>
-                </a:ln>
-                <a:solidFill>
-                  <a:prstClr val="black"/>
-                </a:solidFill>
-                <a:effectLst/>
-                <a:uLnTx/>
-                <a:uFillTx/>
-                <a:latin typeface="Calibri" panose="020F0502020204030204"/>
-                <a:ea typeface="+mn-ea"/>
-                <a:cs typeface="+mn-cs"/>
-              </a:rPr>
-              <a:t>Working with Geo maps and Account Dimension</a:t>
-            </a:r>
-          </a:p>
-          <a:p>
-            <a:pPr marL="0" marR="0" lvl="0" indent="0" algn="l" defTabSz="914400" rtl="0" eaLnBrk="1" fontAlgn="auto" latinLnBrk="0" hangingPunct="1">
-              <a:lnSpc>
-                <a:spcPct val="100000"/>
-              </a:lnSpc>
-              <a:spcBef>
-                <a:spcPts val="0"/>
-              </a:spcBef>
-              <a:spcAft>
-                <a:spcPts val="0"/>
-              </a:spcAft>
-              <a:buClrTx/>
-              <a:buSzTx/>
-              <a:buFontTx/>
-              <a:buNone/>
-              <a:tabLst/>
-              <a:defRPr/>
-            </a:pPr>
-            <a:r>
-              <a:rPr kumimoji="0" lang="en-US" sz="1600" b="0" i="0" u="none" strike="noStrike" kern="1200" cap="none" spc="0" normalizeH="0" baseline="0" noProof="0" dirty="0">
-                <a:ln>
-                  <a:noFill/>
-                </a:ln>
-                <a:solidFill>
-                  <a:prstClr val="black"/>
-                </a:solidFill>
-                <a:effectLst/>
-                <a:uLnTx/>
-                <a:uFillTx/>
-                <a:latin typeface="Calibri" panose="020F0502020204030204"/>
-                <a:ea typeface="+mn-ea"/>
-                <a:cs typeface="+mn-cs"/>
-              </a:rPr>
-              <a:t>	- Understanding Exception Aggregation</a:t>
-            </a:r>
-          </a:p>
-          <a:p>
-            <a:pPr>
-              <a:defRPr/>
-            </a:pPr>
-            <a:r>
-              <a:rPr lang="en-US" sz="1600" dirty="0">
-                <a:solidFill>
-                  <a:prstClr val="black"/>
-                </a:solidFill>
-                <a:latin typeface="Calibri" panose="020F0502020204030204"/>
-              </a:rPr>
-              <a:t>	</a:t>
-            </a:r>
-            <a:r>
-              <a:rPr kumimoji="0" lang="en-US" sz="1600" b="0" i="0" u="none" strike="noStrike" kern="1200" cap="none" spc="0" normalizeH="0" baseline="0" noProof="0" dirty="0">
-                <a:ln>
-                  <a:noFill/>
-                </a:ln>
-                <a:solidFill>
-                  <a:prstClr val="black"/>
-                </a:solidFill>
-                <a:effectLst/>
-                <a:uLnTx/>
-                <a:uFillTx/>
-                <a:latin typeface="Calibri" panose="020F0502020204030204"/>
-                <a:ea typeface="+mn-ea"/>
-                <a:cs typeface="+mn-cs"/>
-              </a:rPr>
-              <a:t>- Working with GEO Maps</a:t>
-            </a:r>
-          </a:p>
-          <a:p>
-            <a:pPr>
-              <a:defRPr/>
-            </a:pPr>
-            <a:r>
-              <a:rPr lang="en-US" sz="1600" dirty="0">
-                <a:solidFill>
-                  <a:prstClr val="black"/>
-                </a:solidFill>
-                <a:latin typeface="Calibri" panose="020F0502020204030204"/>
-              </a:rPr>
-              <a:t>	</a:t>
-            </a:r>
-            <a:r>
-              <a:rPr kumimoji="0" lang="en-US" sz="1600" b="0" i="0" u="none" strike="noStrike" kern="1200" cap="none" spc="0" normalizeH="0" baseline="0" noProof="0" dirty="0">
-                <a:ln>
-                  <a:noFill/>
-                </a:ln>
-                <a:solidFill>
-                  <a:prstClr val="black"/>
-                </a:solidFill>
-                <a:effectLst/>
-                <a:uLnTx/>
-                <a:uFillTx/>
-                <a:latin typeface="Calibri" panose="020F0502020204030204"/>
-                <a:ea typeface="+mn-ea"/>
-                <a:cs typeface="+mn-cs"/>
-              </a:rPr>
-              <a:t>- Point of interest Layer using Direct file</a:t>
-            </a:r>
-          </a:p>
-          <a:p>
-            <a:pPr>
-              <a:defRPr/>
-            </a:pPr>
-            <a:r>
-              <a:rPr lang="en-US" sz="1600" dirty="0">
-                <a:solidFill>
-                  <a:prstClr val="black"/>
-                </a:solidFill>
-                <a:latin typeface="Calibri" panose="020F0502020204030204"/>
-              </a:rPr>
-              <a:t>	</a:t>
-            </a:r>
-            <a:r>
-              <a:rPr kumimoji="0" lang="en-US" sz="1600" b="0" i="0" u="none" strike="noStrike" kern="1200" cap="none" spc="0" normalizeH="0" baseline="0" noProof="0" dirty="0">
-                <a:ln>
-                  <a:noFill/>
-                </a:ln>
-                <a:solidFill>
-                  <a:prstClr val="black"/>
-                </a:solidFill>
-                <a:effectLst/>
-                <a:uLnTx/>
-                <a:uFillTx/>
-                <a:latin typeface="Calibri" panose="020F0502020204030204"/>
-                <a:ea typeface="+mn-ea"/>
-                <a:cs typeface="+mn-cs"/>
-              </a:rPr>
-              <a:t>- POI using shape file</a:t>
-            </a:r>
-          </a:p>
-          <a:p>
-            <a:pPr>
-              <a:defRPr/>
-            </a:pPr>
-            <a:r>
-              <a:rPr lang="en-US" sz="1600" dirty="0">
-                <a:solidFill>
-                  <a:prstClr val="black"/>
-                </a:solidFill>
-                <a:latin typeface="Calibri" panose="020F0502020204030204"/>
-              </a:rPr>
-              <a:t>	</a:t>
-            </a:r>
-            <a:r>
-              <a:rPr kumimoji="0" lang="en-US" sz="1600" b="0" i="0" u="none" strike="noStrike" kern="1200" cap="none" spc="0" normalizeH="0" baseline="0" noProof="0" dirty="0">
-                <a:ln>
-                  <a:noFill/>
-                </a:ln>
-                <a:solidFill>
-                  <a:prstClr val="black"/>
-                </a:solidFill>
-                <a:effectLst/>
-                <a:uLnTx/>
-                <a:uFillTx/>
-                <a:latin typeface="Calibri" panose="020F0502020204030204"/>
-                <a:ea typeface="+mn-ea"/>
-                <a:cs typeface="+mn-cs"/>
-              </a:rPr>
-              <a:t>- POI using data model</a:t>
-            </a:r>
-          </a:p>
-          <a:p>
-            <a:pPr>
-              <a:defRPr/>
-            </a:pPr>
-            <a:r>
-              <a:rPr lang="en-US" sz="1600" dirty="0">
-                <a:solidFill>
-                  <a:prstClr val="black"/>
-                </a:solidFill>
-                <a:latin typeface="Calibri" panose="020F0502020204030204"/>
-              </a:rPr>
-              <a:t>	</a:t>
-            </a:r>
-            <a:r>
-              <a:rPr kumimoji="0" lang="en-US" sz="1600" b="0" i="0" u="none" strike="noStrike" kern="1200" cap="none" spc="0" normalizeH="0" baseline="0" noProof="0" dirty="0">
-                <a:ln>
-                  <a:noFill/>
-                </a:ln>
-                <a:solidFill>
-                  <a:prstClr val="black"/>
-                </a:solidFill>
-                <a:effectLst/>
-                <a:uLnTx/>
-                <a:uFillTx/>
-                <a:latin typeface="Calibri" panose="020F0502020204030204"/>
-                <a:ea typeface="+mn-ea"/>
-                <a:cs typeface="+mn-cs"/>
-              </a:rPr>
-              <a:t>- Introduction to advance scenario</a:t>
-            </a:r>
-          </a:p>
-          <a:p>
-            <a:pPr marL="0" marR="0" lvl="0" indent="0" algn="l" defTabSz="914400" rtl="0" eaLnBrk="1" fontAlgn="auto" latinLnBrk="0" hangingPunct="1">
-              <a:lnSpc>
-                <a:spcPct val="100000"/>
-              </a:lnSpc>
-              <a:spcBef>
-                <a:spcPts val="0"/>
-              </a:spcBef>
-              <a:spcAft>
-                <a:spcPts val="0"/>
-              </a:spcAft>
-              <a:buClrTx/>
-              <a:buSzTx/>
-              <a:buFontTx/>
-              <a:buNone/>
-              <a:tabLst/>
-              <a:defRPr/>
-            </a:pPr>
-            <a:endParaRPr kumimoji="0" lang="en-US" sz="1600" b="0" i="0" u="none" strike="noStrike" kern="1200" cap="none" spc="0" normalizeH="0" baseline="0" noProof="0" dirty="0">
-              <a:ln>
-                <a:noFill/>
-              </a:ln>
-              <a:solidFill>
-                <a:prstClr val="black"/>
-              </a:solidFill>
-              <a:effectLst/>
-              <a:uLnTx/>
-              <a:uFillTx/>
-              <a:latin typeface="Calibri" panose="020F0502020204030204"/>
-              <a:ea typeface="+mn-ea"/>
-              <a:cs typeface="+mn-cs"/>
-            </a:endParaRPr>
-          </a:p>
-          <a:p>
-            <a:pPr marL="0" marR="0" lvl="0" indent="0" algn="l" defTabSz="914400" rtl="0" eaLnBrk="1" fontAlgn="auto" latinLnBrk="0" hangingPunct="1">
-              <a:lnSpc>
-                <a:spcPct val="100000"/>
-              </a:lnSpc>
-              <a:spcBef>
-                <a:spcPts val="0"/>
-              </a:spcBef>
-              <a:spcAft>
-                <a:spcPts val="0"/>
-              </a:spcAft>
-              <a:buClrTx/>
-              <a:buSzTx/>
-              <a:buFontTx/>
-              <a:buNone/>
-              <a:tabLst/>
-              <a:defRPr/>
-            </a:pPr>
-            <a:r>
-              <a:rPr kumimoji="0" lang="en-US" sz="1600" b="0" i="0" u="none" strike="noStrike" kern="1200" cap="none" spc="0" normalizeH="0" baseline="0" noProof="0" dirty="0">
-                <a:ln>
-                  <a:noFill/>
-                </a:ln>
-                <a:solidFill>
-                  <a:prstClr val="black"/>
-                </a:solidFill>
-                <a:effectLst/>
-                <a:uLnTx/>
-                <a:uFillTx/>
-                <a:latin typeface="Calibri" panose="020F0502020204030204"/>
-                <a:ea typeface="+mn-ea"/>
-                <a:cs typeface="+mn-cs"/>
-              </a:rPr>
-              <a:t>---Break---</a:t>
-            </a:r>
-          </a:p>
-          <a:p>
-            <a:pPr marL="0" marR="0" lvl="0" indent="0" algn="l" defTabSz="914400" rtl="0" eaLnBrk="1" fontAlgn="auto" latinLnBrk="0" hangingPunct="1">
-              <a:lnSpc>
-                <a:spcPct val="100000"/>
-              </a:lnSpc>
-              <a:spcBef>
-                <a:spcPts val="0"/>
-              </a:spcBef>
-              <a:spcAft>
-                <a:spcPts val="0"/>
-              </a:spcAft>
-              <a:buClrTx/>
-              <a:buSzTx/>
-              <a:buFontTx/>
-              <a:buNone/>
-              <a:tabLst/>
-              <a:defRPr/>
-            </a:pPr>
-            <a:endParaRPr kumimoji="0" lang="en-US" sz="1600" b="1" i="0" u="none" strike="noStrike" kern="1200" cap="none" spc="0" normalizeH="0" baseline="0" noProof="0" dirty="0">
-              <a:ln>
-                <a:noFill/>
-              </a:ln>
-              <a:solidFill>
-                <a:prstClr val="black"/>
-              </a:solidFill>
-              <a:effectLst/>
-              <a:uLnTx/>
-              <a:uFillTx/>
-              <a:latin typeface="Calibri" panose="020F0502020204030204"/>
-              <a:ea typeface="+mn-ea"/>
-              <a:cs typeface="+mn-cs"/>
-            </a:endParaRPr>
-          </a:p>
-          <a:p>
-            <a:pPr marL="0" marR="0" lvl="0" indent="0" algn="l" defTabSz="914400" rtl="0" eaLnBrk="1" fontAlgn="auto" latinLnBrk="0" hangingPunct="1">
-              <a:lnSpc>
-                <a:spcPct val="100000"/>
-              </a:lnSpc>
-              <a:spcBef>
-                <a:spcPts val="0"/>
-              </a:spcBef>
-              <a:spcAft>
-                <a:spcPts val="0"/>
-              </a:spcAft>
-              <a:buClrTx/>
-              <a:buSzTx/>
-              <a:buFontTx/>
-              <a:buNone/>
-              <a:tabLst/>
-              <a:defRPr/>
-            </a:pPr>
-            <a:r>
-              <a:rPr kumimoji="0" lang="en-US" sz="1600" b="1" i="0" u="none" strike="noStrike" kern="1200" cap="none" spc="0" normalizeH="0" baseline="0" noProof="0" dirty="0">
-                <a:ln>
-                  <a:noFill/>
-                </a:ln>
-                <a:solidFill>
-                  <a:prstClr val="black"/>
-                </a:solidFill>
-                <a:effectLst/>
-                <a:uLnTx/>
-                <a:uFillTx/>
-                <a:latin typeface="Calibri" panose="020F0502020204030204"/>
-                <a:ea typeface="+mn-ea"/>
-                <a:cs typeface="+mn-cs"/>
-              </a:rPr>
-              <a:t>Advance BI Scenario</a:t>
-            </a:r>
-          </a:p>
-          <a:p>
-            <a:pPr marL="0" marR="0" lvl="0" indent="0" algn="l" defTabSz="914400" rtl="0" eaLnBrk="1" fontAlgn="auto" latinLnBrk="0" hangingPunct="1">
-              <a:lnSpc>
-                <a:spcPct val="100000"/>
-              </a:lnSpc>
-              <a:spcBef>
-                <a:spcPts val="0"/>
-              </a:spcBef>
-              <a:spcAft>
-                <a:spcPts val="0"/>
-              </a:spcAft>
-              <a:buClrTx/>
-              <a:buSzTx/>
-              <a:buFontTx/>
-              <a:buNone/>
-              <a:tabLst/>
-              <a:defRPr/>
-            </a:pPr>
-            <a:r>
-              <a:rPr kumimoji="0" lang="en-US" sz="1600" b="0" i="0" u="none" strike="noStrike" kern="1200" cap="none" spc="0" normalizeH="0" baseline="0" noProof="0" dirty="0">
-                <a:ln>
-                  <a:noFill/>
-                </a:ln>
-                <a:solidFill>
-                  <a:prstClr val="black"/>
-                </a:solidFill>
-                <a:effectLst/>
-                <a:uLnTx/>
-                <a:uFillTx/>
-                <a:latin typeface="Calibri" panose="020F0502020204030204"/>
-                <a:ea typeface="+mn-ea"/>
-                <a:cs typeface="+mn-cs"/>
-              </a:rPr>
-              <a:t>                    - Variance Concept</a:t>
-            </a:r>
-          </a:p>
-          <a:p>
-            <a:pPr marL="0" marR="0" lvl="0" indent="0" algn="l" defTabSz="914400" rtl="0" eaLnBrk="1" fontAlgn="auto" latinLnBrk="0" hangingPunct="1">
-              <a:lnSpc>
-                <a:spcPct val="100000"/>
-              </a:lnSpc>
-              <a:spcBef>
-                <a:spcPts val="0"/>
-              </a:spcBef>
-              <a:spcAft>
-                <a:spcPts val="0"/>
-              </a:spcAft>
-              <a:buClrTx/>
-              <a:buSzTx/>
-              <a:buFontTx/>
-              <a:buNone/>
-              <a:tabLst/>
-              <a:defRPr/>
-            </a:pPr>
-            <a:r>
-              <a:rPr kumimoji="0" lang="en-US" sz="1600" b="0" i="0" u="none" strike="noStrike" kern="1200" cap="none" spc="0" normalizeH="0" baseline="0" noProof="0" dirty="0">
-                <a:ln>
-                  <a:noFill/>
-                </a:ln>
-                <a:solidFill>
-                  <a:prstClr val="black"/>
-                </a:solidFill>
-                <a:effectLst/>
-                <a:uLnTx/>
-                <a:uFillTx/>
-                <a:latin typeface="Calibri" panose="020F0502020204030204"/>
-                <a:ea typeface="+mn-ea"/>
-                <a:cs typeface="+mn-cs"/>
-              </a:rPr>
-              <a:t>	- </a:t>
-            </a:r>
-            <a:r>
-              <a:rPr lang="en-US" sz="1600" dirty="0">
-                <a:solidFill>
-                  <a:prstClr val="black"/>
-                </a:solidFill>
-                <a:latin typeface="Calibri" panose="020F0502020204030204"/>
-              </a:rPr>
-              <a:t>Smart Assist Scenario</a:t>
-            </a:r>
-            <a:endParaRPr kumimoji="0" lang="en-US" sz="1600" b="0" i="0" u="none" strike="noStrike" kern="1200" cap="none" spc="0" normalizeH="0" baseline="0" noProof="0" dirty="0">
-              <a:ln>
-                <a:noFill/>
-              </a:ln>
-              <a:solidFill>
-                <a:prstClr val="black"/>
-              </a:solidFill>
-              <a:effectLst/>
-              <a:uLnTx/>
-              <a:uFillTx/>
-              <a:latin typeface="Calibri" panose="020F0502020204030204"/>
-              <a:ea typeface="+mn-ea"/>
-              <a:cs typeface="+mn-cs"/>
-            </a:endParaRPr>
-          </a:p>
-          <a:p>
-            <a:pPr marL="0" marR="0" lvl="0" indent="0" algn="l" defTabSz="914400" rtl="0" eaLnBrk="1" fontAlgn="auto" latinLnBrk="0" hangingPunct="1">
-              <a:lnSpc>
-                <a:spcPct val="100000"/>
-              </a:lnSpc>
-              <a:spcBef>
-                <a:spcPts val="0"/>
-              </a:spcBef>
-              <a:spcAft>
-                <a:spcPts val="0"/>
-              </a:spcAft>
-              <a:buClrTx/>
-              <a:buSzTx/>
-              <a:buFontTx/>
-              <a:buNone/>
-              <a:tabLst/>
-              <a:defRPr/>
-            </a:pPr>
-            <a:r>
-              <a:rPr kumimoji="0" lang="en-US" sz="1600" b="0" i="0" u="none" strike="noStrike" kern="1200" cap="none" spc="0" normalizeH="0" baseline="0" noProof="0" dirty="0">
-                <a:ln>
-                  <a:noFill/>
-                </a:ln>
-                <a:solidFill>
-                  <a:prstClr val="black"/>
-                </a:solidFill>
-                <a:effectLst/>
-                <a:uLnTx/>
-                <a:uFillTx/>
-                <a:latin typeface="Calibri" panose="020F0502020204030204"/>
-                <a:ea typeface="+mn-ea"/>
-                <a:cs typeface="+mn-cs"/>
-              </a:rPr>
-              <a:t>	- Augmented Analytics</a:t>
-            </a:r>
-          </a:p>
-          <a:p>
-            <a:pPr marL="0" marR="0" lvl="0" indent="0" algn="l" defTabSz="914400" rtl="0" eaLnBrk="1" fontAlgn="auto" latinLnBrk="0" hangingPunct="1">
-              <a:lnSpc>
-                <a:spcPct val="100000"/>
-              </a:lnSpc>
-              <a:spcBef>
-                <a:spcPts val="0"/>
-              </a:spcBef>
-              <a:spcAft>
-                <a:spcPts val="0"/>
-              </a:spcAft>
-              <a:buClrTx/>
-              <a:buSzTx/>
-              <a:buFontTx/>
-              <a:buNone/>
-              <a:tabLst/>
-              <a:defRPr/>
-            </a:pPr>
-            <a:r>
-              <a:rPr kumimoji="0" lang="en-US" sz="1600" b="0" i="0" u="none" strike="noStrike" kern="1200" cap="none" spc="0" normalizeH="0" baseline="0" noProof="0" dirty="0">
-                <a:ln>
-                  <a:noFill/>
-                </a:ln>
-                <a:solidFill>
-                  <a:prstClr val="black"/>
-                </a:solidFill>
-                <a:effectLst/>
-                <a:uLnTx/>
-                <a:uFillTx/>
-                <a:latin typeface="Calibri" panose="020F0502020204030204"/>
-                <a:ea typeface="+mn-ea"/>
-                <a:cs typeface="+mn-cs"/>
-              </a:rPr>
-              <a:t>	- Smart Predict Forecast</a:t>
-            </a:r>
-          </a:p>
-          <a:p>
-            <a:pPr marL="0" marR="0" lvl="0" indent="0" algn="l" defTabSz="914400" rtl="0" eaLnBrk="1" fontAlgn="auto" latinLnBrk="0" hangingPunct="1">
-              <a:lnSpc>
-                <a:spcPct val="100000"/>
-              </a:lnSpc>
-              <a:spcBef>
-                <a:spcPts val="0"/>
-              </a:spcBef>
-              <a:spcAft>
-                <a:spcPts val="0"/>
-              </a:spcAft>
-              <a:buClrTx/>
-              <a:buSzTx/>
-              <a:buFontTx/>
-              <a:buNone/>
-              <a:tabLst/>
-              <a:defRPr/>
-            </a:pPr>
-            <a:r>
-              <a:rPr lang="en-US" sz="1600" dirty="0">
-                <a:solidFill>
-                  <a:prstClr val="black"/>
-                </a:solidFill>
-                <a:latin typeface="Calibri" panose="020F0502020204030204"/>
-              </a:rPr>
-              <a:t>	- Smart Insight</a:t>
-            </a:r>
-          </a:p>
-          <a:p>
-            <a:pPr marL="0" marR="0" lvl="0" indent="0" algn="l" defTabSz="914400" rtl="0" eaLnBrk="1" fontAlgn="auto" latinLnBrk="0" hangingPunct="1">
-              <a:lnSpc>
-                <a:spcPct val="100000"/>
-              </a:lnSpc>
-              <a:spcBef>
-                <a:spcPts val="0"/>
-              </a:spcBef>
-              <a:spcAft>
-                <a:spcPts val="0"/>
-              </a:spcAft>
-              <a:buClrTx/>
-              <a:buSzTx/>
-              <a:buFontTx/>
-              <a:buNone/>
-              <a:tabLst/>
-              <a:defRPr/>
-            </a:pPr>
-            <a:r>
-              <a:rPr kumimoji="0" lang="en-US" sz="1600" b="0" i="0" u="none" strike="noStrike" kern="1200" cap="none" spc="0" normalizeH="0" baseline="0" noProof="0" dirty="0">
-                <a:ln>
-                  <a:noFill/>
-                </a:ln>
-                <a:solidFill>
-                  <a:prstClr val="black"/>
-                </a:solidFill>
-                <a:effectLst/>
-                <a:uLnTx/>
-                <a:uFillTx/>
-                <a:latin typeface="Calibri" panose="020F0502020204030204"/>
-                <a:ea typeface="+mn-ea"/>
-                <a:cs typeface="+mn-cs"/>
-              </a:rPr>
-              <a:t>	- Smart Discovery</a:t>
-            </a:r>
-          </a:p>
-          <a:p>
-            <a:pPr>
-              <a:defRPr/>
-            </a:pPr>
-            <a:r>
-              <a:rPr kumimoji="0" lang="en-US" sz="1600" b="0" i="0" u="none" strike="noStrike" kern="1200" cap="none" spc="0" normalizeH="0" baseline="0" noProof="0" dirty="0">
-                <a:ln>
-                  <a:noFill/>
-                </a:ln>
-                <a:solidFill>
-                  <a:prstClr val="black"/>
-                </a:solidFill>
-                <a:effectLst/>
-                <a:uLnTx/>
-                <a:uFillTx/>
-                <a:latin typeface="Calibri" panose="020F0502020204030204"/>
-                <a:ea typeface="+mn-ea"/>
-                <a:cs typeface="+mn-cs"/>
-              </a:rPr>
-              <a:t>	- Smart Grouping</a:t>
-            </a:r>
-          </a:p>
-          <a:p>
-            <a:pPr>
-              <a:defRPr/>
-            </a:pPr>
-            <a:r>
-              <a:rPr kumimoji="0" lang="en-US" sz="1600" b="0" i="0" u="none" strike="noStrike" kern="1200" cap="none" spc="0" normalizeH="0" baseline="0" noProof="0" dirty="0">
-                <a:ln>
-                  <a:noFill/>
-                </a:ln>
-                <a:solidFill>
-                  <a:prstClr val="black"/>
-                </a:solidFill>
-                <a:effectLst/>
-                <a:uLnTx/>
-                <a:uFillTx/>
-                <a:latin typeface="Calibri" panose="020F0502020204030204"/>
-                <a:ea typeface="+mn-ea"/>
-                <a:cs typeface="+mn-cs"/>
-              </a:rPr>
-              <a:t>	- Roadmap and Support </a:t>
-            </a:r>
-          </a:p>
-          <a:p>
-            <a:pPr>
-              <a:defRPr/>
-            </a:pPr>
-            <a:r>
-              <a:rPr lang="en-US" sz="1600" dirty="0">
-                <a:solidFill>
-                  <a:prstClr val="black"/>
-                </a:solidFill>
-                <a:latin typeface="Calibri" panose="020F0502020204030204"/>
-              </a:rPr>
-              <a:t>	</a:t>
-            </a:r>
-            <a:endParaRPr kumimoji="0" lang="en-US" sz="1600" b="0" i="0" u="none" strike="noStrike" kern="1200" cap="none" spc="0" normalizeH="0" baseline="0" noProof="0" dirty="0">
-              <a:ln>
-                <a:noFill/>
-              </a:ln>
-              <a:solidFill>
-                <a:prstClr val="black"/>
-              </a:solidFill>
-              <a:effectLst/>
-              <a:uLnTx/>
-              <a:uFillTx/>
-              <a:latin typeface="Calibri" panose="020F0502020204030204"/>
-              <a:ea typeface="+mn-ea"/>
-              <a:cs typeface="+mn-cs"/>
-            </a:endParaRPr>
-          </a:p>
-          <a:p>
-            <a:pPr marL="0" marR="0" lvl="0" indent="0" algn="l" defTabSz="914400" rtl="0" eaLnBrk="1" fontAlgn="auto" latinLnBrk="0" hangingPunct="1">
-              <a:lnSpc>
-                <a:spcPct val="100000"/>
-              </a:lnSpc>
-              <a:spcBef>
-                <a:spcPts val="0"/>
-              </a:spcBef>
-              <a:spcAft>
-                <a:spcPts val="0"/>
-              </a:spcAft>
-              <a:buClrTx/>
-              <a:buSzTx/>
-              <a:buFontTx/>
-              <a:buNone/>
-              <a:tabLst/>
-              <a:defRPr/>
-            </a:pPr>
-            <a:r>
-              <a:rPr lang="en-US" sz="1600" dirty="0">
-                <a:solidFill>
-                  <a:prstClr val="black"/>
-                </a:solidFill>
-                <a:latin typeface="Calibri" panose="020F0502020204030204"/>
-              </a:rPr>
-              <a:t>	</a:t>
-            </a:r>
-            <a:endParaRPr kumimoji="0" lang="en-US" sz="1600" b="0" i="0" u="none" strike="noStrike" kern="1200" cap="none" spc="0" normalizeH="0" baseline="0" noProof="0" dirty="0">
-              <a:ln>
-                <a:noFill/>
-              </a:ln>
-              <a:solidFill>
-                <a:prstClr val="black"/>
-              </a:solidFill>
-              <a:effectLst/>
-              <a:uLnTx/>
-              <a:uFillTx/>
-              <a:latin typeface="Calibri" panose="020F0502020204030204"/>
-              <a:ea typeface="+mn-ea"/>
-              <a:cs typeface="+mn-cs"/>
-            </a:endParaRPr>
-          </a:p>
-        </p:txBody>
-      </p:sp>
-    </p:spTree>
-    <p:extLst>
-      <p:ext uri="{BB962C8B-B14F-4D97-AF65-F5344CB8AC3E}">
-        <p14:creationId xmlns:p14="http://schemas.microsoft.com/office/powerpoint/2010/main" val="2321857352"/>
-      </p:ext>
-    </p:extLst>
-  </p:cSld>
-  <p:clrMapOvr>
-    <a:masterClrMapping/>
-  </p:clrMapOvr>
-</p:sld>
-</file>
-
-<file path=ppt/slides/slide3.xml><?xml version="1.0" encoding="utf-8"?>
+<file path=ppt/slides/slide4.xml><?xml version="1.0" encoding="utf-8"?>
 <p:sld xmlns:a="http://schemas.openxmlformats.org/drawingml/2006/main" xmlns:r="http://schemas.openxmlformats.org/officeDocument/2006/relationships" xmlns:p="http://schemas.openxmlformats.org/presentationml/2006/main">
   <p:cSld>
     <p:spTree>
@@ -11063,7 +10897,7 @@
 </p:sld>
 </file>
 
-<file path=ppt/slides/slide4.xml><?xml version="1.0" encoding="utf-8"?>
+<file path=ppt/slides/slide5.xml><?xml version="1.0" encoding="utf-8"?>
 <p:sld xmlns:a="http://schemas.openxmlformats.org/drawingml/2006/main" xmlns:r="http://schemas.openxmlformats.org/officeDocument/2006/relationships" xmlns:p="http://schemas.openxmlformats.org/presentationml/2006/main">
   <p:cSld>
     <p:spTree>
@@ -11430,7 +11264,7 @@
 </p:sld>
 </file>
 
-<file path=ppt/slides/slide5.xml><?xml version="1.0" encoding="utf-8"?>
+<file path=ppt/slides/slide6.xml><?xml version="1.0" encoding="utf-8"?>
 <p:sld xmlns:a="http://schemas.openxmlformats.org/drawingml/2006/main" xmlns:r="http://schemas.openxmlformats.org/officeDocument/2006/relationships" xmlns:p="http://schemas.openxmlformats.org/presentationml/2006/main">
   <p:cSld>
     <p:spTree>
@@ -11921,7 +11755,7 @@
 </p:sld>
 </file>
 
-<file path=ppt/slides/slide6.xml><?xml version="1.0" encoding="utf-8"?>
+<file path=ppt/slides/slide7.xml><?xml version="1.0" encoding="utf-8"?>
 <p:sld xmlns:a="http://schemas.openxmlformats.org/drawingml/2006/main" xmlns:r="http://schemas.openxmlformats.org/officeDocument/2006/relationships" xmlns:p="http://schemas.openxmlformats.org/presentationml/2006/main">
   <p:cSld>
     <p:spTree>
@@ -12014,7 +11848,7 @@
 </p:sld>
 </file>
 
-<file path=ppt/slides/slide7.xml><?xml version="1.0" encoding="utf-8"?>
+<file path=ppt/slides/slide8.xml><?xml version="1.0" encoding="utf-8"?>
 <p:sld xmlns:a="http://schemas.openxmlformats.org/drawingml/2006/main" xmlns:r="http://schemas.openxmlformats.org/officeDocument/2006/relationships" xmlns:p="http://schemas.openxmlformats.org/presentationml/2006/main">
   <p:cSld>
     <p:spTree>
@@ -12340,1223 +12174,6 @@
 </p:sld>
 </file>
 
-<file path=ppt/slides/slide8.xml><?xml version="1.0" encoding="utf-8"?>
-<p:sld xmlns:a="http://schemas.openxmlformats.org/drawingml/2006/main" xmlns:r="http://schemas.openxmlformats.org/officeDocument/2006/relationships" xmlns:p="http://schemas.openxmlformats.org/presentationml/2006/main">
-  <p:cSld>
-    <p:spTree>
-      <p:nvGrpSpPr>
-        <p:cNvPr id="1" name=""/>
-        <p:cNvGrpSpPr/>
-        <p:nvPr/>
-      </p:nvGrpSpPr>
-      <p:grpSpPr>
-        <a:xfrm>
-          <a:off x="0" y="0"/>
-          <a:ext cx="0" cy="0"/>
-          <a:chOff x="0" y="0"/>
-          <a:chExt cx="0" cy="0"/>
-        </a:xfrm>
-      </p:grpSpPr>
-      <p:sp>
-        <p:nvSpPr>
-          <p:cNvPr id="11" name="Title 10"/>
-          <p:cNvSpPr>
-            <a:spLocks noGrp="1"/>
-          </p:cNvSpPr>
-          <p:nvPr>
-            <p:ph type="title"/>
-          </p:nvPr>
-        </p:nvSpPr>
-        <p:spPr>
-          <a:xfrm>
-            <a:off x="-20279" y="41354"/>
-            <a:ext cx="10969943" cy="711081"/>
-          </a:xfrm>
-        </p:spPr>
-        <p:txBody>
-          <a:bodyPr>
-            <a:noAutofit/>
-          </a:bodyPr>
-          <a:lstStyle/>
-          <a:p>
-            <a:r>
-              <a:rPr lang="en-IN" dirty="0">
-                <a:solidFill>
-                  <a:schemeClr val="tx2">
-                    <a:lumMod val="60000"/>
-                    <a:lumOff val="40000"/>
-                  </a:schemeClr>
-                </a:solidFill>
-                <a:latin typeface="Patua One" pitchFamily="2" charset="0"/>
-              </a:rPr>
-              <a:t>Smart Assist Portfolio of SAC</a:t>
-            </a:r>
-          </a:p>
-        </p:txBody>
-      </p:sp>
-      <p:sp>
-        <p:nvSpPr>
-          <p:cNvPr id="37" name="TextBox 36">
-            <a:extLst>
-              <a:ext uri="{FF2B5EF4-FFF2-40B4-BE49-F238E27FC236}">
-                <a16:creationId xmlns:a16="http://schemas.microsoft.com/office/drawing/2014/main" id="{E8CAC22F-1542-4031-BC6C-A16989886504}"/>
-              </a:ext>
-            </a:extLst>
-          </p:cNvPr>
-          <p:cNvSpPr txBox="1"/>
-          <p:nvPr/>
-        </p:nvSpPr>
-        <p:spPr>
-          <a:xfrm>
-            <a:off x="4943872" y="6550224"/>
-            <a:ext cx="3456384" cy="307777"/>
-          </a:xfrm>
-          <a:prstGeom prst="rect">
-            <a:avLst/>
-          </a:prstGeom>
-          <a:noFill/>
-        </p:spPr>
-        <p:txBody>
-          <a:bodyPr wrap="square" rtlCol="0">
-            <a:spAutoFit/>
-          </a:bodyPr>
-          <a:lstStyle/>
-          <a:p>
-            <a:pPr defTabSz="1218987">
-              <a:defRPr/>
-            </a:pPr>
-            <a:r>
-              <a:rPr lang="en-US" sz="1400" b="1" dirty="0">
-                <a:solidFill>
-                  <a:prstClr val="black"/>
-                </a:solidFill>
-                <a:latin typeface="Arial Rounded MT Bold" panose="020F0704030504030204" pitchFamily="34" charset="0"/>
-                <a:ea typeface="Arial Unicode MS" panose="020B0604020202020204" pitchFamily="34" charset="-128"/>
-                <a:cs typeface="Arial Unicode MS" panose="020B0604020202020204" pitchFamily="34" charset="-128"/>
-              </a:rPr>
-              <a:t>www.anubhavtrainings.com</a:t>
-            </a:r>
-            <a:endParaRPr lang="en-IN" sz="1400" b="1" dirty="0">
-              <a:solidFill>
-                <a:prstClr val="black"/>
-              </a:solidFill>
-              <a:latin typeface="Arial Rounded MT Bold" panose="020F0704030504030204" pitchFamily="34" charset="0"/>
-              <a:ea typeface="Arial Unicode MS" panose="020B0604020202020204" pitchFamily="34" charset="-128"/>
-              <a:cs typeface="Arial Unicode MS" panose="020B0604020202020204" pitchFamily="34" charset="-128"/>
-            </a:endParaRPr>
-          </a:p>
-        </p:txBody>
-      </p:sp>
-      <p:pic>
-        <p:nvPicPr>
-          <p:cNvPr id="40" name="Picture 39">
-            <a:extLst>
-              <a:ext uri="{FF2B5EF4-FFF2-40B4-BE49-F238E27FC236}">
-                <a16:creationId xmlns:a16="http://schemas.microsoft.com/office/drawing/2014/main" id="{DA60E6FB-8C44-4FEB-B6E9-83DA908565CD}"/>
-              </a:ext>
-            </a:extLst>
-          </p:cNvPr>
-          <p:cNvPicPr>
-            <a:picLocks noChangeAspect="1"/>
-          </p:cNvPicPr>
-          <p:nvPr/>
-        </p:nvPicPr>
-        <p:blipFill>
-          <a:blip r:embed="rId2">
-            <a:extLst>
-              <a:ext uri="{28A0092B-C50C-407E-A947-70E740481C1C}">
-                <a14:useLocalDpi xmlns:a14="http://schemas.microsoft.com/office/drawing/2010/main" val="0"/>
-              </a:ext>
-            </a:extLst>
-          </a:blip>
-          <a:stretch>
-            <a:fillRect/>
-          </a:stretch>
-        </p:blipFill>
-        <p:spPr>
-          <a:xfrm>
-            <a:off x="9624393" y="106009"/>
-            <a:ext cx="2335203" cy="762895"/>
-          </a:xfrm>
-          <a:prstGeom prst="rect">
-            <a:avLst/>
-          </a:prstGeom>
-        </p:spPr>
-      </p:pic>
-      <p:cxnSp>
-        <p:nvCxnSpPr>
-          <p:cNvPr id="41" name="Straight Connector 40">
-            <a:extLst>
-              <a:ext uri="{FF2B5EF4-FFF2-40B4-BE49-F238E27FC236}">
-                <a16:creationId xmlns:a16="http://schemas.microsoft.com/office/drawing/2014/main" id="{3B3B7D73-CAE9-45AC-ACCE-FAEF4E505C7A}"/>
-              </a:ext>
-            </a:extLst>
-          </p:cNvPr>
-          <p:cNvCxnSpPr/>
-          <p:nvPr/>
-        </p:nvCxnSpPr>
-        <p:spPr>
-          <a:xfrm>
-            <a:off x="1588" y="764704"/>
-            <a:ext cx="6479584" cy="0"/>
-          </a:xfrm>
-          <a:prstGeom prst="line">
-            <a:avLst/>
-          </a:prstGeom>
-        </p:spPr>
-        <p:style>
-          <a:lnRef idx="2">
-            <a:schemeClr val="accent6"/>
-          </a:lnRef>
-          <a:fillRef idx="0">
-            <a:schemeClr val="accent6"/>
-          </a:fillRef>
-          <a:effectRef idx="1">
-            <a:schemeClr val="accent6"/>
-          </a:effectRef>
-          <a:fontRef idx="minor">
-            <a:schemeClr val="tx1"/>
-          </a:fontRef>
-        </p:style>
-      </p:cxnSp>
-      <p:grpSp>
-        <p:nvGrpSpPr>
-          <p:cNvPr id="6" name="Group 5">
-            <a:extLst>
-              <a:ext uri="{FF2B5EF4-FFF2-40B4-BE49-F238E27FC236}">
-                <a16:creationId xmlns:a16="http://schemas.microsoft.com/office/drawing/2014/main" id="{B922098F-1FFB-4062-BF15-8672BA17C0BD}"/>
-              </a:ext>
-            </a:extLst>
-          </p:cNvPr>
-          <p:cNvGrpSpPr/>
-          <p:nvPr/>
-        </p:nvGrpSpPr>
-        <p:grpSpPr>
-          <a:xfrm>
-            <a:off x="4099938" y="1744947"/>
-            <a:ext cx="1062791" cy="1259027"/>
-            <a:chOff x="3486305" y="1038393"/>
-            <a:chExt cx="1063068" cy="1259355"/>
-          </a:xfrm>
-        </p:grpSpPr>
-        <p:pic>
-          <p:nvPicPr>
-            <p:cNvPr id="7" name="Picture 6">
-              <a:extLst>
-                <a:ext uri="{FF2B5EF4-FFF2-40B4-BE49-F238E27FC236}">
-                  <a16:creationId xmlns:a16="http://schemas.microsoft.com/office/drawing/2014/main" id="{080D1882-3F11-4FA4-B41D-F874C26711DF}"/>
-                </a:ext>
-              </a:extLst>
-            </p:cNvPr>
-            <p:cNvPicPr>
-              <a:picLocks noChangeAspect="1"/>
-            </p:cNvPicPr>
-            <p:nvPr/>
-          </p:nvPicPr>
-          <p:blipFill>
-            <a:blip r:embed="rId3">
-              <a:duotone>
-                <a:prstClr val="black"/>
-                <a:schemeClr val="accent4">
-                  <a:tint val="45000"/>
-                  <a:satMod val="400000"/>
-                </a:schemeClr>
-              </a:duotone>
-            </a:blip>
-            <a:stretch>
-              <a:fillRect/>
-            </a:stretch>
-          </p:blipFill>
-          <p:spPr>
-            <a:xfrm>
-              <a:off x="3601377" y="1383348"/>
-              <a:ext cx="914400" cy="914400"/>
-            </a:xfrm>
-            <a:prstGeom prst="rect">
-              <a:avLst/>
-            </a:prstGeom>
-          </p:spPr>
-        </p:pic>
-        <p:sp>
-          <p:nvSpPr>
-            <p:cNvPr id="8" name="TextBox 7">
-              <a:extLst>
-                <a:ext uri="{FF2B5EF4-FFF2-40B4-BE49-F238E27FC236}">
-                  <a16:creationId xmlns:a16="http://schemas.microsoft.com/office/drawing/2014/main" id="{AC24DDD8-0165-4228-A0A4-F6D5A3BAA590}"/>
-                </a:ext>
-              </a:extLst>
-            </p:cNvPr>
-            <p:cNvSpPr txBox="1"/>
-            <p:nvPr/>
-          </p:nvSpPr>
-          <p:spPr>
-            <a:xfrm>
-              <a:off x="3486305" y="1038393"/>
-              <a:ext cx="1063068" cy="215500"/>
-            </a:xfrm>
-            <a:prstGeom prst="rect">
-              <a:avLst/>
-            </a:prstGeom>
-            <a:noFill/>
-          </p:spPr>
-          <p:txBody>
-            <a:bodyPr wrap="none" lIns="0" tIns="0" rIns="0" bIns="0" rtlCol="0">
-              <a:spAutoFit/>
-            </a:bodyPr>
-            <a:lstStyle/>
-            <a:p>
-              <a:pPr defTabSz="1218987" fontAlgn="base">
-                <a:spcBef>
-                  <a:spcPct val="50000"/>
-                </a:spcBef>
-                <a:spcAft>
-                  <a:spcPct val="0"/>
-                </a:spcAft>
-                <a:buClr>
-                  <a:srgbClr val="F0AB00"/>
-                </a:buClr>
-                <a:buSzPct val="80000"/>
-              </a:pPr>
-              <a:r>
-                <a:rPr lang="en-US" sz="1400" b="1" kern="0">
-                  <a:solidFill>
-                    <a:prstClr val="black"/>
-                  </a:solidFill>
-                  <a:latin typeface="Calibri"/>
-                  <a:ea typeface="Arial Unicode MS" pitchFamily="34" charset="-128"/>
-                  <a:cs typeface="Arial Unicode MS" pitchFamily="34" charset="-128"/>
-                </a:rPr>
-                <a:t>Smart Insights</a:t>
-              </a:r>
-            </a:p>
-          </p:txBody>
-        </p:sp>
-      </p:grpSp>
-      <p:grpSp>
-        <p:nvGrpSpPr>
-          <p:cNvPr id="9" name="Group 8">
-            <a:extLst>
-              <a:ext uri="{FF2B5EF4-FFF2-40B4-BE49-F238E27FC236}">
-                <a16:creationId xmlns:a16="http://schemas.microsoft.com/office/drawing/2014/main" id="{9CE782BC-4A14-4872-BC32-F4CC91313554}"/>
-              </a:ext>
-            </a:extLst>
-          </p:cNvPr>
-          <p:cNvGrpSpPr/>
-          <p:nvPr/>
-        </p:nvGrpSpPr>
-        <p:grpSpPr>
-          <a:xfrm>
-            <a:off x="8697522" y="1914687"/>
-            <a:ext cx="1178208" cy="1294688"/>
-            <a:chOff x="8621806" y="1383348"/>
-            <a:chExt cx="1178515" cy="1295025"/>
-          </a:xfrm>
-        </p:grpSpPr>
-        <p:pic>
-          <p:nvPicPr>
-            <p:cNvPr id="10" name="Picture 9">
-              <a:extLst>
-                <a:ext uri="{FF2B5EF4-FFF2-40B4-BE49-F238E27FC236}">
-                  <a16:creationId xmlns:a16="http://schemas.microsoft.com/office/drawing/2014/main" id="{B982B02A-F89D-4A64-9192-FAC6F8EA4A1A}"/>
-                </a:ext>
-              </a:extLst>
-            </p:cNvPr>
-            <p:cNvPicPr>
-              <a:picLocks noChangeAspect="1"/>
-            </p:cNvPicPr>
-            <p:nvPr/>
-          </p:nvPicPr>
-          <p:blipFill>
-            <a:blip r:embed="rId4">
-              <a:duotone>
-                <a:prstClr val="black"/>
-                <a:schemeClr val="accent6">
-                  <a:tint val="45000"/>
-                  <a:satMod val="400000"/>
-                </a:schemeClr>
-              </a:duotone>
-            </a:blip>
-            <a:stretch>
-              <a:fillRect/>
-            </a:stretch>
-          </p:blipFill>
-          <p:spPr>
-            <a:xfrm>
-              <a:off x="8796189" y="1383348"/>
-              <a:ext cx="914400" cy="914400"/>
-            </a:xfrm>
-            <a:prstGeom prst="rect">
-              <a:avLst/>
-            </a:prstGeom>
-          </p:spPr>
-        </p:pic>
-        <p:sp>
-          <p:nvSpPr>
-            <p:cNvPr id="12" name="TextBox 11">
-              <a:extLst>
-                <a:ext uri="{FF2B5EF4-FFF2-40B4-BE49-F238E27FC236}">
-                  <a16:creationId xmlns:a16="http://schemas.microsoft.com/office/drawing/2014/main" id="{5368FD95-6FA3-4ECB-AF21-34AD45CBA6CE}"/>
-                </a:ext>
-              </a:extLst>
-            </p:cNvPr>
-            <p:cNvSpPr txBox="1"/>
-            <p:nvPr/>
-          </p:nvSpPr>
-          <p:spPr>
-            <a:xfrm>
-              <a:off x="8621806" y="2462873"/>
-              <a:ext cx="1178515" cy="215500"/>
-            </a:xfrm>
-            <a:prstGeom prst="rect">
-              <a:avLst/>
-            </a:prstGeom>
-            <a:noFill/>
-          </p:spPr>
-          <p:txBody>
-            <a:bodyPr wrap="none" lIns="0" tIns="0" rIns="0" bIns="0" rtlCol="0">
-              <a:spAutoFit/>
-            </a:bodyPr>
-            <a:lstStyle/>
-            <a:p>
-              <a:pPr defTabSz="1218987" fontAlgn="base">
-                <a:spcBef>
-                  <a:spcPct val="50000"/>
-                </a:spcBef>
-                <a:spcAft>
-                  <a:spcPct val="0"/>
-                </a:spcAft>
-                <a:buClr>
-                  <a:srgbClr val="F0AB00"/>
-                </a:buClr>
-                <a:buSzPct val="80000"/>
-              </a:pPr>
-              <a:r>
-                <a:rPr lang="en-US" sz="1400" b="1" kern="0">
-                  <a:solidFill>
-                    <a:prstClr val="black"/>
-                  </a:solidFill>
-                  <a:latin typeface="Calibri"/>
-                  <a:ea typeface="Arial Unicode MS" pitchFamily="34" charset="-128"/>
-                  <a:cs typeface="Arial Unicode MS" pitchFamily="34" charset="-128"/>
-                </a:rPr>
-                <a:t>Smart Grouping</a:t>
-              </a:r>
-            </a:p>
-          </p:txBody>
-        </p:sp>
-      </p:grpSp>
-      <p:grpSp>
-        <p:nvGrpSpPr>
-          <p:cNvPr id="13" name="Group 12">
-            <a:extLst>
-              <a:ext uri="{FF2B5EF4-FFF2-40B4-BE49-F238E27FC236}">
-                <a16:creationId xmlns:a16="http://schemas.microsoft.com/office/drawing/2014/main" id="{2FAD894D-A417-44B0-8D79-BF4AB8BC698A}"/>
-              </a:ext>
-            </a:extLst>
-          </p:cNvPr>
-          <p:cNvGrpSpPr/>
-          <p:nvPr/>
-        </p:nvGrpSpPr>
-        <p:grpSpPr>
-          <a:xfrm>
-            <a:off x="7111397" y="1741645"/>
-            <a:ext cx="1228540" cy="1249886"/>
-            <a:chOff x="6981964" y="1038393"/>
-            <a:chExt cx="1228860" cy="1250211"/>
-          </a:xfrm>
-        </p:grpSpPr>
-        <p:pic>
-          <p:nvPicPr>
-            <p:cNvPr id="14" name="Picture 13">
-              <a:extLst>
-                <a:ext uri="{FF2B5EF4-FFF2-40B4-BE49-F238E27FC236}">
-                  <a16:creationId xmlns:a16="http://schemas.microsoft.com/office/drawing/2014/main" id="{79BA8C90-116F-493C-9D73-97159F6E26A5}"/>
-                </a:ext>
-              </a:extLst>
-            </p:cNvPr>
-            <p:cNvPicPr>
-              <a:picLocks noChangeAspect="1"/>
-            </p:cNvPicPr>
-            <p:nvPr/>
-          </p:nvPicPr>
-          <p:blipFill rotWithShape="1">
-            <a:blip r:embed="rId5">
-              <a:duotone>
-                <a:prstClr val="black"/>
-                <a:schemeClr val="accent1">
-                  <a:tint val="45000"/>
-                  <a:satMod val="400000"/>
-                </a:schemeClr>
-              </a:duotone>
-            </a:blip>
-            <a:srcRect t="12827" b="17533"/>
-            <a:stretch/>
-          </p:blipFill>
-          <p:spPr>
-            <a:xfrm>
-              <a:off x="7029095" y="1465644"/>
-              <a:ext cx="1181729" cy="822960"/>
-            </a:xfrm>
-            <a:prstGeom prst="rect">
-              <a:avLst/>
-            </a:prstGeom>
-          </p:spPr>
-        </p:pic>
-        <p:sp>
-          <p:nvSpPr>
-            <p:cNvPr id="15" name="TextBox 14">
-              <a:extLst>
-                <a:ext uri="{FF2B5EF4-FFF2-40B4-BE49-F238E27FC236}">
-                  <a16:creationId xmlns:a16="http://schemas.microsoft.com/office/drawing/2014/main" id="{BE8A8D7A-1915-41A2-9A73-E265309F776E}"/>
-                </a:ext>
-              </a:extLst>
-            </p:cNvPr>
-            <p:cNvSpPr txBox="1"/>
-            <p:nvPr/>
-          </p:nvSpPr>
-          <p:spPr>
-            <a:xfrm>
-              <a:off x="6981964" y="1038393"/>
-              <a:ext cx="1170496" cy="215500"/>
-            </a:xfrm>
-            <a:prstGeom prst="rect">
-              <a:avLst/>
-            </a:prstGeom>
-            <a:noFill/>
-          </p:spPr>
-          <p:txBody>
-            <a:bodyPr wrap="none" lIns="0" tIns="0" rIns="0" bIns="0" rtlCol="0">
-              <a:spAutoFit/>
-            </a:bodyPr>
-            <a:lstStyle/>
-            <a:p>
-              <a:pPr defTabSz="1218987" fontAlgn="base">
-                <a:spcBef>
-                  <a:spcPct val="50000"/>
-                </a:spcBef>
-                <a:spcAft>
-                  <a:spcPct val="0"/>
-                </a:spcAft>
-                <a:buClr>
-                  <a:srgbClr val="F0AB00"/>
-                </a:buClr>
-                <a:buSzPct val="80000"/>
-              </a:pPr>
-              <a:r>
-                <a:rPr lang="en-US" sz="1400" b="1" kern="0">
-                  <a:solidFill>
-                    <a:prstClr val="black"/>
-                  </a:solidFill>
-                  <a:latin typeface="Calibri"/>
-                  <a:ea typeface="Arial Unicode MS" pitchFamily="34" charset="-128"/>
-                  <a:cs typeface="Arial Unicode MS" pitchFamily="34" charset="-128"/>
-                </a:rPr>
-                <a:t>R Visualizations</a:t>
-              </a:r>
-            </a:p>
-          </p:txBody>
-        </p:sp>
-      </p:grpSp>
-      <p:grpSp>
-        <p:nvGrpSpPr>
-          <p:cNvPr id="16" name="Group 15">
-            <a:extLst>
-              <a:ext uri="{FF2B5EF4-FFF2-40B4-BE49-F238E27FC236}">
-                <a16:creationId xmlns:a16="http://schemas.microsoft.com/office/drawing/2014/main" id="{8604DE8B-F3BA-4622-915B-94D6A520CA78}"/>
-              </a:ext>
-            </a:extLst>
-          </p:cNvPr>
-          <p:cNvGrpSpPr/>
-          <p:nvPr/>
-        </p:nvGrpSpPr>
-        <p:grpSpPr>
-          <a:xfrm>
-            <a:off x="5474348" y="1950681"/>
-            <a:ext cx="1336849" cy="1320163"/>
-            <a:chOff x="5054709" y="1465644"/>
-            <a:chExt cx="1337197" cy="1320507"/>
-          </a:xfrm>
-        </p:grpSpPr>
-        <p:pic>
-          <p:nvPicPr>
-            <p:cNvPr id="17" name="Picture 16">
-              <a:extLst>
-                <a:ext uri="{FF2B5EF4-FFF2-40B4-BE49-F238E27FC236}">
-                  <a16:creationId xmlns:a16="http://schemas.microsoft.com/office/drawing/2014/main" id="{9CF7A417-E8C7-40F2-89F0-8FF73F39A494}"/>
-                </a:ext>
-              </a:extLst>
-            </p:cNvPr>
-            <p:cNvPicPr>
-              <a:picLocks noChangeAspect="1"/>
-            </p:cNvPicPr>
-            <p:nvPr/>
-          </p:nvPicPr>
-          <p:blipFill rotWithShape="1">
-            <a:blip r:embed="rId6">
-              <a:duotone>
-                <a:prstClr val="black"/>
-                <a:schemeClr val="tx2">
-                  <a:tint val="45000"/>
-                  <a:satMod val="400000"/>
-                </a:schemeClr>
-              </a:duotone>
-            </a:blip>
-            <a:srcRect t="19421" b="19036"/>
-            <a:stretch/>
-          </p:blipFill>
-          <p:spPr>
-            <a:xfrm>
-              <a:off x="5054709" y="1465644"/>
-              <a:ext cx="1337197" cy="822960"/>
-            </a:xfrm>
-            <a:prstGeom prst="rect">
-              <a:avLst/>
-            </a:prstGeom>
-          </p:spPr>
-        </p:pic>
-        <p:sp>
-          <p:nvSpPr>
-            <p:cNvPr id="18" name="TextBox 17">
-              <a:extLst>
-                <a:ext uri="{FF2B5EF4-FFF2-40B4-BE49-F238E27FC236}">
-                  <a16:creationId xmlns:a16="http://schemas.microsoft.com/office/drawing/2014/main" id="{0419ED92-7DA2-4E94-9857-335D91603D07}"/>
-                </a:ext>
-              </a:extLst>
-            </p:cNvPr>
-            <p:cNvSpPr txBox="1"/>
-            <p:nvPr/>
-          </p:nvSpPr>
-          <p:spPr>
-            <a:xfrm>
-              <a:off x="5245612" y="2355152"/>
-              <a:ext cx="856227" cy="430999"/>
-            </a:xfrm>
-            <a:prstGeom prst="rect">
-              <a:avLst/>
-            </a:prstGeom>
-            <a:noFill/>
-          </p:spPr>
-          <p:txBody>
-            <a:bodyPr wrap="none" lIns="0" tIns="0" rIns="0" bIns="0" rtlCol="0">
-              <a:spAutoFit/>
-            </a:bodyPr>
-            <a:lstStyle/>
-            <a:p>
-              <a:pPr defTabSz="1218987" fontAlgn="base">
-                <a:spcBef>
-                  <a:spcPct val="50000"/>
-                </a:spcBef>
-                <a:spcAft>
-                  <a:spcPct val="0"/>
-                </a:spcAft>
-                <a:buClr>
-                  <a:srgbClr val="F0AB00"/>
-                </a:buClr>
-                <a:buSzPct val="80000"/>
-              </a:pPr>
-              <a:r>
-                <a:rPr lang="en-US" sz="1400" b="1" kern="0">
-                  <a:solidFill>
-                    <a:prstClr val="black"/>
-                  </a:solidFill>
-                  <a:latin typeface="Calibri"/>
-                  <a:ea typeface="Arial Unicode MS" pitchFamily="34" charset="-128"/>
-                  <a:cs typeface="Arial Unicode MS" pitchFamily="34" charset="-128"/>
-                </a:rPr>
-                <a:t>Time Series</a:t>
-              </a:r>
-              <a:br>
-                <a:rPr lang="en-US" sz="1400" b="1" kern="0">
-                  <a:solidFill>
-                    <a:prstClr val="black"/>
-                  </a:solidFill>
-                  <a:latin typeface="Calibri"/>
-                  <a:ea typeface="Arial Unicode MS" pitchFamily="34" charset="-128"/>
-                  <a:cs typeface="Arial Unicode MS" pitchFamily="34" charset="-128"/>
-                </a:rPr>
-              </a:br>
-              <a:r>
-                <a:rPr lang="en-US" sz="1400" b="1" kern="0">
-                  <a:solidFill>
-                    <a:prstClr val="black"/>
-                  </a:solidFill>
-                  <a:latin typeface="Calibri"/>
-                  <a:ea typeface="Arial Unicode MS" pitchFamily="34" charset="-128"/>
-                  <a:cs typeface="Arial Unicode MS" pitchFamily="34" charset="-128"/>
-                </a:rPr>
-                <a:t>Forecasting</a:t>
-              </a:r>
-            </a:p>
-          </p:txBody>
-        </p:sp>
-      </p:grpSp>
-      <p:grpSp>
-        <p:nvGrpSpPr>
-          <p:cNvPr id="19" name="Group 18">
-            <a:extLst>
-              <a:ext uri="{FF2B5EF4-FFF2-40B4-BE49-F238E27FC236}">
-                <a16:creationId xmlns:a16="http://schemas.microsoft.com/office/drawing/2014/main" id="{02EAC2C0-D311-4D7C-8147-573567B2E085}"/>
-              </a:ext>
-            </a:extLst>
-          </p:cNvPr>
-          <p:cNvGrpSpPr/>
-          <p:nvPr/>
-        </p:nvGrpSpPr>
-        <p:grpSpPr>
-          <a:xfrm>
-            <a:off x="9945662" y="1748143"/>
-            <a:ext cx="1644681" cy="1262729"/>
-            <a:chOff x="9841899" y="1034690"/>
-            <a:chExt cx="1645109" cy="1263058"/>
-          </a:xfrm>
-        </p:grpSpPr>
-        <p:sp>
-          <p:nvSpPr>
-            <p:cNvPr id="20" name="TextBox 19">
-              <a:extLst>
-                <a:ext uri="{FF2B5EF4-FFF2-40B4-BE49-F238E27FC236}">
-                  <a16:creationId xmlns:a16="http://schemas.microsoft.com/office/drawing/2014/main" id="{CE2C656C-967C-4B3D-A778-8652ED0411D9}"/>
-                </a:ext>
-              </a:extLst>
-            </p:cNvPr>
-            <p:cNvSpPr txBox="1"/>
-            <p:nvPr/>
-          </p:nvSpPr>
-          <p:spPr>
-            <a:xfrm>
-              <a:off x="9841899" y="1034690"/>
-              <a:ext cx="1645109" cy="215500"/>
-            </a:xfrm>
-            <a:prstGeom prst="rect">
-              <a:avLst/>
-            </a:prstGeom>
-            <a:noFill/>
-          </p:spPr>
-          <p:txBody>
-            <a:bodyPr wrap="none" lIns="0" tIns="0" rIns="0" bIns="0" rtlCol="0">
-              <a:spAutoFit/>
-            </a:bodyPr>
-            <a:lstStyle/>
-            <a:p>
-              <a:pPr defTabSz="1218987" fontAlgn="base">
-                <a:spcBef>
-                  <a:spcPct val="50000"/>
-                </a:spcBef>
-                <a:spcAft>
-                  <a:spcPct val="0"/>
-                </a:spcAft>
-                <a:buClr>
-                  <a:srgbClr val="F0AB00"/>
-                </a:buClr>
-                <a:buSzPct val="80000"/>
-              </a:pPr>
-              <a:r>
-                <a:rPr lang="en-US" sz="1400" b="1" kern="0">
-                  <a:solidFill>
-                    <a:prstClr val="black"/>
-                  </a:solidFill>
-                  <a:latin typeface="Calibri"/>
-                  <a:ea typeface="Arial Unicode MS" pitchFamily="34" charset="-128"/>
-                  <a:cs typeface="Arial Unicode MS" pitchFamily="34" charset="-128"/>
-                </a:rPr>
-                <a:t>Smart Transformation</a:t>
-              </a:r>
-            </a:p>
-          </p:txBody>
-        </p:sp>
-        <p:pic>
-          <p:nvPicPr>
-            <p:cNvPr id="21" name="Picture 20">
-              <a:extLst>
-                <a:ext uri="{FF2B5EF4-FFF2-40B4-BE49-F238E27FC236}">
-                  <a16:creationId xmlns:a16="http://schemas.microsoft.com/office/drawing/2014/main" id="{05144DE7-CE43-4242-8C95-72488188EA0A}"/>
-                </a:ext>
-              </a:extLst>
-            </p:cNvPr>
-            <p:cNvPicPr>
-              <a:picLocks noChangeAspect="1"/>
-            </p:cNvPicPr>
-            <p:nvPr/>
-          </p:nvPicPr>
-          <p:blipFill>
-            <a:blip r:embed="rId7">
-              <a:duotone>
-                <a:prstClr val="black"/>
-                <a:schemeClr val="tx2">
-                  <a:tint val="45000"/>
-                  <a:satMod val="400000"/>
-                </a:schemeClr>
-              </a:duotone>
-            </a:blip>
-            <a:stretch>
-              <a:fillRect/>
-            </a:stretch>
-          </p:blipFill>
-          <p:spPr>
-            <a:xfrm>
-              <a:off x="10249520" y="1383348"/>
-              <a:ext cx="914400" cy="914400"/>
-            </a:xfrm>
-            <a:prstGeom prst="rect">
-              <a:avLst/>
-            </a:prstGeom>
-          </p:spPr>
-        </p:pic>
-      </p:grpSp>
-      <p:grpSp>
-        <p:nvGrpSpPr>
-          <p:cNvPr id="22" name="Group 21">
-            <a:extLst>
-              <a:ext uri="{FF2B5EF4-FFF2-40B4-BE49-F238E27FC236}">
-                <a16:creationId xmlns:a16="http://schemas.microsoft.com/office/drawing/2014/main" id="{949C92DA-3550-4EA1-B394-E321C93E6F4F}"/>
-              </a:ext>
-            </a:extLst>
-          </p:cNvPr>
-          <p:cNvGrpSpPr/>
-          <p:nvPr/>
-        </p:nvGrpSpPr>
-        <p:grpSpPr>
-          <a:xfrm>
-            <a:off x="2522554" y="1940163"/>
-            <a:ext cx="1211870" cy="1294689"/>
-            <a:chOff x="1948016" y="1383348"/>
-            <a:chExt cx="1212185" cy="1295026"/>
-          </a:xfrm>
-        </p:grpSpPr>
-        <p:sp>
-          <p:nvSpPr>
-            <p:cNvPr id="23" name="TextBox 22">
-              <a:extLst>
-                <a:ext uri="{FF2B5EF4-FFF2-40B4-BE49-F238E27FC236}">
-                  <a16:creationId xmlns:a16="http://schemas.microsoft.com/office/drawing/2014/main" id="{E9C5C1F3-BC13-434B-8CD0-21805DA1602B}"/>
-                </a:ext>
-              </a:extLst>
-            </p:cNvPr>
-            <p:cNvSpPr txBox="1"/>
-            <p:nvPr/>
-          </p:nvSpPr>
-          <p:spPr>
-            <a:xfrm>
-              <a:off x="1948016" y="2462874"/>
-              <a:ext cx="1212185" cy="215500"/>
-            </a:xfrm>
-            <a:prstGeom prst="rect">
-              <a:avLst/>
-            </a:prstGeom>
-            <a:noFill/>
-          </p:spPr>
-          <p:txBody>
-            <a:bodyPr wrap="none" lIns="0" tIns="0" rIns="0" bIns="0" rtlCol="0">
-              <a:spAutoFit/>
-            </a:bodyPr>
-            <a:lstStyle/>
-            <a:p>
-              <a:pPr defTabSz="1218987" fontAlgn="base">
-                <a:spcBef>
-                  <a:spcPct val="50000"/>
-                </a:spcBef>
-                <a:spcAft>
-                  <a:spcPct val="0"/>
-                </a:spcAft>
-                <a:buClr>
-                  <a:srgbClr val="F0AB00"/>
-                </a:buClr>
-                <a:buSzPct val="80000"/>
-              </a:pPr>
-              <a:r>
-                <a:rPr lang="en-US" sz="1400" b="1" kern="0">
-                  <a:solidFill>
-                    <a:prstClr val="black"/>
-                  </a:solidFill>
-                  <a:latin typeface="Calibri"/>
-                  <a:ea typeface="Arial Unicode MS" pitchFamily="34" charset="-128"/>
-                  <a:cs typeface="Arial Unicode MS" pitchFamily="34" charset="-128"/>
-                </a:rPr>
-                <a:t>Smart</a:t>
-              </a:r>
-              <a:r>
-                <a:rPr lang="en-US" sz="1400" kern="0">
-                  <a:solidFill>
-                    <a:prstClr val="black"/>
-                  </a:solidFill>
-                  <a:latin typeface="Calibri"/>
-                  <a:ea typeface="Arial Unicode MS" pitchFamily="34" charset="-128"/>
-                  <a:cs typeface="Arial Unicode MS" pitchFamily="34" charset="-128"/>
-                </a:rPr>
-                <a:t> </a:t>
-              </a:r>
-              <a:r>
-                <a:rPr lang="en-US" sz="1400" b="1" kern="0">
-                  <a:solidFill>
-                    <a:prstClr val="black"/>
-                  </a:solidFill>
-                  <a:latin typeface="Calibri"/>
-                  <a:ea typeface="Arial Unicode MS" pitchFamily="34" charset="-128"/>
-                  <a:cs typeface="Arial Unicode MS" pitchFamily="34" charset="-128"/>
-                </a:rPr>
-                <a:t>Discovery</a:t>
-              </a:r>
-            </a:p>
-          </p:txBody>
-        </p:sp>
-        <p:pic>
-          <p:nvPicPr>
-            <p:cNvPr id="24" name="Picture 23">
-              <a:extLst>
-                <a:ext uri="{FF2B5EF4-FFF2-40B4-BE49-F238E27FC236}">
-                  <a16:creationId xmlns:a16="http://schemas.microsoft.com/office/drawing/2014/main" id="{E5889629-D83F-49EE-AA99-51FAA15BBBCB}"/>
-                </a:ext>
-              </a:extLst>
-            </p:cNvPr>
-            <p:cNvPicPr>
-              <a:picLocks noChangeAspect="1"/>
-            </p:cNvPicPr>
-            <p:nvPr/>
-          </p:nvPicPr>
-          <p:blipFill>
-            <a:blip r:embed="rId8">
-              <a:duotone>
-                <a:prstClr val="black"/>
-                <a:schemeClr val="accent4">
-                  <a:tint val="45000"/>
-                  <a:satMod val="400000"/>
-                </a:schemeClr>
-              </a:duotone>
-              <a:extLst>
-                <a:ext uri="{BEBA8EAE-BF5A-486C-A8C5-ECC9F3942E4B}">
-                  <a14:imgProps xmlns:a14="http://schemas.microsoft.com/office/drawing/2010/main">
-                    <a14:imgLayer r:embed="rId9">
-                      <a14:imgEffect>
-                        <a14:colorTemperature colorTemp="5300"/>
-                      </a14:imgEffect>
-                    </a14:imgLayer>
-                  </a14:imgProps>
-                </a:ext>
-              </a:extLst>
-            </a:blip>
-            <a:stretch>
-              <a:fillRect/>
-            </a:stretch>
-          </p:blipFill>
-          <p:spPr>
-            <a:xfrm>
-              <a:off x="2148047" y="1383348"/>
-              <a:ext cx="914400" cy="914400"/>
-            </a:xfrm>
-            <a:prstGeom prst="rect">
-              <a:avLst/>
-            </a:prstGeom>
-          </p:spPr>
-        </p:pic>
-      </p:grpSp>
-      <p:sp>
-        <p:nvSpPr>
-          <p:cNvPr id="25" name="TextBox 24">
-            <a:extLst>
-              <a:ext uri="{FF2B5EF4-FFF2-40B4-BE49-F238E27FC236}">
-                <a16:creationId xmlns:a16="http://schemas.microsoft.com/office/drawing/2014/main" id="{82882557-A178-46D3-B5C8-6E42CB38C12A}"/>
-              </a:ext>
-            </a:extLst>
-          </p:cNvPr>
-          <p:cNvSpPr txBox="1"/>
-          <p:nvPr/>
-        </p:nvSpPr>
-        <p:spPr>
-          <a:xfrm>
-            <a:off x="3175" y="3713006"/>
-            <a:ext cx="12192000" cy="1477328"/>
-          </a:xfrm>
-          <a:prstGeom prst="rect">
-            <a:avLst/>
-          </a:prstGeom>
-          <a:noFill/>
-        </p:spPr>
-        <p:txBody>
-          <a:bodyPr wrap="square" lIns="0" tIns="0" rIns="0" bIns="0" rtlCol="0">
-            <a:spAutoFit/>
-          </a:bodyPr>
-          <a:lstStyle/>
-          <a:p>
-            <a:pPr algn="ctr" defTabSz="1218987" fontAlgn="base">
-              <a:spcBef>
-                <a:spcPct val="50000"/>
-              </a:spcBef>
-              <a:spcAft>
-                <a:spcPct val="0"/>
-              </a:spcAft>
-              <a:buClr>
-                <a:srgbClr val="F0AB00"/>
-              </a:buClr>
-              <a:buSzPct val="80000"/>
-            </a:pPr>
-            <a:r>
-              <a:rPr lang="en-US" sz="2400" b="1" kern="0">
-                <a:solidFill>
-                  <a:srgbClr val="4F81BD"/>
-                </a:solidFill>
-                <a:latin typeface="Calibri"/>
-                <a:ea typeface="Arial Unicode MS" pitchFamily="34" charset="-128"/>
-                <a:cs typeface="Arial Unicode MS" pitchFamily="34" charset="-128"/>
-              </a:rPr>
-              <a:t>Deliver Simplicity through Machine Learning</a:t>
-            </a:r>
-            <a:endParaRPr lang="en-US" sz="2400" kern="0">
-              <a:solidFill>
-                <a:srgbClr val="4F81BD"/>
-              </a:solidFill>
-              <a:latin typeface="Calibri"/>
-              <a:ea typeface="Arial Unicode MS" pitchFamily="34" charset="-128"/>
-              <a:cs typeface="Arial Unicode MS" pitchFamily="34" charset="-128"/>
-            </a:endParaRPr>
-          </a:p>
-          <a:p>
-            <a:pPr algn="ctr" defTabSz="1218987" fontAlgn="base">
-              <a:spcBef>
-                <a:spcPct val="50000"/>
-              </a:spcBef>
-              <a:spcAft>
-                <a:spcPct val="0"/>
-              </a:spcAft>
-              <a:buClr>
-                <a:srgbClr val="F0AB00"/>
-              </a:buClr>
-              <a:buSzPct val="80000"/>
-            </a:pPr>
-            <a:r>
-              <a:rPr lang="en-US" sz="2400" kern="0">
-                <a:solidFill>
-                  <a:prstClr val="black"/>
-                </a:solidFill>
-                <a:latin typeface="Calibri"/>
-                <a:ea typeface="Arial Unicode MS" pitchFamily="34" charset="-128"/>
-                <a:cs typeface="Arial Unicode MS" pitchFamily="34" charset="-128"/>
-              </a:rPr>
-              <a:t>Integrate machine learning seamlessly into business processes and workflows</a:t>
-            </a:r>
-          </a:p>
-          <a:p>
-            <a:pPr algn="ctr" defTabSz="1218987" fontAlgn="base">
-              <a:spcBef>
-                <a:spcPct val="50000"/>
-              </a:spcBef>
-              <a:spcAft>
-                <a:spcPct val="0"/>
-              </a:spcAft>
-              <a:buClr>
-                <a:srgbClr val="F0AB00"/>
-              </a:buClr>
-              <a:buSzPct val="80000"/>
-            </a:pPr>
-            <a:r>
-              <a:rPr lang="en-US" sz="2400" kern="0">
-                <a:solidFill>
-                  <a:prstClr val="black"/>
-                </a:solidFill>
-                <a:latin typeface="Calibri"/>
-                <a:ea typeface="Arial Unicode MS" pitchFamily="34" charset="-128"/>
-                <a:cs typeface="Arial Unicode MS" pitchFamily="34" charset="-128"/>
-              </a:rPr>
-              <a:t>Leverage machine learning to save time, remove complexity, and gain actionable insights</a:t>
-            </a:r>
-            <a:endParaRPr lang="en-US" sz="1999" kern="0">
-              <a:solidFill>
-                <a:prstClr val="black"/>
-              </a:solidFill>
-              <a:latin typeface="Calibri"/>
-              <a:ea typeface="Arial Unicode MS" pitchFamily="34" charset="-128"/>
-              <a:cs typeface="Arial Unicode MS" pitchFamily="34" charset="-128"/>
-            </a:endParaRPr>
-          </a:p>
-        </p:txBody>
-      </p:sp>
-      <p:grpSp>
-        <p:nvGrpSpPr>
-          <p:cNvPr id="26" name="Group 25">
-            <a:extLst>
-              <a:ext uri="{FF2B5EF4-FFF2-40B4-BE49-F238E27FC236}">
-                <a16:creationId xmlns:a16="http://schemas.microsoft.com/office/drawing/2014/main" id="{BD85DADF-C7A3-4DC4-ABA1-E9A24E556AD8}"/>
-              </a:ext>
-            </a:extLst>
-          </p:cNvPr>
-          <p:cNvGrpSpPr/>
-          <p:nvPr/>
-        </p:nvGrpSpPr>
-        <p:grpSpPr>
-          <a:xfrm>
-            <a:off x="801615" y="1780341"/>
-            <a:ext cx="1242328" cy="1387010"/>
-            <a:chOff x="672572" y="1038393"/>
-            <a:chExt cx="1242652" cy="1387371"/>
-          </a:xfrm>
-        </p:grpSpPr>
-        <p:sp>
-          <p:nvSpPr>
-            <p:cNvPr id="27" name="TextBox 26">
-              <a:extLst>
-                <a:ext uri="{FF2B5EF4-FFF2-40B4-BE49-F238E27FC236}">
-                  <a16:creationId xmlns:a16="http://schemas.microsoft.com/office/drawing/2014/main" id="{D1AAD733-E519-41CA-B405-4A47C40D34E8}"/>
-                </a:ext>
-              </a:extLst>
-            </p:cNvPr>
-            <p:cNvSpPr txBox="1"/>
-            <p:nvPr/>
-          </p:nvSpPr>
-          <p:spPr>
-            <a:xfrm>
-              <a:off x="672572" y="1038393"/>
-              <a:ext cx="1242652" cy="215500"/>
-            </a:xfrm>
-            <a:prstGeom prst="rect">
-              <a:avLst/>
-            </a:prstGeom>
-            <a:noFill/>
-          </p:spPr>
-          <p:txBody>
-            <a:bodyPr wrap="none" lIns="0" tIns="0" rIns="0" bIns="0" rtlCol="0">
-              <a:spAutoFit/>
-            </a:bodyPr>
-            <a:lstStyle/>
-            <a:p>
-              <a:pPr defTabSz="1218987" fontAlgn="base">
-                <a:spcBef>
-                  <a:spcPct val="50000"/>
-                </a:spcBef>
-                <a:spcAft>
-                  <a:spcPct val="0"/>
-                </a:spcAft>
-                <a:buClr>
-                  <a:srgbClr val="F0AB00"/>
-                </a:buClr>
-                <a:buSzPct val="80000"/>
-              </a:pPr>
-              <a:r>
-                <a:rPr lang="en-US" sz="1400" b="1" kern="0">
-                  <a:solidFill>
-                    <a:prstClr val="black"/>
-                  </a:solidFill>
-                  <a:latin typeface="Calibri"/>
-                  <a:ea typeface="Arial Unicode MS" pitchFamily="34" charset="-128"/>
-                  <a:cs typeface="Arial Unicode MS" pitchFamily="34" charset="-128"/>
-                </a:rPr>
-                <a:t>Search to Insight</a:t>
-              </a:r>
-            </a:p>
-          </p:txBody>
-        </p:sp>
-        <p:grpSp>
-          <p:nvGrpSpPr>
-            <p:cNvPr id="28" name="Group 27">
-              <a:extLst>
-                <a:ext uri="{FF2B5EF4-FFF2-40B4-BE49-F238E27FC236}">
-                  <a16:creationId xmlns:a16="http://schemas.microsoft.com/office/drawing/2014/main" id="{CEA6C856-9F1E-41C3-A044-92E8F5B03AEC}"/>
-                </a:ext>
-              </a:extLst>
-            </p:cNvPr>
-            <p:cNvGrpSpPr>
-              <a:grpSpLocks noChangeAspect="1"/>
-            </p:cNvGrpSpPr>
-            <p:nvPr/>
-          </p:nvGrpSpPr>
-          <p:grpSpPr>
-            <a:xfrm>
-              <a:off x="1002979" y="1328484"/>
-              <a:ext cx="682501" cy="1097280"/>
-              <a:chOff x="2185261" y="2843939"/>
-              <a:chExt cx="1402598" cy="2255003"/>
-            </a:xfrm>
-          </p:grpSpPr>
-          <p:pic>
-            <p:nvPicPr>
-              <p:cNvPr id="29" name="Picture 28">
-                <a:extLst>
-                  <a:ext uri="{FF2B5EF4-FFF2-40B4-BE49-F238E27FC236}">
-                    <a16:creationId xmlns:a16="http://schemas.microsoft.com/office/drawing/2014/main" id="{97EB3810-E704-4341-B71B-DCB048A5AC43}"/>
-                  </a:ext>
-                </a:extLst>
-              </p:cNvPr>
-              <p:cNvPicPr>
-                <a:picLocks noChangeAspect="1"/>
-              </p:cNvPicPr>
-              <p:nvPr/>
-            </p:nvPicPr>
-            <p:blipFill rotWithShape="1">
-              <a:blip r:embed="rId10">
-                <a:duotone>
-                  <a:prstClr val="black"/>
-                  <a:schemeClr val="accent1">
-                    <a:tint val="45000"/>
-                    <a:satMod val="400000"/>
-                  </a:schemeClr>
-                </a:duotone>
-              </a:blip>
-              <a:srcRect l="44142" t="15276" r="11355" b="13174"/>
-              <a:stretch/>
-            </p:blipFill>
-            <p:spPr>
-              <a:xfrm>
-                <a:off x="2185261" y="2843939"/>
-                <a:ext cx="1402598" cy="2255003"/>
-              </a:xfrm>
-              <a:prstGeom prst="rect">
-                <a:avLst/>
-              </a:prstGeom>
-            </p:spPr>
-          </p:pic>
-          <p:pic>
-            <p:nvPicPr>
-              <p:cNvPr id="30" name="Picture 29">
-                <a:extLst>
-                  <a:ext uri="{FF2B5EF4-FFF2-40B4-BE49-F238E27FC236}">
-                    <a16:creationId xmlns:a16="http://schemas.microsoft.com/office/drawing/2014/main" id="{27A40501-6359-481C-A353-917E35C73F78}"/>
-                  </a:ext>
-                </a:extLst>
-              </p:cNvPr>
-              <p:cNvPicPr>
-                <a:picLocks noChangeAspect="1"/>
-              </p:cNvPicPr>
-              <p:nvPr/>
-            </p:nvPicPr>
-            <p:blipFill rotWithShape="1">
-              <a:blip r:embed="rId11">
-                <a:duotone>
-                  <a:prstClr val="black"/>
-                  <a:schemeClr val="accent1">
-                    <a:tint val="45000"/>
-                    <a:satMod val="400000"/>
-                  </a:schemeClr>
-                </a:duotone>
-              </a:blip>
-              <a:srcRect l="31045" t="15946" r="37483" b="65121"/>
-              <a:stretch/>
-            </p:blipFill>
-            <p:spPr>
-              <a:xfrm rot="15420738">
-                <a:off x="2609600" y="3076171"/>
-                <a:ext cx="553920" cy="333218"/>
-              </a:xfrm>
-              <a:prstGeom prst="rect">
-                <a:avLst/>
-              </a:prstGeom>
-            </p:spPr>
-          </p:pic>
-        </p:grpSp>
-      </p:grpSp>
-    </p:spTree>
-    <p:extLst>
-      <p:ext uri="{BB962C8B-B14F-4D97-AF65-F5344CB8AC3E}">
-        <p14:creationId xmlns:p14="http://schemas.microsoft.com/office/powerpoint/2010/main" val="1295416898"/>
-      </p:ext>
-    </p:extLst>
-  </p:cSld>
-  <p:clrMapOvr>
-    <a:masterClrMapping/>
-  </p:clrMapOvr>
-  <p:transition spd="slow">
-    <p:push dir="u"/>
-  </p:transition>
-</p:sld>
-</file>
-
 <file path=ppt/slides/slide9.xml><?xml version="1.0" encoding="utf-8"?>
 <p:sld xmlns:a="http://schemas.openxmlformats.org/drawingml/2006/main" xmlns:r="http://schemas.openxmlformats.org/officeDocument/2006/relationships" xmlns:p="http://schemas.openxmlformats.org/presentationml/2006/main">
   <p:cSld>
@@ -13576,47 +12193,59 @@
       </p:grpSpPr>
       <p:sp>
         <p:nvSpPr>
-          <p:cNvPr id="11" name="Title 10"/>
-          <p:cNvSpPr>
-            <a:spLocks noGrp="1"/>
-          </p:cNvSpPr>
-          <p:nvPr>
-            <p:ph type="title"/>
-          </p:nvPr>
+          <p:cNvPr id="2" name="Title 3">
+            <a:extLst>
+              <a:ext uri="{FF2B5EF4-FFF2-40B4-BE49-F238E27FC236}">
+                <a16:creationId xmlns:a16="http://schemas.microsoft.com/office/drawing/2014/main" id="{F07FC580-E2AB-4C55-8C95-D5E077A1D127}"/>
+              </a:ext>
+            </a:extLst>
+          </p:cNvPr>
+          <p:cNvSpPr txBox="1">
+            <a:spLocks/>
+          </p:cNvSpPr>
+          <p:nvPr/>
         </p:nvSpPr>
         <p:spPr>
           <a:xfrm>
-            <a:off x="-20279" y="41354"/>
-            <a:ext cx="10969943" cy="711081"/>
+            <a:off x="261764" y="188640"/>
+            <a:ext cx="11292008" cy="711081"/>
           </a:xfrm>
+          <a:prstGeom prst="rect">
+            <a:avLst/>
+          </a:prstGeom>
         </p:spPr>
         <p:txBody>
-          <a:bodyPr>
-            <a:noAutofit/>
-          </a:bodyPr>
-          <a:lstStyle/>
-          <a:p>
-            <a:r>
-              <a:rPr lang="en-IN" dirty="0">
+          <a:bodyPr/>
+          <a:lstStyle>
+            <a:lvl1pPr algn="l" defTabSz="914400" rtl="0" eaLnBrk="1" latinLnBrk="0" hangingPunct="1">
+              <a:lnSpc>
+                <a:spcPct val="90000"/>
+              </a:lnSpc>
+              <a:spcBef>
+                <a:spcPct val="0"/>
+              </a:spcBef>
+              <a:buNone/>
+              <a:defRPr sz="4400" kern="1200">
                 <a:solidFill>
-                  <a:schemeClr val="tx2">
-                    <a:lumMod val="60000"/>
-                    <a:lumOff val="40000"/>
-                  </a:schemeClr>
+                  <a:schemeClr val="tx1"/>
                 </a:solidFill>
-                <a:latin typeface="Patua One" pitchFamily="2" charset="0"/>
-              </a:rPr>
-              <a:t>Smart Assist</a:t>
-            </a:r>
-          </a:p>
-        </p:txBody>
-      </p:sp>
-      <p:sp>
-        <p:nvSpPr>
-          <p:cNvPr id="37" name="TextBox 36">
+                <a:latin typeface="+mj-lt"/>
+                <a:ea typeface="+mj-ea"/>
+                <a:cs typeface="+mj-cs"/>
+              </a:defRPr>
+            </a:lvl1pPr>
+          </a:lstStyle>
+          <a:p>
+            <a:endParaRPr lang="en-US" b="1" dirty="0"/>
+          </a:p>
+        </p:txBody>
+      </p:sp>
+      <p:sp>
+        <p:nvSpPr>
+          <p:cNvPr id="7" name="TextBox 6">
             <a:extLst>
               <a:ext uri="{FF2B5EF4-FFF2-40B4-BE49-F238E27FC236}">
-                <a16:creationId xmlns:a16="http://schemas.microsoft.com/office/drawing/2014/main" id="{E8CAC22F-1542-4031-BC6C-A16989886504}"/>
+                <a16:creationId xmlns:a16="http://schemas.microsoft.com/office/drawing/2014/main" id="{17EB74BE-8011-4153-8F37-3BEF9C1F4CC0}"/>
               </a:ext>
             </a:extLst>
           </p:cNvPr>
@@ -13625,8 +12254,8 @@
         </p:nvSpPr>
         <p:spPr>
           <a:xfrm>
-            <a:off x="4943872" y="6550224"/>
-            <a:ext cx="3456384" cy="307777"/>
+            <a:off x="3512128" y="2507734"/>
+            <a:ext cx="6174508" cy="1323439"/>
           </a:xfrm>
           <a:prstGeom prst="rect">
             <a:avLst/>
@@ -13634,226 +12263,14 @@
           <a:noFill/>
         </p:spPr>
         <p:txBody>
-          <a:bodyPr wrap="square" rtlCol="0">
+          <a:bodyPr wrap="square">
             <a:spAutoFit/>
           </a:bodyPr>
           <a:lstStyle/>
           <a:p>
-            <a:pPr defTabSz="1218987">
-              <a:defRPr/>
-            </a:pPr>
-            <a:r>
-              <a:rPr lang="en-US" sz="1400" b="1" dirty="0">
-                <a:solidFill>
-                  <a:prstClr val="black"/>
-                </a:solidFill>
-                <a:latin typeface="Arial Rounded MT Bold" panose="020F0704030504030204" pitchFamily="34" charset="0"/>
-                <a:ea typeface="Arial Unicode MS" panose="020B0604020202020204" pitchFamily="34" charset="-128"/>
-                <a:cs typeface="Arial Unicode MS" panose="020B0604020202020204" pitchFamily="34" charset="-128"/>
-              </a:rPr>
-              <a:t>www.anubhavtrainings.com</a:t>
-            </a:r>
-            <a:endParaRPr lang="en-IN" sz="1400" b="1" dirty="0">
-              <a:solidFill>
-                <a:prstClr val="black"/>
-              </a:solidFill>
-              <a:latin typeface="Arial Rounded MT Bold" panose="020F0704030504030204" pitchFamily="34" charset="0"/>
-              <a:ea typeface="Arial Unicode MS" panose="020B0604020202020204" pitchFamily="34" charset="-128"/>
-              <a:cs typeface="Arial Unicode MS" panose="020B0604020202020204" pitchFamily="34" charset="-128"/>
-            </a:endParaRPr>
-          </a:p>
-        </p:txBody>
-      </p:sp>
-      <p:pic>
-        <p:nvPicPr>
-          <p:cNvPr id="40" name="Picture 39">
-            <a:extLst>
-              <a:ext uri="{FF2B5EF4-FFF2-40B4-BE49-F238E27FC236}">
-                <a16:creationId xmlns:a16="http://schemas.microsoft.com/office/drawing/2014/main" id="{DA60E6FB-8C44-4FEB-B6E9-83DA908565CD}"/>
-              </a:ext>
-            </a:extLst>
-          </p:cNvPr>
-          <p:cNvPicPr>
-            <a:picLocks noChangeAspect="1"/>
-          </p:cNvPicPr>
-          <p:nvPr/>
-        </p:nvPicPr>
-        <p:blipFill>
-          <a:blip r:embed="rId2">
-            <a:extLst>
-              <a:ext uri="{28A0092B-C50C-407E-A947-70E740481C1C}">
-                <a14:useLocalDpi xmlns:a14="http://schemas.microsoft.com/office/drawing/2010/main" val="0"/>
-              </a:ext>
-            </a:extLst>
-          </a:blip>
-          <a:stretch>
-            <a:fillRect/>
-          </a:stretch>
-        </p:blipFill>
-        <p:spPr>
-          <a:xfrm>
-            <a:off x="9624393" y="106009"/>
-            <a:ext cx="2335203" cy="762895"/>
-          </a:xfrm>
-          <a:prstGeom prst="rect">
-            <a:avLst/>
-          </a:prstGeom>
-        </p:spPr>
-      </p:pic>
-      <p:cxnSp>
-        <p:nvCxnSpPr>
-          <p:cNvPr id="41" name="Straight Connector 40">
-            <a:extLst>
-              <a:ext uri="{FF2B5EF4-FFF2-40B4-BE49-F238E27FC236}">
-                <a16:creationId xmlns:a16="http://schemas.microsoft.com/office/drawing/2014/main" id="{3B3B7D73-CAE9-45AC-ACCE-FAEF4E505C7A}"/>
-              </a:ext>
-            </a:extLst>
-          </p:cNvPr>
-          <p:cNvCxnSpPr/>
-          <p:nvPr/>
-        </p:nvCxnSpPr>
-        <p:spPr>
-          <a:xfrm>
-            <a:off x="1588" y="764704"/>
-            <a:ext cx="6479584" cy="0"/>
-          </a:xfrm>
-          <a:prstGeom prst="line">
-            <a:avLst/>
-          </a:prstGeom>
-        </p:spPr>
-        <p:style>
-          <a:lnRef idx="2">
-            <a:schemeClr val="accent6"/>
-          </a:lnRef>
-          <a:fillRef idx="0">
-            <a:schemeClr val="accent6"/>
-          </a:fillRef>
-          <a:effectRef idx="1">
-            <a:schemeClr val="accent6"/>
-          </a:effectRef>
-          <a:fontRef idx="minor">
-            <a:schemeClr val="tx1"/>
-          </a:fontRef>
-        </p:style>
-      </p:cxnSp>
-      <p:sp>
-        <p:nvSpPr>
-          <p:cNvPr id="2" name="TextBox 1">
-            <a:extLst>
-              <a:ext uri="{FF2B5EF4-FFF2-40B4-BE49-F238E27FC236}">
-                <a16:creationId xmlns:a16="http://schemas.microsoft.com/office/drawing/2014/main" id="{CD1D6D39-D325-4109-A88D-DC1838B69358}"/>
-              </a:ext>
-            </a:extLst>
-          </p:cNvPr>
-          <p:cNvSpPr txBox="1"/>
-          <p:nvPr/>
-        </p:nvSpPr>
-        <p:spPr>
-          <a:xfrm>
-            <a:off x="152401" y="990601"/>
-            <a:ext cx="12038013" cy="4524315"/>
-          </a:xfrm>
-          <a:prstGeom prst="rect">
-            <a:avLst/>
-          </a:prstGeom>
-          <a:noFill/>
-        </p:spPr>
-        <p:txBody>
-          <a:bodyPr wrap="square" rtlCol="0">
-            <a:spAutoFit/>
-          </a:bodyPr>
-          <a:lstStyle/>
-          <a:p>
-            <a:pPr marL="457200" indent="-457200" defTabSz="1218987">
-              <a:buFontTx/>
-              <a:buAutoNum type="arabicPeriod"/>
-            </a:pPr>
-            <a:r>
-              <a:rPr lang="en-US" sz="2400" dirty="0">
-                <a:solidFill>
-                  <a:prstClr val="black"/>
-                </a:solidFill>
-                <a:latin typeface="Calibri"/>
-              </a:rPr>
-              <a:t>Search to Insight – Augmented Analytics</a:t>
-            </a:r>
-          </a:p>
-          <a:p>
-            <a:pPr defTabSz="1218987"/>
-            <a:r>
-              <a:rPr lang="en-US" sz="2400" dirty="0">
-                <a:solidFill>
-                  <a:prstClr val="black"/>
-                </a:solidFill>
-                <a:latin typeface="Calibri"/>
-              </a:rPr>
-              <a:t>Allows users to use NLP (Natural Language) to command system and system can convert NL using NLP capability of machine learning and present the outputs to the user.</a:t>
-            </a:r>
-          </a:p>
-          <a:p>
-            <a:pPr defTabSz="1218987"/>
-            <a:endParaRPr lang="en-US" sz="2400" dirty="0">
-              <a:solidFill>
-                <a:prstClr val="black"/>
-              </a:solidFill>
-              <a:latin typeface="Calibri"/>
-            </a:endParaRPr>
-          </a:p>
-          <a:p>
-            <a:pPr defTabSz="1218987"/>
-            <a:r>
-              <a:rPr lang="en-US" sz="2400" dirty="0">
-                <a:solidFill>
-                  <a:prstClr val="black"/>
-                </a:solidFill>
-                <a:latin typeface="Calibri"/>
-              </a:rPr>
-              <a:t>2. Smart Discovery</a:t>
-            </a:r>
-          </a:p>
-          <a:p>
-            <a:pPr defTabSz="1218987"/>
-            <a:r>
-              <a:rPr lang="en-US" sz="2400" dirty="0">
-                <a:solidFill>
-                  <a:prstClr val="black"/>
-                </a:solidFill>
-                <a:latin typeface="Calibri"/>
-              </a:rPr>
-              <a:t>It offers a complete machine learning suite(robot) to build ENTIRE dashboard automatically with just one click, what we need to specify is the measure which we want to use to be in focus. It will also find the anomalies and unexpected hidden patterns in the data.</a:t>
-            </a:r>
-          </a:p>
-          <a:p>
-            <a:pPr defTabSz="1218987"/>
-            <a:endParaRPr lang="en-US" sz="2400" dirty="0">
-              <a:solidFill>
-                <a:prstClr val="black"/>
-              </a:solidFill>
-              <a:latin typeface="Calibri"/>
-            </a:endParaRPr>
-          </a:p>
-          <a:p>
-            <a:pPr defTabSz="1218987"/>
-            <a:r>
-              <a:rPr lang="en-US" sz="2400" dirty="0">
-                <a:solidFill>
-                  <a:prstClr val="black"/>
-                </a:solidFill>
-                <a:latin typeface="Calibri"/>
-              </a:rPr>
-              <a:t>3. Smart Insight</a:t>
-            </a:r>
-          </a:p>
-          <a:p>
-            <a:pPr defTabSz="1218987"/>
-            <a:r>
-              <a:rPr lang="en-US" sz="2400" dirty="0">
-                <a:solidFill>
-                  <a:prstClr val="black"/>
-                </a:solidFill>
-                <a:latin typeface="Calibri"/>
-              </a:rPr>
-              <a:t>Its simple, easy to use machine learning to find out most important key influencers contributing to a measure. We will also be able to drill down to these influencers.</a:t>
+            <a:r>
+              <a:rPr lang="en-US" sz="8000" b="1" dirty="0"/>
+              <a:t>End of Day 4</a:t>
             </a:r>
           </a:p>
         </p:txBody>
@@ -13861,16 +12278,13 @@
     </p:spTree>
     <p:extLst>
       <p:ext uri="{BB962C8B-B14F-4D97-AF65-F5344CB8AC3E}">
-        <p14:creationId xmlns:p14="http://schemas.microsoft.com/office/powerpoint/2010/main" val="814002446"/>
+        <p14:creationId xmlns:p14="http://schemas.microsoft.com/office/powerpoint/2010/main" val="3867772902"/>
       </p:ext>
     </p:extLst>
   </p:cSld>
   <p:clrMapOvr>
     <a:masterClrMapping/>
   </p:clrMapOvr>
-  <p:transition spd="slow">
-    <p:push dir="u"/>
-  </p:transition>
 </p:sld>
 </file>
 
